--- a/E-bike Proposal.pptx
+++ b/E-bike Proposal.pptx
@@ -6,9 +6,12 @@
   </p:sldMasterIdLst>
   <p:sldIdLst>
     <p:sldId id="256" r:id="rId2"/>
-    <p:sldId id="257" r:id="rId3"/>
-    <p:sldId id="258" r:id="rId4"/>
-    <p:sldId id="259" r:id="rId5"/>
+    <p:sldId id="258" r:id="rId3"/>
+    <p:sldId id="259" r:id="rId4"/>
+    <p:sldId id="257" r:id="rId5"/>
+    <p:sldId id="260" r:id="rId6"/>
+    <p:sldId id="261" r:id="rId7"/>
+    <p:sldId id="262" r:id="rId8"/>
   </p:sldIdLst>
   <p:sldSz cx="12192000" cy="6858000"/>
   <p:notesSz cx="6858000" cy="9144000"/>
@@ -107,7 +110,2639 @@
       </a:defRPr>
     </a:lvl9pPr>
   </p:defaultTextStyle>
+  <p:extLst>
+    <p:ext uri="{EFAFB233-063F-42B5-8137-9DF3F51BA10A}">
+      <p15:sldGuideLst xmlns:p15="http://schemas.microsoft.com/office/powerpoint/2012/main"/>
+    </p:ext>
+  </p:extLst>
 </p:presentation>
+</file>
+
+<file path=ppt/diagrams/colors1.xml><?xml version="1.0" encoding="utf-8"?>
+<dgm:colorsDef xmlns:dgm="http://schemas.openxmlformats.org/drawingml/2006/diagram" xmlns:a="http://schemas.openxmlformats.org/drawingml/2006/main" uniqueId="urn:microsoft.com/office/officeart/2005/8/colors/accent1_2">
+  <dgm:title val=""/>
+  <dgm:desc val=""/>
+  <dgm:catLst>
+    <dgm:cat type="accent1" pri="11200"/>
+  </dgm:catLst>
+  <dgm:styleLbl name="node0">
+    <dgm:fillClrLst meth="repeat">
+      <a:schemeClr val="accent1"/>
+    </dgm:fillClrLst>
+    <dgm:linClrLst meth="repeat">
+      <a:schemeClr val="lt1"/>
+    </dgm:linClrLst>
+    <dgm:effectClrLst/>
+    <dgm:txLinClrLst/>
+    <dgm:txFillClrLst/>
+    <dgm:txEffectClrLst/>
+  </dgm:styleLbl>
+  <dgm:styleLbl name="alignNode1">
+    <dgm:fillClrLst meth="repeat">
+      <a:schemeClr val="accent1"/>
+    </dgm:fillClrLst>
+    <dgm:linClrLst meth="repeat">
+      <a:schemeClr val="accent1"/>
+    </dgm:linClrLst>
+    <dgm:effectClrLst/>
+    <dgm:txLinClrLst/>
+    <dgm:txFillClrLst/>
+    <dgm:txEffectClrLst/>
+  </dgm:styleLbl>
+  <dgm:styleLbl name="node1">
+    <dgm:fillClrLst meth="repeat">
+      <a:schemeClr val="accent1"/>
+    </dgm:fillClrLst>
+    <dgm:linClrLst meth="repeat">
+      <a:schemeClr val="lt1"/>
+    </dgm:linClrLst>
+    <dgm:effectClrLst/>
+    <dgm:txLinClrLst/>
+    <dgm:txFillClrLst/>
+    <dgm:txEffectClrLst/>
+  </dgm:styleLbl>
+  <dgm:styleLbl name="lnNode1">
+    <dgm:fillClrLst meth="repeat">
+      <a:schemeClr val="accent1"/>
+    </dgm:fillClrLst>
+    <dgm:linClrLst meth="repeat">
+      <a:schemeClr val="lt1"/>
+    </dgm:linClrLst>
+    <dgm:effectClrLst/>
+    <dgm:txLinClrLst/>
+    <dgm:txFillClrLst/>
+    <dgm:txEffectClrLst/>
+  </dgm:styleLbl>
+  <dgm:styleLbl name="vennNode1">
+    <dgm:fillClrLst meth="repeat">
+      <a:schemeClr val="accent1">
+        <a:alpha val="50000"/>
+      </a:schemeClr>
+    </dgm:fillClrLst>
+    <dgm:linClrLst meth="repeat">
+      <a:schemeClr val="lt1"/>
+    </dgm:linClrLst>
+    <dgm:effectClrLst/>
+    <dgm:txLinClrLst/>
+    <dgm:txFillClrLst/>
+    <dgm:txEffectClrLst/>
+  </dgm:styleLbl>
+  <dgm:styleLbl name="node2">
+    <dgm:fillClrLst meth="repeat">
+      <a:schemeClr val="accent1"/>
+    </dgm:fillClrLst>
+    <dgm:linClrLst meth="repeat">
+      <a:schemeClr val="lt1"/>
+    </dgm:linClrLst>
+    <dgm:effectClrLst/>
+    <dgm:txLinClrLst/>
+    <dgm:txFillClrLst/>
+    <dgm:txEffectClrLst/>
+  </dgm:styleLbl>
+  <dgm:styleLbl name="node3">
+    <dgm:fillClrLst meth="repeat">
+      <a:schemeClr val="accent1"/>
+    </dgm:fillClrLst>
+    <dgm:linClrLst meth="repeat">
+      <a:schemeClr val="lt1"/>
+    </dgm:linClrLst>
+    <dgm:effectClrLst/>
+    <dgm:txLinClrLst/>
+    <dgm:txFillClrLst/>
+    <dgm:txEffectClrLst/>
+  </dgm:styleLbl>
+  <dgm:styleLbl name="node4">
+    <dgm:fillClrLst meth="repeat">
+      <a:schemeClr val="accent1"/>
+    </dgm:fillClrLst>
+    <dgm:linClrLst meth="repeat">
+      <a:schemeClr val="lt1"/>
+    </dgm:linClrLst>
+    <dgm:effectClrLst/>
+    <dgm:txLinClrLst/>
+    <dgm:txFillClrLst/>
+    <dgm:txEffectClrLst/>
+  </dgm:styleLbl>
+  <dgm:styleLbl name="fgImgPlace1">
+    <dgm:fillClrLst meth="repeat">
+      <a:schemeClr val="accent1">
+        <a:tint val="50000"/>
+      </a:schemeClr>
+    </dgm:fillClrLst>
+    <dgm:linClrLst meth="repeat">
+      <a:schemeClr val="lt1"/>
+    </dgm:linClrLst>
+    <dgm:effectClrLst/>
+    <dgm:txLinClrLst/>
+    <dgm:txFillClrLst meth="repeat">
+      <a:schemeClr val="lt1"/>
+    </dgm:txFillClrLst>
+    <dgm:txEffectClrLst/>
+  </dgm:styleLbl>
+  <dgm:styleLbl name="alignImgPlace1">
+    <dgm:fillClrLst meth="repeat">
+      <a:schemeClr val="accent1">
+        <a:tint val="50000"/>
+      </a:schemeClr>
+    </dgm:fillClrLst>
+    <dgm:linClrLst meth="repeat">
+      <a:schemeClr val="lt1"/>
+    </dgm:linClrLst>
+    <dgm:effectClrLst/>
+    <dgm:txLinClrLst/>
+    <dgm:txFillClrLst meth="repeat">
+      <a:schemeClr val="lt1"/>
+    </dgm:txFillClrLst>
+    <dgm:txEffectClrLst/>
+  </dgm:styleLbl>
+  <dgm:styleLbl name="bgImgPlace1">
+    <dgm:fillClrLst meth="repeat">
+      <a:schemeClr val="accent1">
+        <a:tint val="50000"/>
+      </a:schemeClr>
+    </dgm:fillClrLst>
+    <dgm:linClrLst meth="repeat">
+      <a:schemeClr val="lt1"/>
+    </dgm:linClrLst>
+    <dgm:effectClrLst/>
+    <dgm:txLinClrLst/>
+    <dgm:txFillClrLst meth="repeat">
+      <a:schemeClr val="lt1"/>
+    </dgm:txFillClrLst>
+    <dgm:txEffectClrLst/>
+  </dgm:styleLbl>
+  <dgm:styleLbl name="sibTrans2D1">
+    <dgm:fillClrLst meth="repeat">
+      <a:schemeClr val="accent1">
+        <a:tint val="60000"/>
+      </a:schemeClr>
+    </dgm:fillClrLst>
+    <dgm:linClrLst meth="repeat">
+      <a:schemeClr val="accent1">
+        <a:tint val="60000"/>
+      </a:schemeClr>
+    </dgm:linClrLst>
+    <dgm:effectClrLst/>
+    <dgm:txLinClrLst/>
+    <dgm:txFillClrLst/>
+    <dgm:txEffectClrLst/>
+  </dgm:styleLbl>
+  <dgm:styleLbl name="fgSibTrans2D1">
+    <dgm:fillClrLst meth="repeat">
+      <a:schemeClr val="accent1">
+        <a:tint val="60000"/>
+      </a:schemeClr>
+    </dgm:fillClrLst>
+    <dgm:linClrLst meth="repeat">
+      <a:schemeClr val="accent1">
+        <a:tint val="60000"/>
+      </a:schemeClr>
+    </dgm:linClrLst>
+    <dgm:effectClrLst/>
+    <dgm:txLinClrLst/>
+    <dgm:txFillClrLst/>
+    <dgm:txEffectClrLst/>
+  </dgm:styleLbl>
+  <dgm:styleLbl name="bgSibTrans2D1">
+    <dgm:fillClrLst meth="repeat">
+      <a:schemeClr val="accent1">
+        <a:tint val="60000"/>
+      </a:schemeClr>
+    </dgm:fillClrLst>
+    <dgm:linClrLst meth="repeat">
+      <a:schemeClr val="accent1">
+        <a:tint val="60000"/>
+      </a:schemeClr>
+    </dgm:linClrLst>
+    <dgm:effectClrLst/>
+    <dgm:txLinClrLst/>
+    <dgm:txFillClrLst/>
+    <dgm:txEffectClrLst/>
+  </dgm:styleLbl>
+  <dgm:styleLbl name="sibTrans1D1">
+    <dgm:fillClrLst meth="repeat">
+      <a:schemeClr val="accent1"/>
+    </dgm:fillClrLst>
+    <dgm:linClrLst meth="repeat">
+      <a:schemeClr val="accent1"/>
+    </dgm:linClrLst>
+    <dgm:effectClrLst/>
+    <dgm:txLinClrLst/>
+    <dgm:txFillClrLst meth="repeat">
+      <a:schemeClr val="tx1"/>
+    </dgm:txFillClrLst>
+    <dgm:txEffectClrLst/>
+  </dgm:styleLbl>
+  <dgm:styleLbl name="callout">
+    <dgm:fillClrLst meth="repeat">
+      <a:schemeClr val="accent1"/>
+    </dgm:fillClrLst>
+    <dgm:linClrLst meth="repeat">
+      <a:schemeClr val="accent1">
+        <a:tint val="50000"/>
+      </a:schemeClr>
+    </dgm:linClrLst>
+    <dgm:effectClrLst/>
+    <dgm:txLinClrLst/>
+    <dgm:txFillClrLst meth="repeat">
+      <a:schemeClr val="tx1"/>
+    </dgm:txFillClrLst>
+    <dgm:txEffectClrLst/>
+  </dgm:styleLbl>
+  <dgm:styleLbl name="asst0">
+    <dgm:fillClrLst meth="repeat">
+      <a:schemeClr val="accent1"/>
+    </dgm:fillClrLst>
+    <dgm:linClrLst meth="repeat">
+      <a:schemeClr val="lt1"/>
+    </dgm:linClrLst>
+    <dgm:effectClrLst/>
+    <dgm:txLinClrLst/>
+    <dgm:txFillClrLst/>
+    <dgm:txEffectClrLst/>
+  </dgm:styleLbl>
+  <dgm:styleLbl name="asst1">
+    <dgm:fillClrLst meth="repeat">
+      <a:schemeClr val="accent1"/>
+    </dgm:fillClrLst>
+    <dgm:linClrLst meth="repeat">
+      <a:schemeClr val="lt1"/>
+    </dgm:linClrLst>
+    <dgm:effectClrLst/>
+    <dgm:txLinClrLst/>
+    <dgm:txFillClrLst/>
+    <dgm:txEffectClrLst/>
+  </dgm:styleLbl>
+  <dgm:styleLbl name="asst2">
+    <dgm:fillClrLst meth="repeat">
+      <a:schemeClr val="accent1"/>
+    </dgm:fillClrLst>
+    <dgm:linClrLst meth="repeat">
+      <a:schemeClr val="lt1"/>
+    </dgm:linClrLst>
+    <dgm:effectClrLst/>
+    <dgm:txLinClrLst/>
+    <dgm:txFillClrLst/>
+    <dgm:txEffectClrLst/>
+  </dgm:styleLbl>
+  <dgm:styleLbl name="asst3">
+    <dgm:fillClrLst meth="repeat">
+      <a:schemeClr val="accent1"/>
+    </dgm:fillClrLst>
+    <dgm:linClrLst meth="repeat">
+      <a:schemeClr val="lt1"/>
+    </dgm:linClrLst>
+    <dgm:effectClrLst/>
+    <dgm:txLinClrLst/>
+    <dgm:txFillClrLst/>
+    <dgm:txEffectClrLst/>
+  </dgm:styleLbl>
+  <dgm:styleLbl name="asst4">
+    <dgm:fillClrLst meth="repeat">
+      <a:schemeClr val="accent1"/>
+    </dgm:fillClrLst>
+    <dgm:linClrLst meth="repeat">
+      <a:schemeClr val="lt1"/>
+    </dgm:linClrLst>
+    <dgm:effectClrLst/>
+    <dgm:txLinClrLst/>
+    <dgm:txFillClrLst/>
+    <dgm:txEffectClrLst/>
+  </dgm:styleLbl>
+  <dgm:styleLbl name="parChTrans2D1">
+    <dgm:fillClrLst meth="repeat">
+      <a:schemeClr val="accent1">
+        <a:tint val="60000"/>
+      </a:schemeClr>
+    </dgm:fillClrLst>
+    <dgm:linClrLst meth="repeat">
+      <a:schemeClr val="accent1">
+        <a:tint val="60000"/>
+      </a:schemeClr>
+    </dgm:linClrLst>
+    <dgm:effectClrLst/>
+    <dgm:txLinClrLst/>
+    <dgm:txFillClrLst meth="repeat">
+      <a:schemeClr val="lt1"/>
+    </dgm:txFillClrLst>
+    <dgm:txEffectClrLst/>
+  </dgm:styleLbl>
+  <dgm:styleLbl name="parChTrans2D2">
+    <dgm:fillClrLst meth="repeat">
+      <a:schemeClr val="accent1"/>
+    </dgm:fillClrLst>
+    <dgm:linClrLst meth="repeat">
+      <a:schemeClr val="accent1"/>
+    </dgm:linClrLst>
+    <dgm:effectClrLst/>
+    <dgm:txLinClrLst/>
+    <dgm:txFillClrLst meth="repeat">
+      <a:schemeClr val="lt1"/>
+    </dgm:txFillClrLst>
+    <dgm:txEffectClrLst/>
+  </dgm:styleLbl>
+  <dgm:styleLbl name="parChTrans2D3">
+    <dgm:fillClrLst meth="repeat">
+      <a:schemeClr val="accent1"/>
+    </dgm:fillClrLst>
+    <dgm:linClrLst meth="repeat">
+      <a:schemeClr val="accent1"/>
+    </dgm:linClrLst>
+    <dgm:effectClrLst/>
+    <dgm:txLinClrLst/>
+    <dgm:txFillClrLst meth="repeat">
+      <a:schemeClr val="lt1"/>
+    </dgm:txFillClrLst>
+    <dgm:txEffectClrLst/>
+  </dgm:styleLbl>
+  <dgm:styleLbl name="parChTrans2D4">
+    <dgm:fillClrLst meth="repeat">
+      <a:schemeClr val="accent1"/>
+    </dgm:fillClrLst>
+    <dgm:linClrLst meth="repeat">
+      <a:schemeClr val="accent1"/>
+    </dgm:linClrLst>
+    <dgm:effectClrLst/>
+    <dgm:txLinClrLst/>
+    <dgm:txFillClrLst meth="repeat">
+      <a:schemeClr val="lt1"/>
+    </dgm:txFillClrLst>
+    <dgm:txEffectClrLst/>
+  </dgm:styleLbl>
+  <dgm:styleLbl name="parChTrans1D1">
+    <dgm:fillClrLst meth="repeat">
+      <a:schemeClr val="accent1"/>
+    </dgm:fillClrLst>
+    <dgm:linClrLst meth="repeat">
+      <a:schemeClr val="accent1">
+        <a:shade val="60000"/>
+      </a:schemeClr>
+    </dgm:linClrLst>
+    <dgm:effectClrLst/>
+    <dgm:txLinClrLst/>
+    <dgm:txFillClrLst meth="repeat">
+      <a:schemeClr val="tx1"/>
+    </dgm:txFillClrLst>
+    <dgm:txEffectClrLst/>
+  </dgm:styleLbl>
+  <dgm:styleLbl name="parChTrans1D2">
+    <dgm:fillClrLst meth="repeat">
+      <a:schemeClr val="accent1"/>
+    </dgm:fillClrLst>
+    <dgm:linClrLst meth="repeat">
+      <a:schemeClr val="accent1">
+        <a:shade val="60000"/>
+      </a:schemeClr>
+    </dgm:linClrLst>
+    <dgm:effectClrLst/>
+    <dgm:txLinClrLst/>
+    <dgm:txFillClrLst meth="repeat">
+      <a:schemeClr val="tx1"/>
+    </dgm:txFillClrLst>
+    <dgm:txEffectClrLst/>
+  </dgm:styleLbl>
+  <dgm:styleLbl name="parChTrans1D3">
+    <dgm:fillClrLst meth="repeat">
+      <a:schemeClr val="accent1"/>
+    </dgm:fillClrLst>
+    <dgm:linClrLst meth="repeat">
+      <a:schemeClr val="accent1">
+        <a:shade val="80000"/>
+      </a:schemeClr>
+    </dgm:linClrLst>
+    <dgm:effectClrLst/>
+    <dgm:txLinClrLst/>
+    <dgm:txFillClrLst meth="repeat">
+      <a:schemeClr val="tx1"/>
+    </dgm:txFillClrLst>
+    <dgm:txEffectClrLst/>
+  </dgm:styleLbl>
+  <dgm:styleLbl name="parChTrans1D4">
+    <dgm:fillClrLst meth="repeat">
+      <a:schemeClr val="accent1"/>
+    </dgm:fillClrLst>
+    <dgm:linClrLst meth="repeat">
+      <a:schemeClr val="accent1">
+        <a:shade val="80000"/>
+      </a:schemeClr>
+    </dgm:linClrLst>
+    <dgm:effectClrLst/>
+    <dgm:txLinClrLst/>
+    <dgm:txFillClrLst meth="repeat">
+      <a:schemeClr val="tx1"/>
+    </dgm:txFillClrLst>
+    <dgm:txEffectClrLst/>
+  </dgm:styleLbl>
+  <dgm:styleLbl name="fgAcc1">
+    <dgm:fillClrLst meth="repeat">
+      <a:schemeClr val="lt1">
+        <a:alpha val="90000"/>
+      </a:schemeClr>
+    </dgm:fillClrLst>
+    <dgm:linClrLst meth="repeat">
+      <a:schemeClr val="accent1"/>
+    </dgm:linClrLst>
+    <dgm:effectClrLst/>
+    <dgm:txLinClrLst/>
+    <dgm:txFillClrLst meth="repeat">
+      <a:schemeClr val="dk1"/>
+    </dgm:txFillClrLst>
+    <dgm:txEffectClrLst/>
+  </dgm:styleLbl>
+  <dgm:styleLbl name="conFgAcc1">
+    <dgm:fillClrLst meth="repeat">
+      <a:schemeClr val="lt1">
+        <a:alpha val="90000"/>
+      </a:schemeClr>
+    </dgm:fillClrLst>
+    <dgm:linClrLst meth="repeat">
+      <a:schemeClr val="accent1"/>
+    </dgm:linClrLst>
+    <dgm:effectClrLst/>
+    <dgm:txLinClrLst/>
+    <dgm:txFillClrLst meth="repeat">
+      <a:schemeClr val="dk1"/>
+    </dgm:txFillClrLst>
+    <dgm:txEffectClrLst/>
+  </dgm:styleLbl>
+  <dgm:styleLbl name="alignAcc1">
+    <dgm:fillClrLst meth="repeat">
+      <a:schemeClr val="lt1">
+        <a:alpha val="90000"/>
+      </a:schemeClr>
+    </dgm:fillClrLst>
+    <dgm:linClrLst meth="repeat">
+      <a:schemeClr val="accent1"/>
+    </dgm:linClrLst>
+    <dgm:effectClrLst/>
+    <dgm:txLinClrLst/>
+    <dgm:txFillClrLst meth="repeat">
+      <a:schemeClr val="dk1"/>
+    </dgm:txFillClrLst>
+    <dgm:txEffectClrLst/>
+  </dgm:styleLbl>
+  <dgm:styleLbl name="trAlignAcc1">
+    <dgm:fillClrLst meth="repeat">
+      <a:schemeClr val="lt1">
+        <a:alpha val="40000"/>
+      </a:schemeClr>
+    </dgm:fillClrLst>
+    <dgm:linClrLst meth="repeat">
+      <a:schemeClr val="accent1"/>
+    </dgm:linClrLst>
+    <dgm:effectClrLst/>
+    <dgm:txLinClrLst/>
+    <dgm:txFillClrLst meth="repeat">
+      <a:schemeClr val="dk1"/>
+    </dgm:txFillClrLst>
+    <dgm:txEffectClrLst/>
+  </dgm:styleLbl>
+  <dgm:styleLbl name="bgAcc1">
+    <dgm:fillClrLst meth="repeat">
+      <a:schemeClr val="lt1">
+        <a:alpha val="90000"/>
+      </a:schemeClr>
+    </dgm:fillClrLst>
+    <dgm:linClrLst meth="repeat">
+      <a:schemeClr val="accent1"/>
+    </dgm:linClrLst>
+    <dgm:effectClrLst/>
+    <dgm:txLinClrLst/>
+    <dgm:txFillClrLst meth="repeat">
+      <a:schemeClr val="dk1"/>
+    </dgm:txFillClrLst>
+    <dgm:txEffectClrLst/>
+  </dgm:styleLbl>
+  <dgm:styleLbl name="solidFgAcc1">
+    <dgm:fillClrLst meth="repeat">
+      <a:schemeClr val="lt1"/>
+    </dgm:fillClrLst>
+    <dgm:linClrLst meth="repeat">
+      <a:schemeClr val="accent1"/>
+    </dgm:linClrLst>
+    <dgm:effectClrLst/>
+    <dgm:txLinClrLst/>
+    <dgm:txFillClrLst meth="repeat">
+      <a:schemeClr val="dk1"/>
+    </dgm:txFillClrLst>
+    <dgm:txEffectClrLst/>
+  </dgm:styleLbl>
+  <dgm:styleLbl name="solidAlignAcc1">
+    <dgm:fillClrLst meth="repeat">
+      <a:schemeClr val="lt1"/>
+    </dgm:fillClrLst>
+    <dgm:linClrLst meth="repeat">
+      <a:schemeClr val="accent1"/>
+    </dgm:linClrLst>
+    <dgm:effectClrLst/>
+    <dgm:txLinClrLst/>
+    <dgm:txFillClrLst meth="repeat">
+      <a:schemeClr val="dk1"/>
+    </dgm:txFillClrLst>
+    <dgm:txEffectClrLst/>
+  </dgm:styleLbl>
+  <dgm:styleLbl name="solidBgAcc1">
+    <dgm:fillClrLst meth="repeat">
+      <a:schemeClr val="lt1"/>
+    </dgm:fillClrLst>
+    <dgm:linClrLst meth="repeat">
+      <a:schemeClr val="accent1"/>
+    </dgm:linClrLst>
+    <dgm:effectClrLst/>
+    <dgm:txLinClrLst/>
+    <dgm:txFillClrLst meth="repeat">
+      <a:schemeClr val="dk1"/>
+    </dgm:txFillClrLst>
+    <dgm:txEffectClrLst/>
+  </dgm:styleLbl>
+  <dgm:styleLbl name="fgAccFollowNode1">
+    <dgm:fillClrLst meth="repeat">
+      <a:schemeClr val="accent1">
+        <a:alpha val="90000"/>
+        <a:tint val="40000"/>
+      </a:schemeClr>
+    </dgm:fillClrLst>
+    <dgm:linClrLst meth="repeat">
+      <a:schemeClr val="accent1">
+        <a:alpha val="90000"/>
+        <a:tint val="40000"/>
+      </a:schemeClr>
+    </dgm:linClrLst>
+    <dgm:effectClrLst/>
+    <dgm:txLinClrLst/>
+    <dgm:txFillClrLst meth="repeat">
+      <a:schemeClr val="dk1"/>
+    </dgm:txFillClrLst>
+    <dgm:txEffectClrLst/>
+  </dgm:styleLbl>
+  <dgm:styleLbl name="alignAccFollowNode1">
+    <dgm:fillClrLst meth="repeat">
+      <a:schemeClr val="accent1">
+        <a:alpha val="90000"/>
+        <a:tint val="40000"/>
+      </a:schemeClr>
+    </dgm:fillClrLst>
+    <dgm:linClrLst meth="repeat">
+      <a:schemeClr val="accent1">
+        <a:alpha val="90000"/>
+        <a:tint val="40000"/>
+      </a:schemeClr>
+    </dgm:linClrLst>
+    <dgm:effectClrLst/>
+    <dgm:txLinClrLst/>
+    <dgm:txFillClrLst meth="repeat">
+      <a:schemeClr val="dk1"/>
+    </dgm:txFillClrLst>
+    <dgm:txEffectClrLst/>
+  </dgm:styleLbl>
+  <dgm:styleLbl name="bgAccFollowNode1">
+    <dgm:fillClrLst meth="repeat">
+      <a:schemeClr val="accent1">
+        <a:alpha val="90000"/>
+        <a:tint val="40000"/>
+      </a:schemeClr>
+    </dgm:fillClrLst>
+    <dgm:linClrLst meth="repeat">
+      <a:schemeClr val="accent1">
+        <a:alpha val="90000"/>
+        <a:tint val="40000"/>
+      </a:schemeClr>
+    </dgm:linClrLst>
+    <dgm:effectClrLst/>
+    <dgm:txLinClrLst/>
+    <dgm:txFillClrLst meth="repeat">
+      <a:schemeClr val="dk1"/>
+    </dgm:txFillClrLst>
+    <dgm:txEffectClrLst/>
+  </dgm:styleLbl>
+  <dgm:styleLbl name="fgAcc0">
+    <dgm:fillClrLst meth="repeat">
+      <a:schemeClr val="lt1">
+        <a:alpha val="90000"/>
+      </a:schemeClr>
+    </dgm:fillClrLst>
+    <dgm:linClrLst meth="repeat">
+      <a:schemeClr val="accent1"/>
+    </dgm:linClrLst>
+    <dgm:effectClrLst/>
+    <dgm:txLinClrLst/>
+    <dgm:txFillClrLst meth="repeat">
+      <a:schemeClr val="dk1"/>
+    </dgm:txFillClrLst>
+    <dgm:txEffectClrLst/>
+  </dgm:styleLbl>
+  <dgm:styleLbl name="fgAcc2">
+    <dgm:fillClrLst meth="repeat">
+      <a:schemeClr val="lt1">
+        <a:alpha val="90000"/>
+      </a:schemeClr>
+    </dgm:fillClrLst>
+    <dgm:linClrLst meth="repeat">
+      <a:schemeClr val="accent1"/>
+    </dgm:linClrLst>
+    <dgm:effectClrLst/>
+    <dgm:txLinClrLst/>
+    <dgm:txFillClrLst meth="repeat">
+      <a:schemeClr val="dk1"/>
+    </dgm:txFillClrLst>
+    <dgm:txEffectClrLst/>
+  </dgm:styleLbl>
+  <dgm:styleLbl name="fgAcc3">
+    <dgm:fillClrLst meth="repeat">
+      <a:schemeClr val="lt1">
+        <a:alpha val="90000"/>
+      </a:schemeClr>
+    </dgm:fillClrLst>
+    <dgm:linClrLst meth="repeat">
+      <a:schemeClr val="accent1"/>
+    </dgm:linClrLst>
+    <dgm:effectClrLst/>
+    <dgm:txLinClrLst/>
+    <dgm:txFillClrLst meth="repeat">
+      <a:schemeClr val="dk1"/>
+    </dgm:txFillClrLst>
+    <dgm:txEffectClrLst/>
+  </dgm:styleLbl>
+  <dgm:styleLbl name="fgAcc4">
+    <dgm:fillClrLst meth="repeat">
+      <a:schemeClr val="lt1">
+        <a:alpha val="90000"/>
+      </a:schemeClr>
+    </dgm:fillClrLst>
+    <dgm:linClrLst meth="repeat">
+      <a:schemeClr val="accent1"/>
+    </dgm:linClrLst>
+    <dgm:effectClrLst/>
+    <dgm:txLinClrLst/>
+    <dgm:txFillClrLst meth="repeat">
+      <a:schemeClr val="dk1"/>
+    </dgm:txFillClrLst>
+    <dgm:txEffectClrLst/>
+  </dgm:styleLbl>
+  <dgm:styleLbl name="bgShp">
+    <dgm:fillClrLst meth="repeat">
+      <a:schemeClr val="accent1">
+        <a:tint val="40000"/>
+      </a:schemeClr>
+    </dgm:fillClrLst>
+    <dgm:linClrLst meth="repeat">
+      <a:schemeClr val="accent1"/>
+    </dgm:linClrLst>
+    <dgm:effectClrLst/>
+    <dgm:txLinClrLst/>
+    <dgm:txFillClrLst meth="repeat">
+      <a:schemeClr val="dk1"/>
+    </dgm:txFillClrLst>
+    <dgm:txEffectClrLst/>
+  </dgm:styleLbl>
+  <dgm:styleLbl name="dkBgShp">
+    <dgm:fillClrLst meth="repeat">
+      <a:schemeClr val="accent1">
+        <a:shade val="80000"/>
+      </a:schemeClr>
+    </dgm:fillClrLst>
+    <dgm:linClrLst meth="repeat">
+      <a:schemeClr val="accent1"/>
+    </dgm:linClrLst>
+    <dgm:effectClrLst/>
+    <dgm:txLinClrLst/>
+    <dgm:txFillClrLst meth="repeat">
+      <a:schemeClr val="lt1"/>
+    </dgm:txFillClrLst>
+    <dgm:txEffectClrLst/>
+  </dgm:styleLbl>
+  <dgm:styleLbl name="trBgShp">
+    <dgm:fillClrLst meth="repeat">
+      <a:schemeClr val="accent1">
+        <a:tint val="50000"/>
+        <a:alpha val="40000"/>
+      </a:schemeClr>
+    </dgm:fillClrLst>
+    <dgm:linClrLst meth="repeat">
+      <a:schemeClr val="accent1"/>
+    </dgm:linClrLst>
+    <dgm:effectClrLst/>
+    <dgm:txLinClrLst/>
+    <dgm:txFillClrLst meth="repeat">
+      <a:schemeClr val="lt1"/>
+    </dgm:txFillClrLst>
+    <dgm:txEffectClrLst/>
+  </dgm:styleLbl>
+  <dgm:styleLbl name="fgShp">
+    <dgm:fillClrLst meth="repeat">
+      <a:schemeClr val="accent1">
+        <a:tint val="60000"/>
+      </a:schemeClr>
+    </dgm:fillClrLst>
+    <dgm:linClrLst meth="repeat">
+      <a:schemeClr val="lt1"/>
+    </dgm:linClrLst>
+    <dgm:effectClrLst/>
+    <dgm:txLinClrLst/>
+    <dgm:txFillClrLst meth="repeat">
+      <a:schemeClr val="dk1"/>
+    </dgm:txFillClrLst>
+    <dgm:txEffectClrLst/>
+  </dgm:styleLbl>
+  <dgm:styleLbl name="revTx">
+    <dgm:fillClrLst meth="repeat">
+      <a:schemeClr val="lt1">
+        <a:alpha val="0"/>
+      </a:schemeClr>
+    </dgm:fillClrLst>
+    <dgm:linClrLst meth="repeat">
+      <a:schemeClr val="dk1">
+        <a:alpha val="0"/>
+      </a:schemeClr>
+    </dgm:linClrLst>
+    <dgm:effectClrLst/>
+    <dgm:txLinClrLst/>
+    <dgm:txFillClrLst meth="repeat">
+      <a:schemeClr val="tx1"/>
+    </dgm:txFillClrLst>
+    <dgm:txEffectClrLst/>
+  </dgm:styleLbl>
+</dgm:colorsDef>
+</file>
+
+<file path=ppt/diagrams/data1.xml><?xml version="1.0" encoding="utf-8"?>
+<dgm:dataModel xmlns:dgm="http://schemas.openxmlformats.org/drawingml/2006/diagram" xmlns:a="http://schemas.openxmlformats.org/drawingml/2006/main">
+  <dgm:ptLst>
+    <dgm:pt modelId="{E04E9520-A474-4889-B732-D5CFCE58D93A}" type="doc">
+      <dgm:prSet loTypeId="urn:microsoft.com/office/officeart/2005/8/layout/default" loCatId="list" qsTypeId="urn:microsoft.com/office/officeart/2005/8/quickstyle/simple1" qsCatId="simple" csTypeId="urn:microsoft.com/office/officeart/2005/8/colors/accent1_2" csCatId="accent1"/>
+      <dgm:spPr/>
+      <dgm:t>
+        <a:bodyPr/>
+        <a:lstStyle/>
+        <a:p>
+          <a:endParaRPr lang="en-US"/>
+        </a:p>
+      </dgm:t>
+    </dgm:pt>
+    <dgm:pt modelId="{9D0886EE-E3C6-4510-A8D6-7922C49A6E46}">
+      <dgm:prSet/>
+      <dgm:spPr/>
+      <dgm:t>
+        <a:bodyPr/>
+        <a:lstStyle/>
+        <a:p>
+          <a:r>
+            <a:rPr lang="en-US" b="0" i="0"/>
+            <a:t>Speaker holder (for extra vibes)</a:t>
+          </a:r>
+          <a:endParaRPr lang="en-US"/>
+        </a:p>
+      </dgm:t>
+    </dgm:pt>
+    <dgm:pt modelId="{5B003D1C-C125-4A60-89D1-D4A6EDE0F016}" type="parTrans" cxnId="{BF0BA3B6-42CE-4756-AA94-66851FBECB69}">
+      <dgm:prSet/>
+      <dgm:spPr/>
+      <dgm:t>
+        <a:bodyPr/>
+        <a:lstStyle/>
+        <a:p>
+          <a:endParaRPr lang="en-US"/>
+        </a:p>
+      </dgm:t>
+    </dgm:pt>
+    <dgm:pt modelId="{5142CC78-933F-4CFA-A92F-FA014AC56147}" type="sibTrans" cxnId="{BF0BA3B6-42CE-4756-AA94-66851FBECB69}">
+      <dgm:prSet/>
+      <dgm:spPr/>
+      <dgm:t>
+        <a:bodyPr/>
+        <a:lstStyle/>
+        <a:p>
+          <a:endParaRPr lang="en-US"/>
+        </a:p>
+      </dgm:t>
+    </dgm:pt>
+    <dgm:pt modelId="{705A71B0-B2BC-488A-85BB-256A4336DBCF}">
+      <dgm:prSet/>
+      <dgm:spPr/>
+      <dgm:t>
+        <a:bodyPr/>
+        <a:lstStyle/>
+        <a:p>
+          <a:r>
+            <a:rPr lang="en-US" b="0" i="0"/>
+            <a:t>Different modes (like street or drift)</a:t>
+          </a:r>
+          <a:endParaRPr lang="en-US"/>
+        </a:p>
+      </dgm:t>
+    </dgm:pt>
+    <dgm:pt modelId="{C8EF52AE-3152-4717-AFA6-77155119A5A3}" type="parTrans" cxnId="{3142DE99-5D92-4647-9FC6-C09FA0D81955}">
+      <dgm:prSet/>
+      <dgm:spPr/>
+      <dgm:t>
+        <a:bodyPr/>
+        <a:lstStyle/>
+        <a:p>
+          <a:endParaRPr lang="en-US"/>
+        </a:p>
+      </dgm:t>
+    </dgm:pt>
+    <dgm:pt modelId="{407AA255-6E49-4A76-AFDE-8EFCA1C69CB2}" type="sibTrans" cxnId="{3142DE99-5D92-4647-9FC6-C09FA0D81955}">
+      <dgm:prSet/>
+      <dgm:spPr/>
+      <dgm:t>
+        <a:bodyPr/>
+        <a:lstStyle/>
+        <a:p>
+          <a:endParaRPr lang="en-US"/>
+        </a:p>
+      </dgm:t>
+    </dgm:pt>
+    <dgm:pt modelId="{A1F3ECD7-0BCA-491E-89E0-4E42EA0C7203}">
+      <dgm:prSet/>
+      <dgm:spPr/>
+      <dgm:t>
+        <a:bodyPr/>
+        <a:lstStyle/>
+        <a:p>
+          <a:r>
+            <a:rPr lang="en-US" b="0" i="0"/>
+            <a:t>Hydraulics (already not street legal, might as well)</a:t>
+          </a:r>
+          <a:endParaRPr lang="en-US"/>
+        </a:p>
+      </dgm:t>
+    </dgm:pt>
+    <dgm:pt modelId="{923D9280-2479-433C-96F8-A0DE6D761870}" type="parTrans" cxnId="{20361DB5-3A07-45D3-AD22-AC5DD3636F9C}">
+      <dgm:prSet/>
+      <dgm:spPr/>
+      <dgm:t>
+        <a:bodyPr/>
+        <a:lstStyle/>
+        <a:p>
+          <a:endParaRPr lang="en-US"/>
+        </a:p>
+      </dgm:t>
+    </dgm:pt>
+    <dgm:pt modelId="{D6941809-D0A9-4779-84C3-1144AB39CDAE}" type="sibTrans" cxnId="{20361DB5-3A07-45D3-AD22-AC5DD3636F9C}">
+      <dgm:prSet/>
+      <dgm:spPr/>
+      <dgm:t>
+        <a:bodyPr/>
+        <a:lstStyle/>
+        <a:p>
+          <a:endParaRPr lang="en-US"/>
+        </a:p>
+      </dgm:t>
+    </dgm:pt>
+    <dgm:pt modelId="{3D3551C1-3B21-4158-AD30-E03C9764FAA9}">
+      <dgm:prSet/>
+      <dgm:spPr/>
+      <dgm:t>
+        <a:bodyPr/>
+        <a:lstStyle/>
+        <a:p>
+          <a:r>
+            <a:rPr lang="en-US" b="0" i="0"/>
+            <a:t>Auto braking system</a:t>
+          </a:r>
+          <a:endParaRPr lang="en-US"/>
+        </a:p>
+      </dgm:t>
+    </dgm:pt>
+    <dgm:pt modelId="{36C132F8-BE07-4D69-A51B-7D9183754E37}" type="parTrans" cxnId="{8520BAEF-376E-43A2-8648-ACF24846477F}">
+      <dgm:prSet/>
+      <dgm:spPr/>
+      <dgm:t>
+        <a:bodyPr/>
+        <a:lstStyle/>
+        <a:p>
+          <a:endParaRPr lang="en-US"/>
+        </a:p>
+      </dgm:t>
+    </dgm:pt>
+    <dgm:pt modelId="{7A1CF1B0-0769-49AE-B9A1-FF4AFE43ABA8}" type="sibTrans" cxnId="{8520BAEF-376E-43A2-8648-ACF24846477F}">
+      <dgm:prSet/>
+      <dgm:spPr/>
+      <dgm:t>
+        <a:bodyPr/>
+        <a:lstStyle/>
+        <a:p>
+          <a:endParaRPr lang="en-US"/>
+        </a:p>
+      </dgm:t>
+    </dgm:pt>
+    <dgm:pt modelId="{DE1E9DAB-71F4-4F1D-8C84-BF92F3B484AC}">
+      <dgm:prSet/>
+      <dgm:spPr/>
+      <dgm:t>
+        <a:bodyPr/>
+        <a:lstStyle/>
+        <a:p>
+          <a:r>
+            <a:rPr lang="en-US" b="0" i="0"/>
+            <a:t>Potentially other safety features (probably not that’s boring)</a:t>
+          </a:r>
+          <a:endParaRPr lang="en-US"/>
+        </a:p>
+      </dgm:t>
+    </dgm:pt>
+    <dgm:pt modelId="{0EA75E36-956C-4508-AA76-8C2C9C956DB2}" type="parTrans" cxnId="{79777F14-E6D8-41E0-A060-ADF3C36D6B29}">
+      <dgm:prSet/>
+      <dgm:spPr/>
+      <dgm:t>
+        <a:bodyPr/>
+        <a:lstStyle/>
+        <a:p>
+          <a:endParaRPr lang="en-US"/>
+        </a:p>
+      </dgm:t>
+    </dgm:pt>
+    <dgm:pt modelId="{1EC23A42-3490-40DF-84C0-C96A3D6B20E3}" type="sibTrans" cxnId="{79777F14-E6D8-41E0-A060-ADF3C36D6B29}">
+      <dgm:prSet/>
+      <dgm:spPr/>
+      <dgm:t>
+        <a:bodyPr/>
+        <a:lstStyle/>
+        <a:p>
+          <a:endParaRPr lang="en-US"/>
+        </a:p>
+      </dgm:t>
+    </dgm:pt>
+    <dgm:pt modelId="{70125338-6968-469B-AC63-A5573BD3E5A7}" type="pres">
+      <dgm:prSet presAssocID="{E04E9520-A474-4889-B732-D5CFCE58D93A}" presName="diagram" presStyleCnt="0">
+        <dgm:presLayoutVars>
+          <dgm:dir/>
+          <dgm:resizeHandles val="exact"/>
+        </dgm:presLayoutVars>
+      </dgm:prSet>
+      <dgm:spPr/>
+    </dgm:pt>
+    <dgm:pt modelId="{46B7BE6C-BDFF-4C6D-A84C-6BDE4945133E}" type="pres">
+      <dgm:prSet presAssocID="{9D0886EE-E3C6-4510-A8D6-7922C49A6E46}" presName="node" presStyleLbl="node1" presStyleIdx="0" presStyleCnt="5">
+        <dgm:presLayoutVars>
+          <dgm:bulletEnabled val="1"/>
+        </dgm:presLayoutVars>
+      </dgm:prSet>
+      <dgm:spPr/>
+    </dgm:pt>
+    <dgm:pt modelId="{8BB4800E-1954-453E-8C00-2474AC25C060}" type="pres">
+      <dgm:prSet presAssocID="{5142CC78-933F-4CFA-A92F-FA014AC56147}" presName="sibTrans" presStyleCnt="0"/>
+      <dgm:spPr/>
+    </dgm:pt>
+    <dgm:pt modelId="{115B856A-A8B6-4B20-8A78-2D8C318D80EA}" type="pres">
+      <dgm:prSet presAssocID="{705A71B0-B2BC-488A-85BB-256A4336DBCF}" presName="node" presStyleLbl="node1" presStyleIdx="1" presStyleCnt="5">
+        <dgm:presLayoutVars>
+          <dgm:bulletEnabled val="1"/>
+        </dgm:presLayoutVars>
+      </dgm:prSet>
+      <dgm:spPr/>
+    </dgm:pt>
+    <dgm:pt modelId="{BF75A369-10E8-4DC7-B8C8-4CD3C47166F7}" type="pres">
+      <dgm:prSet presAssocID="{407AA255-6E49-4A76-AFDE-8EFCA1C69CB2}" presName="sibTrans" presStyleCnt="0"/>
+      <dgm:spPr/>
+    </dgm:pt>
+    <dgm:pt modelId="{99C87336-62F9-4628-A37F-E4F3BCF59E17}" type="pres">
+      <dgm:prSet presAssocID="{A1F3ECD7-0BCA-491E-89E0-4E42EA0C7203}" presName="node" presStyleLbl="node1" presStyleIdx="2" presStyleCnt="5">
+        <dgm:presLayoutVars>
+          <dgm:bulletEnabled val="1"/>
+        </dgm:presLayoutVars>
+      </dgm:prSet>
+      <dgm:spPr/>
+    </dgm:pt>
+    <dgm:pt modelId="{FAFC9052-57BA-44B9-B23E-E8CBE36C990E}" type="pres">
+      <dgm:prSet presAssocID="{D6941809-D0A9-4779-84C3-1144AB39CDAE}" presName="sibTrans" presStyleCnt="0"/>
+      <dgm:spPr/>
+    </dgm:pt>
+    <dgm:pt modelId="{367A3A29-0113-464C-A9A4-3F765A362247}" type="pres">
+      <dgm:prSet presAssocID="{3D3551C1-3B21-4158-AD30-E03C9764FAA9}" presName="node" presStyleLbl="node1" presStyleIdx="3" presStyleCnt="5">
+        <dgm:presLayoutVars>
+          <dgm:bulletEnabled val="1"/>
+        </dgm:presLayoutVars>
+      </dgm:prSet>
+      <dgm:spPr/>
+    </dgm:pt>
+    <dgm:pt modelId="{ABEC40CF-D849-4203-954C-6A667E1165B6}" type="pres">
+      <dgm:prSet presAssocID="{7A1CF1B0-0769-49AE-B9A1-FF4AFE43ABA8}" presName="sibTrans" presStyleCnt="0"/>
+      <dgm:spPr/>
+    </dgm:pt>
+    <dgm:pt modelId="{A6333C49-86E6-4D04-A3F4-6730258AB1F7}" type="pres">
+      <dgm:prSet presAssocID="{DE1E9DAB-71F4-4F1D-8C84-BF92F3B484AC}" presName="node" presStyleLbl="node1" presStyleIdx="4" presStyleCnt="5">
+        <dgm:presLayoutVars>
+          <dgm:bulletEnabled val="1"/>
+        </dgm:presLayoutVars>
+      </dgm:prSet>
+      <dgm:spPr/>
+    </dgm:pt>
+  </dgm:ptLst>
+  <dgm:cxnLst>
+    <dgm:cxn modelId="{79777F14-E6D8-41E0-A060-ADF3C36D6B29}" srcId="{E04E9520-A474-4889-B732-D5CFCE58D93A}" destId="{DE1E9DAB-71F4-4F1D-8C84-BF92F3B484AC}" srcOrd="4" destOrd="0" parTransId="{0EA75E36-956C-4508-AA76-8C2C9C956DB2}" sibTransId="{1EC23A42-3490-40DF-84C0-C96A3D6B20E3}"/>
+    <dgm:cxn modelId="{A9784920-40F1-499F-9C87-2FC7F31CD932}" type="presOf" srcId="{9D0886EE-E3C6-4510-A8D6-7922C49A6E46}" destId="{46B7BE6C-BDFF-4C6D-A84C-6BDE4945133E}" srcOrd="0" destOrd="0" presId="urn:microsoft.com/office/officeart/2005/8/layout/default"/>
+    <dgm:cxn modelId="{E2AE595C-2E81-4FB9-8C0D-C3A78A404356}" type="presOf" srcId="{E04E9520-A474-4889-B732-D5CFCE58D93A}" destId="{70125338-6968-469B-AC63-A5573BD3E5A7}" srcOrd="0" destOrd="0" presId="urn:microsoft.com/office/officeart/2005/8/layout/default"/>
+    <dgm:cxn modelId="{D8EE1285-F0C6-4F21-B709-8ACAE959AB70}" type="presOf" srcId="{DE1E9DAB-71F4-4F1D-8C84-BF92F3B484AC}" destId="{A6333C49-86E6-4D04-A3F4-6730258AB1F7}" srcOrd="0" destOrd="0" presId="urn:microsoft.com/office/officeart/2005/8/layout/default"/>
+    <dgm:cxn modelId="{67633185-D7B4-4669-8B5C-90E9D1B4431D}" type="presOf" srcId="{A1F3ECD7-0BCA-491E-89E0-4E42EA0C7203}" destId="{99C87336-62F9-4628-A37F-E4F3BCF59E17}" srcOrd="0" destOrd="0" presId="urn:microsoft.com/office/officeart/2005/8/layout/default"/>
+    <dgm:cxn modelId="{3142DE99-5D92-4647-9FC6-C09FA0D81955}" srcId="{E04E9520-A474-4889-B732-D5CFCE58D93A}" destId="{705A71B0-B2BC-488A-85BB-256A4336DBCF}" srcOrd="1" destOrd="0" parTransId="{C8EF52AE-3152-4717-AFA6-77155119A5A3}" sibTransId="{407AA255-6E49-4A76-AFDE-8EFCA1C69CB2}"/>
+    <dgm:cxn modelId="{20361DB5-3A07-45D3-AD22-AC5DD3636F9C}" srcId="{E04E9520-A474-4889-B732-D5CFCE58D93A}" destId="{A1F3ECD7-0BCA-491E-89E0-4E42EA0C7203}" srcOrd="2" destOrd="0" parTransId="{923D9280-2479-433C-96F8-A0DE6D761870}" sibTransId="{D6941809-D0A9-4779-84C3-1144AB39CDAE}"/>
+    <dgm:cxn modelId="{BF0BA3B6-42CE-4756-AA94-66851FBECB69}" srcId="{E04E9520-A474-4889-B732-D5CFCE58D93A}" destId="{9D0886EE-E3C6-4510-A8D6-7922C49A6E46}" srcOrd="0" destOrd="0" parTransId="{5B003D1C-C125-4A60-89D1-D4A6EDE0F016}" sibTransId="{5142CC78-933F-4CFA-A92F-FA014AC56147}"/>
+    <dgm:cxn modelId="{862687EE-CBE1-4A56-80C7-9DF26E688480}" type="presOf" srcId="{3D3551C1-3B21-4158-AD30-E03C9764FAA9}" destId="{367A3A29-0113-464C-A9A4-3F765A362247}" srcOrd="0" destOrd="0" presId="urn:microsoft.com/office/officeart/2005/8/layout/default"/>
+    <dgm:cxn modelId="{8520BAEF-376E-43A2-8648-ACF24846477F}" srcId="{E04E9520-A474-4889-B732-D5CFCE58D93A}" destId="{3D3551C1-3B21-4158-AD30-E03C9764FAA9}" srcOrd="3" destOrd="0" parTransId="{36C132F8-BE07-4D69-A51B-7D9183754E37}" sibTransId="{7A1CF1B0-0769-49AE-B9A1-FF4AFE43ABA8}"/>
+    <dgm:cxn modelId="{C6B951F4-6E33-434B-95FE-92CCCD5C4891}" type="presOf" srcId="{705A71B0-B2BC-488A-85BB-256A4336DBCF}" destId="{115B856A-A8B6-4B20-8A78-2D8C318D80EA}" srcOrd="0" destOrd="0" presId="urn:microsoft.com/office/officeart/2005/8/layout/default"/>
+    <dgm:cxn modelId="{04E7C968-E8F4-4C95-9AD0-07BA265FB4D6}" type="presParOf" srcId="{70125338-6968-469B-AC63-A5573BD3E5A7}" destId="{46B7BE6C-BDFF-4C6D-A84C-6BDE4945133E}" srcOrd="0" destOrd="0" presId="urn:microsoft.com/office/officeart/2005/8/layout/default"/>
+    <dgm:cxn modelId="{1C601803-1D89-486A-8339-507EC889A6E7}" type="presParOf" srcId="{70125338-6968-469B-AC63-A5573BD3E5A7}" destId="{8BB4800E-1954-453E-8C00-2474AC25C060}" srcOrd="1" destOrd="0" presId="urn:microsoft.com/office/officeart/2005/8/layout/default"/>
+    <dgm:cxn modelId="{330CAEEA-26EF-475E-84AB-4AD16C3A5C58}" type="presParOf" srcId="{70125338-6968-469B-AC63-A5573BD3E5A7}" destId="{115B856A-A8B6-4B20-8A78-2D8C318D80EA}" srcOrd="2" destOrd="0" presId="urn:microsoft.com/office/officeart/2005/8/layout/default"/>
+    <dgm:cxn modelId="{9594EDBC-3C99-4EA3-8A3E-E75B1F9E67F4}" type="presParOf" srcId="{70125338-6968-469B-AC63-A5573BD3E5A7}" destId="{BF75A369-10E8-4DC7-B8C8-4CD3C47166F7}" srcOrd="3" destOrd="0" presId="urn:microsoft.com/office/officeart/2005/8/layout/default"/>
+    <dgm:cxn modelId="{C02CCA42-1B97-4FFC-A854-1A894F016C8C}" type="presParOf" srcId="{70125338-6968-469B-AC63-A5573BD3E5A7}" destId="{99C87336-62F9-4628-A37F-E4F3BCF59E17}" srcOrd="4" destOrd="0" presId="urn:microsoft.com/office/officeart/2005/8/layout/default"/>
+    <dgm:cxn modelId="{01A548C1-20E5-47E9-B4F3-CA36AD586BE5}" type="presParOf" srcId="{70125338-6968-469B-AC63-A5573BD3E5A7}" destId="{FAFC9052-57BA-44B9-B23E-E8CBE36C990E}" srcOrd="5" destOrd="0" presId="urn:microsoft.com/office/officeart/2005/8/layout/default"/>
+    <dgm:cxn modelId="{220998FE-CBE6-4A00-8059-9D5A04362F1C}" type="presParOf" srcId="{70125338-6968-469B-AC63-A5573BD3E5A7}" destId="{367A3A29-0113-464C-A9A4-3F765A362247}" srcOrd="6" destOrd="0" presId="urn:microsoft.com/office/officeart/2005/8/layout/default"/>
+    <dgm:cxn modelId="{6C893C8E-BDB1-4D37-86C2-14A04E6485B9}" type="presParOf" srcId="{70125338-6968-469B-AC63-A5573BD3E5A7}" destId="{ABEC40CF-D849-4203-954C-6A667E1165B6}" srcOrd="7" destOrd="0" presId="urn:microsoft.com/office/officeart/2005/8/layout/default"/>
+    <dgm:cxn modelId="{6A653F2C-2353-4F4A-A072-75A1E2343201}" type="presParOf" srcId="{70125338-6968-469B-AC63-A5573BD3E5A7}" destId="{A6333C49-86E6-4D04-A3F4-6730258AB1F7}" srcOrd="8" destOrd="0" presId="urn:microsoft.com/office/officeart/2005/8/layout/default"/>
+  </dgm:cxnLst>
+  <dgm:bg/>
+  <dgm:whole/>
+  <dgm:extLst>
+    <a:ext uri="http://schemas.microsoft.com/office/drawing/2008/diagram">
+      <dsp:dataModelExt xmlns:dsp="http://schemas.microsoft.com/office/drawing/2008/diagram" relId="rId6" minVer="http://schemas.openxmlformats.org/drawingml/2006/diagram"/>
+    </a:ext>
+  </dgm:extLst>
+</dgm:dataModel>
+</file>
+
+<file path=ppt/diagrams/drawing1.xml><?xml version="1.0" encoding="utf-8"?>
+<dsp:drawing xmlns:dgm="http://schemas.openxmlformats.org/drawingml/2006/diagram" xmlns:dsp="http://schemas.microsoft.com/office/drawing/2008/diagram" xmlns:a="http://schemas.openxmlformats.org/drawingml/2006/main">
+  <dsp:spTree>
+    <dsp:nvGrpSpPr>
+      <dsp:cNvPr id="0" name=""/>
+      <dsp:cNvGrpSpPr/>
+    </dsp:nvGrpSpPr>
+    <dsp:grpSpPr/>
+    <dsp:sp modelId="{46B7BE6C-BDFF-4C6D-A84C-6BDE4945133E}">
+      <dsp:nvSpPr>
+        <dsp:cNvPr id="0" name=""/>
+        <dsp:cNvSpPr/>
+      </dsp:nvSpPr>
+      <dsp:spPr>
+        <a:xfrm>
+          <a:off x="0" y="280474"/>
+          <a:ext cx="2795794" cy="1677476"/>
+        </a:xfrm>
+        <a:prstGeom prst="rect">
+          <a:avLst/>
+        </a:prstGeom>
+        <a:solidFill>
+          <a:schemeClr val="accent1">
+            <a:hueOff val="0"/>
+            <a:satOff val="0"/>
+            <a:lumOff val="0"/>
+            <a:alphaOff val="0"/>
+          </a:schemeClr>
+        </a:solidFill>
+        <a:ln w="19050" cap="rnd" cmpd="sng" algn="ctr">
+          <a:solidFill>
+            <a:schemeClr val="lt1">
+              <a:hueOff val="0"/>
+              <a:satOff val="0"/>
+              <a:lumOff val="0"/>
+              <a:alphaOff val="0"/>
+            </a:schemeClr>
+          </a:solidFill>
+          <a:prstDash val="solid"/>
+        </a:ln>
+        <a:effectLst/>
+      </dsp:spPr>
+      <dsp:style>
+        <a:lnRef idx="2">
+          <a:scrgbClr r="0" g="0" b="0"/>
+        </a:lnRef>
+        <a:fillRef idx="1">
+          <a:scrgbClr r="0" g="0" b="0"/>
+        </a:fillRef>
+        <a:effectRef idx="0">
+          <a:scrgbClr r="0" g="0" b="0"/>
+        </a:effectRef>
+        <a:fontRef idx="minor">
+          <a:schemeClr val="lt1"/>
+        </a:fontRef>
+      </dsp:style>
+      <dsp:txBody>
+        <a:bodyPr spcFirstLastPara="0" vert="horz" wrap="square" lIns="99060" tIns="99060" rIns="99060" bIns="99060" numCol="1" spcCol="1270" anchor="ctr" anchorCtr="0">
+          <a:noAutofit/>
+        </a:bodyPr>
+        <a:lstStyle/>
+        <a:p>
+          <a:pPr marL="0" lvl="0" indent="0" algn="ctr" defTabSz="1155700">
+            <a:lnSpc>
+              <a:spcPct val="90000"/>
+            </a:lnSpc>
+            <a:spcBef>
+              <a:spcPct val="0"/>
+            </a:spcBef>
+            <a:spcAft>
+              <a:spcPct val="35000"/>
+            </a:spcAft>
+            <a:buNone/>
+          </a:pPr>
+          <a:r>
+            <a:rPr lang="en-US" sz="2600" b="0" i="0" kern="1200"/>
+            <a:t>Speaker holder (for extra vibes)</a:t>
+          </a:r>
+          <a:endParaRPr lang="en-US" sz="2600" kern="1200"/>
+        </a:p>
+      </dsp:txBody>
+      <dsp:txXfrm>
+        <a:off x="0" y="280474"/>
+        <a:ext cx="2795794" cy="1677476"/>
+      </dsp:txXfrm>
+    </dsp:sp>
+    <dsp:sp modelId="{115B856A-A8B6-4B20-8A78-2D8C318D80EA}">
+      <dsp:nvSpPr>
+        <dsp:cNvPr id="0" name=""/>
+        <dsp:cNvSpPr/>
+      </dsp:nvSpPr>
+      <dsp:spPr>
+        <a:xfrm>
+          <a:off x="3075373" y="280474"/>
+          <a:ext cx="2795794" cy="1677476"/>
+        </a:xfrm>
+        <a:prstGeom prst="rect">
+          <a:avLst/>
+        </a:prstGeom>
+        <a:solidFill>
+          <a:schemeClr val="accent1">
+            <a:hueOff val="0"/>
+            <a:satOff val="0"/>
+            <a:lumOff val="0"/>
+            <a:alphaOff val="0"/>
+          </a:schemeClr>
+        </a:solidFill>
+        <a:ln w="19050" cap="rnd" cmpd="sng" algn="ctr">
+          <a:solidFill>
+            <a:schemeClr val="lt1">
+              <a:hueOff val="0"/>
+              <a:satOff val="0"/>
+              <a:lumOff val="0"/>
+              <a:alphaOff val="0"/>
+            </a:schemeClr>
+          </a:solidFill>
+          <a:prstDash val="solid"/>
+        </a:ln>
+        <a:effectLst/>
+      </dsp:spPr>
+      <dsp:style>
+        <a:lnRef idx="2">
+          <a:scrgbClr r="0" g="0" b="0"/>
+        </a:lnRef>
+        <a:fillRef idx="1">
+          <a:scrgbClr r="0" g="0" b="0"/>
+        </a:fillRef>
+        <a:effectRef idx="0">
+          <a:scrgbClr r="0" g="0" b="0"/>
+        </a:effectRef>
+        <a:fontRef idx="minor">
+          <a:schemeClr val="lt1"/>
+        </a:fontRef>
+      </dsp:style>
+      <dsp:txBody>
+        <a:bodyPr spcFirstLastPara="0" vert="horz" wrap="square" lIns="99060" tIns="99060" rIns="99060" bIns="99060" numCol="1" spcCol="1270" anchor="ctr" anchorCtr="0">
+          <a:noAutofit/>
+        </a:bodyPr>
+        <a:lstStyle/>
+        <a:p>
+          <a:pPr marL="0" lvl="0" indent="0" algn="ctr" defTabSz="1155700">
+            <a:lnSpc>
+              <a:spcPct val="90000"/>
+            </a:lnSpc>
+            <a:spcBef>
+              <a:spcPct val="0"/>
+            </a:spcBef>
+            <a:spcAft>
+              <a:spcPct val="35000"/>
+            </a:spcAft>
+            <a:buNone/>
+          </a:pPr>
+          <a:r>
+            <a:rPr lang="en-US" sz="2600" b="0" i="0" kern="1200"/>
+            <a:t>Different modes (like street or drift)</a:t>
+          </a:r>
+          <a:endParaRPr lang="en-US" sz="2600" kern="1200"/>
+        </a:p>
+      </dsp:txBody>
+      <dsp:txXfrm>
+        <a:off x="3075373" y="280474"/>
+        <a:ext cx="2795794" cy="1677476"/>
+      </dsp:txXfrm>
+    </dsp:sp>
+    <dsp:sp modelId="{99C87336-62F9-4628-A37F-E4F3BCF59E17}">
+      <dsp:nvSpPr>
+        <dsp:cNvPr id="0" name=""/>
+        <dsp:cNvSpPr/>
+      </dsp:nvSpPr>
+      <dsp:spPr>
+        <a:xfrm>
+          <a:off x="6150746" y="280474"/>
+          <a:ext cx="2795794" cy="1677476"/>
+        </a:xfrm>
+        <a:prstGeom prst="rect">
+          <a:avLst/>
+        </a:prstGeom>
+        <a:solidFill>
+          <a:schemeClr val="accent1">
+            <a:hueOff val="0"/>
+            <a:satOff val="0"/>
+            <a:lumOff val="0"/>
+            <a:alphaOff val="0"/>
+          </a:schemeClr>
+        </a:solidFill>
+        <a:ln w="19050" cap="rnd" cmpd="sng" algn="ctr">
+          <a:solidFill>
+            <a:schemeClr val="lt1">
+              <a:hueOff val="0"/>
+              <a:satOff val="0"/>
+              <a:lumOff val="0"/>
+              <a:alphaOff val="0"/>
+            </a:schemeClr>
+          </a:solidFill>
+          <a:prstDash val="solid"/>
+        </a:ln>
+        <a:effectLst/>
+      </dsp:spPr>
+      <dsp:style>
+        <a:lnRef idx="2">
+          <a:scrgbClr r="0" g="0" b="0"/>
+        </a:lnRef>
+        <a:fillRef idx="1">
+          <a:scrgbClr r="0" g="0" b="0"/>
+        </a:fillRef>
+        <a:effectRef idx="0">
+          <a:scrgbClr r="0" g="0" b="0"/>
+        </a:effectRef>
+        <a:fontRef idx="minor">
+          <a:schemeClr val="lt1"/>
+        </a:fontRef>
+      </dsp:style>
+      <dsp:txBody>
+        <a:bodyPr spcFirstLastPara="0" vert="horz" wrap="square" lIns="99060" tIns="99060" rIns="99060" bIns="99060" numCol="1" spcCol="1270" anchor="ctr" anchorCtr="0">
+          <a:noAutofit/>
+        </a:bodyPr>
+        <a:lstStyle/>
+        <a:p>
+          <a:pPr marL="0" lvl="0" indent="0" algn="ctr" defTabSz="1155700">
+            <a:lnSpc>
+              <a:spcPct val="90000"/>
+            </a:lnSpc>
+            <a:spcBef>
+              <a:spcPct val="0"/>
+            </a:spcBef>
+            <a:spcAft>
+              <a:spcPct val="35000"/>
+            </a:spcAft>
+            <a:buNone/>
+          </a:pPr>
+          <a:r>
+            <a:rPr lang="en-US" sz="2600" b="0" i="0" kern="1200"/>
+            <a:t>Hydraulics (already not street legal, might as well)</a:t>
+          </a:r>
+          <a:endParaRPr lang="en-US" sz="2600" kern="1200"/>
+        </a:p>
+      </dsp:txBody>
+      <dsp:txXfrm>
+        <a:off x="6150746" y="280474"/>
+        <a:ext cx="2795794" cy="1677476"/>
+      </dsp:txXfrm>
+    </dsp:sp>
+    <dsp:sp modelId="{367A3A29-0113-464C-A9A4-3F765A362247}">
+      <dsp:nvSpPr>
+        <dsp:cNvPr id="0" name=""/>
+        <dsp:cNvSpPr/>
+      </dsp:nvSpPr>
+      <dsp:spPr>
+        <a:xfrm>
+          <a:off x="1537686" y="2237530"/>
+          <a:ext cx="2795794" cy="1677476"/>
+        </a:xfrm>
+        <a:prstGeom prst="rect">
+          <a:avLst/>
+        </a:prstGeom>
+        <a:solidFill>
+          <a:schemeClr val="accent1">
+            <a:hueOff val="0"/>
+            <a:satOff val="0"/>
+            <a:lumOff val="0"/>
+            <a:alphaOff val="0"/>
+          </a:schemeClr>
+        </a:solidFill>
+        <a:ln w="19050" cap="rnd" cmpd="sng" algn="ctr">
+          <a:solidFill>
+            <a:schemeClr val="lt1">
+              <a:hueOff val="0"/>
+              <a:satOff val="0"/>
+              <a:lumOff val="0"/>
+              <a:alphaOff val="0"/>
+            </a:schemeClr>
+          </a:solidFill>
+          <a:prstDash val="solid"/>
+        </a:ln>
+        <a:effectLst/>
+      </dsp:spPr>
+      <dsp:style>
+        <a:lnRef idx="2">
+          <a:scrgbClr r="0" g="0" b="0"/>
+        </a:lnRef>
+        <a:fillRef idx="1">
+          <a:scrgbClr r="0" g="0" b="0"/>
+        </a:fillRef>
+        <a:effectRef idx="0">
+          <a:scrgbClr r="0" g="0" b="0"/>
+        </a:effectRef>
+        <a:fontRef idx="minor">
+          <a:schemeClr val="lt1"/>
+        </a:fontRef>
+      </dsp:style>
+      <dsp:txBody>
+        <a:bodyPr spcFirstLastPara="0" vert="horz" wrap="square" lIns="99060" tIns="99060" rIns="99060" bIns="99060" numCol="1" spcCol="1270" anchor="ctr" anchorCtr="0">
+          <a:noAutofit/>
+        </a:bodyPr>
+        <a:lstStyle/>
+        <a:p>
+          <a:pPr marL="0" lvl="0" indent="0" algn="ctr" defTabSz="1155700">
+            <a:lnSpc>
+              <a:spcPct val="90000"/>
+            </a:lnSpc>
+            <a:spcBef>
+              <a:spcPct val="0"/>
+            </a:spcBef>
+            <a:spcAft>
+              <a:spcPct val="35000"/>
+            </a:spcAft>
+            <a:buNone/>
+          </a:pPr>
+          <a:r>
+            <a:rPr lang="en-US" sz="2600" b="0" i="0" kern="1200"/>
+            <a:t>Auto braking system</a:t>
+          </a:r>
+          <a:endParaRPr lang="en-US" sz="2600" kern="1200"/>
+        </a:p>
+      </dsp:txBody>
+      <dsp:txXfrm>
+        <a:off x="1537686" y="2237530"/>
+        <a:ext cx="2795794" cy="1677476"/>
+      </dsp:txXfrm>
+    </dsp:sp>
+    <dsp:sp modelId="{A6333C49-86E6-4D04-A3F4-6730258AB1F7}">
+      <dsp:nvSpPr>
+        <dsp:cNvPr id="0" name=""/>
+        <dsp:cNvSpPr/>
+      </dsp:nvSpPr>
+      <dsp:spPr>
+        <a:xfrm>
+          <a:off x="4613060" y="2237530"/>
+          <a:ext cx="2795794" cy="1677476"/>
+        </a:xfrm>
+        <a:prstGeom prst="rect">
+          <a:avLst/>
+        </a:prstGeom>
+        <a:solidFill>
+          <a:schemeClr val="accent1">
+            <a:hueOff val="0"/>
+            <a:satOff val="0"/>
+            <a:lumOff val="0"/>
+            <a:alphaOff val="0"/>
+          </a:schemeClr>
+        </a:solidFill>
+        <a:ln w="19050" cap="rnd" cmpd="sng" algn="ctr">
+          <a:solidFill>
+            <a:schemeClr val="lt1">
+              <a:hueOff val="0"/>
+              <a:satOff val="0"/>
+              <a:lumOff val="0"/>
+              <a:alphaOff val="0"/>
+            </a:schemeClr>
+          </a:solidFill>
+          <a:prstDash val="solid"/>
+        </a:ln>
+        <a:effectLst/>
+      </dsp:spPr>
+      <dsp:style>
+        <a:lnRef idx="2">
+          <a:scrgbClr r="0" g="0" b="0"/>
+        </a:lnRef>
+        <a:fillRef idx="1">
+          <a:scrgbClr r="0" g="0" b="0"/>
+        </a:fillRef>
+        <a:effectRef idx="0">
+          <a:scrgbClr r="0" g="0" b="0"/>
+        </a:effectRef>
+        <a:fontRef idx="minor">
+          <a:schemeClr val="lt1"/>
+        </a:fontRef>
+      </dsp:style>
+      <dsp:txBody>
+        <a:bodyPr spcFirstLastPara="0" vert="horz" wrap="square" lIns="99060" tIns="99060" rIns="99060" bIns="99060" numCol="1" spcCol="1270" anchor="ctr" anchorCtr="0">
+          <a:noAutofit/>
+        </a:bodyPr>
+        <a:lstStyle/>
+        <a:p>
+          <a:pPr marL="0" lvl="0" indent="0" algn="ctr" defTabSz="1155700">
+            <a:lnSpc>
+              <a:spcPct val="90000"/>
+            </a:lnSpc>
+            <a:spcBef>
+              <a:spcPct val="0"/>
+            </a:spcBef>
+            <a:spcAft>
+              <a:spcPct val="35000"/>
+            </a:spcAft>
+            <a:buNone/>
+          </a:pPr>
+          <a:r>
+            <a:rPr lang="en-US" sz="2600" b="0" i="0" kern="1200"/>
+            <a:t>Potentially other safety features (probably not that’s boring)</a:t>
+          </a:r>
+          <a:endParaRPr lang="en-US" sz="2600" kern="1200"/>
+        </a:p>
+      </dsp:txBody>
+      <dsp:txXfrm>
+        <a:off x="4613060" y="2237530"/>
+        <a:ext cx="2795794" cy="1677476"/>
+      </dsp:txXfrm>
+    </dsp:sp>
+  </dsp:spTree>
+</dsp:drawing>
+</file>
+
+<file path=ppt/diagrams/layout1.xml><?xml version="1.0" encoding="utf-8"?>
+<dgm:layoutDef xmlns:dgm="http://schemas.openxmlformats.org/drawingml/2006/diagram" xmlns:a="http://schemas.openxmlformats.org/drawingml/2006/main" uniqueId="urn:microsoft.com/office/officeart/2005/8/layout/default">
+  <dgm:title val=""/>
+  <dgm:desc val=""/>
+  <dgm:catLst>
+    <dgm:cat type="list" pri="400"/>
+  </dgm:catLst>
+  <dgm:sampData>
+    <dgm:dataModel>
+      <dgm:ptLst>
+        <dgm:pt modelId="0" type="doc"/>
+        <dgm:pt modelId="1">
+          <dgm:prSet phldr="1"/>
+        </dgm:pt>
+        <dgm:pt modelId="2">
+          <dgm:prSet phldr="1"/>
+        </dgm:pt>
+        <dgm:pt modelId="3">
+          <dgm:prSet phldr="1"/>
+        </dgm:pt>
+        <dgm:pt modelId="4">
+          <dgm:prSet phldr="1"/>
+        </dgm:pt>
+        <dgm:pt modelId="5">
+          <dgm:prSet phldr="1"/>
+        </dgm:pt>
+      </dgm:ptLst>
+      <dgm:cxnLst>
+        <dgm:cxn modelId="6" srcId="0" destId="1" srcOrd="0" destOrd="0"/>
+        <dgm:cxn modelId="7" srcId="0" destId="2" srcOrd="1" destOrd="0"/>
+        <dgm:cxn modelId="8" srcId="0" destId="3" srcOrd="2" destOrd="0"/>
+        <dgm:cxn modelId="9" srcId="0" destId="4" srcOrd="3" destOrd="0"/>
+        <dgm:cxn modelId="10" srcId="0" destId="5" srcOrd="4" destOrd="0"/>
+      </dgm:cxnLst>
+      <dgm:bg/>
+      <dgm:whole/>
+    </dgm:dataModel>
+  </dgm:sampData>
+  <dgm:styleData>
+    <dgm:dataModel>
+      <dgm:ptLst>
+        <dgm:pt modelId="0" type="doc"/>
+        <dgm:pt modelId="1"/>
+        <dgm:pt modelId="2"/>
+      </dgm:ptLst>
+      <dgm:cxnLst>
+        <dgm:cxn modelId="3" srcId="0" destId="1" srcOrd="0" destOrd="0"/>
+        <dgm:cxn modelId="4" srcId="0" destId="2" srcOrd="1" destOrd="0"/>
+      </dgm:cxnLst>
+      <dgm:bg/>
+      <dgm:whole/>
+    </dgm:dataModel>
+  </dgm:styleData>
+  <dgm:clrData>
+    <dgm:dataModel>
+      <dgm:ptLst>
+        <dgm:pt modelId="0" type="doc"/>
+        <dgm:pt modelId="1"/>
+        <dgm:pt modelId="2"/>
+        <dgm:pt modelId="3"/>
+        <dgm:pt modelId="4"/>
+        <dgm:pt modelId="5"/>
+        <dgm:pt modelId="6"/>
+      </dgm:ptLst>
+      <dgm:cxnLst>
+        <dgm:cxn modelId="7" srcId="0" destId="1" srcOrd="0" destOrd="0"/>
+        <dgm:cxn modelId="8" srcId="0" destId="2" srcOrd="1" destOrd="0"/>
+        <dgm:cxn modelId="9" srcId="0" destId="3" srcOrd="2" destOrd="0"/>
+        <dgm:cxn modelId="10" srcId="0" destId="4" srcOrd="3" destOrd="0"/>
+        <dgm:cxn modelId="11" srcId="0" destId="5" srcOrd="4" destOrd="0"/>
+        <dgm:cxn modelId="12" srcId="0" destId="6" srcOrd="5" destOrd="0"/>
+      </dgm:cxnLst>
+      <dgm:bg/>
+      <dgm:whole/>
+    </dgm:dataModel>
+  </dgm:clrData>
+  <dgm:layoutNode name="diagram">
+    <dgm:varLst>
+      <dgm:dir/>
+      <dgm:resizeHandles val="exact"/>
+    </dgm:varLst>
+    <dgm:choose name="Name0">
+      <dgm:if name="Name1" func="var" arg="dir" op="equ" val="norm">
+        <dgm:alg type="snake">
+          <dgm:param type="grDir" val="tL"/>
+          <dgm:param type="flowDir" val="row"/>
+          <dgm:param type="contDir" val="sameDir"/>
+          <dgm:param type="off" val="ctr"/>
+        </dgm:alg>
+      </dgm:if>
+      <dgm:else name="Name2">
+        <dgm:alg type="snake">
+          <dgm:param type="grDir" val="tR"/>
+          <dgm:param type="flowDir" val="row"/>
+          <dgm:param type="contDir" val="sameDir"/>
+          <dgm:param type="off" val="ctr"/>
+        </dgm:alg>
+      </dgm:else>
+    </dgm:choose>
+    <dgm:shape xmlns:r="http://schemas.openxmlformats.org/officeDocument/2006/relationships" r:blip="">
+      <dgm:adjLst/>
+    </dgm:shape>
+    <dgm:presOf/>
+    <dgm:constrLst>
+      <dgm:constr type="w" for="ch" forName="node" refType="w"/>
+      <dgm:constr type="h" for="ch" forName="node" refType="w" refFor="ch" refForName="node" fact="0.6"/>
+      <dgm:constr type="w" for="ch" forName="sibTrans" refType="w" refFor="ch" refForName="node" fact="0.1"/>
+      <dgm:constr type="sp" refType="w" refFor="ch" refForName="sibTrans"/>
+      <dgm:constr type="primFontSz" for="ch" forName="node" op="equ" val="65"/>
+    </dgm:constrLst>
+    <dgm:ruleLst/>
+    <dgm:forEach name="Name3" axis="ch" ptType="node">
+      <dgm:layoutNode name="node">
+        <dgm:varLst>
+          <dgm:bulletEnabled val="1"/>
+        </dgm:varLst>
+        <dgm:alg type="tx"/>
+        <dgm:shape xmlns:r="http://schemas.openxmlformats.org/officeDocument/2006/relationships" type="rect" r:blip="">
+          <dgm:adjLst/>
+        </dgm:shape>
+        <dgm:presOf axis="desOrSelf" ptType="node"/>
+        <dgm:constrLst>
+          <dgm:constr type="lMarg" refType="primFontSz" fact="0.3"/>
+          <dgm:constr type="rMarg" refType="primFontSz" fact="0.3"/>
+          <dgm:constr type="tMarg" refType="primFontSz" fact="0.3"/>
+          <dgm:constr type="bMarg" refType="primFontSz" fact="0.3"/>
+        </dgm:constrLst>
+        <dgm:ruleLst>
+          <dgm:rule type="primFontSz" val="5" fact="NaN" max="NaN"/>
+        </dgm:ruleLst>
+      </dgm:layoutNode>
+      <dgm:forEach name="Name4" axis="followSib" ptType="sibTrans" cnt="1">
+        <dgm:layoutNode name="sibTrans">
+          <dgm:alg type="sp"/>
+          <dgm:shape xmlns:r="http://schemas.openxmlformats.org/officeDocument/2006/relationships" r:blip="">
+            <dgm:adjLst/>
+          </dgm:shape>
+          <dgm:presOf/>
+          <dgm:constrLst/>
+          <dgm:ruleLst/>
+        </dgm:layoutNode>
+      </dgm:forEach>
+    </dgm:forEach>
+  </dgm:layoutNode>
+</dgm:layoutDef>
+</file>
+
+<file path=ppt/diagrams/quickStyle1.xml><?xml version="1.0" encoding="utf-8"?>
+<dgm:styleDef xmlns:dgm="http://schemas.openxmlformats.org/drawingml/2006/diagram" xmlns:a="http://schemas.openxmlformats.org/drawingml/2006/main" uniqueId="urn:microsoft.com/office/officeart/2005/8/quickstyle/simple1">
+  <dgm:title val=""/>
+  <dgm:desc val=""/>
+  <dgm:catLst>
+    <dgm:cat type="simple" pri="10100"/>
+  </dgm:catLst>
+  <dgm:scene3d>
+    <a:camera prst="orthographicFront"/>
+    <a:lightRig rig="threePt" dir="t"/>
+  </dgm:scene3d>
+  <dgm:styleLbl name="node0">
+    <dgm:scene3d>
+      <a:camera prst="orthographicFront"/>
+      <a:lightRig rig="threePt" dir="t"/>
+    </dgm:scene3d>
+    <dgm:sp3d/>
+    <dgm:txPr/>
+    <dgm:style>
+      <a:lnRef idx="2">
+        <a:scrgbClr r="0" g="0" b="0"/>
+      </a:lnRef>
+      <a:fillRef idx="1">
+        <a:scrgbClr r="0" g="0" b="0"/>
+      </a:fillRef>
+      <a:effectRef idx="0">
+        <a:scrgbClr r="0" g="0" b="0"/>
+      </a:effectRef>
+      <a:fontRef idx="minor">
+        <a:schemeClr val="lt1"/>
+      </a:fontRef>
+    </dgm:style>
+  </dgm:styleLbl>
+  <dgm:styleLbl name="lnNode1">
+    <dgm:scene3d>
+      <a:camera prst="orthographicFront"/>
+      <a:lightRig rig="threePt" dir="t"/>
+    </dgm:scene3d>
+    <dgm:sp3d/>
+    <dgm:txPr/>
+    <dgm:style>
+      <a:lnRef idx="2">
+        <a:scrgbClr r="0" g="0" b="0"/>
+      </a:lnRef>
+      <a:fillRef idx="1">
+        <a:scrgbClr r="0" g="0" b="0"/>
+      </a:fillRef>
+      <a:effectRef idx="0">
+        <a:scrgbClr r="0" g="0" b="0"/>
+      </a:effectRef>
+      <a:fontRef idx="minor">
+        <a:schemeClr val="lt1"/>
+      </a:fontRef>
+    </dgm:style>
+  </dgm:styleLbl>
+  <dgm:styleLbl name="vennNode1">
+    <dgm:scene3d>
+      <a:camera prst="orthographicFront"/>
+      <a:lightRig rig="threePt" dir="t"/>
+    </dgm:scene3d>
+    <dgm:sp3d/>
+    <dgm:txPr/>
+    <dgm:style>
+      <a:lnRef idx="2">
+        <a:scrgbClr r="0" g="0" b="0"/>
+      </a:lnRef>
+      <a:fillRef idx="1">
+        <a:scrgbClr r="0" g="0" b="0"/>
+      </a:fillRef>
+      <a:effectRef idx="0">
+        <a:scrgbClr r="0" g="0" b="0"/>
+      </a:effectRef>
+      <a:fontRef idx="minor">
+        <a:schemeClr val="tx1"/>
+      </a:fontRef>
+    </dgm:style>
+  </dgm:styleLbl>
+  <dgm:styleLbl name="alignNode1">
+    <dgm:scene3d>
+      <a:camera prst="orthographicFront"/>
+      <a:lightRig rig="threePt" dir="t"/>
+    </dgm:scene3d>
+    <dgm:sp3d/>
+    <dgm:txPr/>
+    <dgm:style>
+      <a:lnRef idx="2">
+        <a:scrgbClr r="0" g="0" b="0"/>
+      </a:lnRef>
+      <a:fillRef idx="1">
+        <a:scrgbClr r="0" g="0" b="0"/>
+      </a:fillRef>
+      <a:effectRef idx="0">
+        <a:scrgbClr r="0" g="0" b="0"/>
+      </a:effectRef>
+      <a:fontRef idx="minor">
+        <a:schemeClr val="lt1"/>
+      </a:fontRef>
+    </dgm:style>
+  </dgm:styleLbl>
+  <dgm:styleLbl name="node1">
+    <dgm:scene3d>
+      <a:camera prst="orthographicFront"/>
+      <a:lightRig rig="threePt" dir="t"/>
+    </dgm:scene3d>
+    <dgm:sp3d/>
+    <dgm:txPr/>
+    <dgm:style>
+      <a:lnRef idx="2">
+        <a:scrgbClr r="0" g="0" b="0"/>
+      </a:lnRef>
+      <a:fillRef idx="1">
+        <a:scrgbClr r="0" g="0" b="0"/>
+      </a:fillRef>
+      <a:effectRef idx="0">
+        <a:scrgbClr r="0" g="0" b="0"/>
+      </a:effectRef>
+      <a:fontRef idx="minor">
+        <a:schemeClr val="lt1"/>
+      </a:fontRef>
+    </dgm:style>
+  </dgm:styleLbl>
+  <dgm:styleLbl name="node2">
+    <dgm:scene3d>
+      <a:camera prst="orthographicFront"/>
+      <a:lightRig rig="threePt" dir="t"/>
+    </dgm:scene3d>
+    <dgm:sp3d/>
+    <dgm:txPr/>
+    <dgm:style>
+      <a:lnRef idx="2">
+        <a:scrgbClr r="0" g="0" b="0"/>
+      </a:lnRef>
+      <a:fillRef idx="1">
+        <a:scrgbClr r="0" g="0" b="0"/>
+      </a:fillRef>
+      <a:effectRef idx="0">
+        <a:scrgbClr r="0" g="0" b="0"/>
+      </a:effectRef>
+      <a:fontRef idx="minor">
+        <a:schemeClr val="lt1"/>
+      </a:fontRef>
+    </dgm:style>
+  </dgm:styleLbl>
+  <dgm:styleLbl name="node3">
+    <dgm:scene3d>
+      <a:camera prst="orthographicFront"/>
+      <a:lightRig rig="threePt" dir="t"/>
+    </dgm:scene3d>
+    <dgm:sp3d/>
+    <dgm:txPr/>
+    <dgm:style>
+      <a:lnRef idx="2">
+        <a:scrgbClr r="0" g="0" b="0"/>
+      </a:lnRef>
+      <a:fillRef idx="1">
+        <a:scrgbClr r="0" g="0" b="0"/>
+      </a:fillRef>
+      <a:effectRef idx="0">
+        <a:scrgbClr r="0" g="0" b="0"/>
+      </a:effectRef>
+      <a:fontRef idx="minor">
+        <a:schemeClr val="lt1"/>
+      </a:fontRef>
+    </dgm:style>
+  </dgm:styleLbl>
+  <dgm:styleLbl name="node4">
+    <dgm:scene3d>
+      <a:camera prst="orthographicFront"/>
+      <a:lightRig rig="threePt" dir="t"/>
+    </dgm:scene3d>
+    <dgm:sp3d/>
+    <dgm:txPr/>
+    <dgm:style>
+      <a:lnRef idx="2">
+        <a:scrgbClr r="0" g="0" b="0"/>
+      </a:lnRef>
+      <a:fillRef idx="1">
+        <a:scrgbClr r="0" g="0" b="0"/>
+      </a:fillRef>
+      <a:effectRef idx="0">
+        <a:scrgbClr r="0" g="0" b="0"/>
+      </a:effectRef>
+      <a:fontRef idx="minor">
+        <a:schemeClr val="lt1"/>
+      </a:fontRef>
+    </dgm:style>
+  </dgm:styleLbl>
+  <dgm:styleLbl name="fgImgPlace1">
+    <dgm:scene3d>
+      <a:camera prst="orthographicFront"/>
+      <a:lightRig rig="threePt" dir="t"/>
+    </dgm:scene3d>
+    <dgm:sp3d/>
+    <dgm:txPr/>
+    <dgm:style>
+      <a:lnRef idx="2">
+        <a:scrgbClr r="0" g="0" b="0"/>
+      </a:lnRef>
+      <a:fillRef idx="1">
+        <a:scrgbClr r="0" g="0" b="0"/>
+      </a:fillRef>
+      <a:effectRef idx="0">
+        <a:scrgbClr r="0" g="0" b="0"/>
+      </a:effectRef>
+      <a:fontRef idx="minor"/>
+    </dgm:style>
+  </dgm:styleLbl>
+  <dgm:styleLbl name="alignImgPlace1">
+    <dgm:scene3d>
+      <a:camera prst="orthographicFront"/>
+      <a:lightRig rig="threePt" dir="t"/>
+    </dgm:scene3d>
+    <dgm:sp3d/>
+    <dgm:txPr/>
+    <dgm:style>
+      <a:lnRef idx="2">
+        <a:scrgbClr r="0" g="0" b="0"/>
+      </a:lnRef>
+      <a:fillRef idx="1">
+        <a:scrgbClr r="0" g="0" b="0"/>
+      </a:fillRef>
+      <a:effectRef idx="0">
+        <a:scrgbClr r="0" g="0" b="0"/>
+      </a:effectRef>
+      <a:fontRef idx="minor"/>
+    </dgm:style>
+  </dgm:styleLbl>
+  <dgm:styleLbl name="bgImgPlace1">
+    <dgm:scene3d>
+      <a:camera prst="orthographicFront"/>
+      <a:lightRig rig="threePt" dir="t"/>
+    </dgm:scene3d>
+    <dgm:sp3d/>
+    <dgm:txPr/>
+    <dgm:style>
+      <a:lnRef idx="2">
+        <a:scrgbClr r="0" g="0" b="0"/>
+      </a:lnRef>
+      <a:fillRef idx="1">
+        <a:scrgbClr r="0" g="0" b="0"/>
+      </a:fillRef>
+      <a:effectRef idx="0">
+        <a:scrgbClr r="0" g="0" b="0"/>
+      </a:effectRef>
+      <a:fontRef idx="minor"/>
+    </dgm:style>
+  </dgm:styleLbl>
+  <dgm:styleLbl name="sibTrans2D1">
+    <dgm:scene3d>
+      <a:camera prst="orthographicFront"/>
+      <a:lightRig rig="threePt" dir="t"/>
+    </dgm:scene3d>
+    <dgm:sp3d/>
+    <dgm:txPr/>
+    <dgm:style>
+      <a:lnRef idx="0">
+        <a:scrgbClr r="0" g="0" b="0"/>
+      </a:lnRef>
+      <a:fillRef idx="1">
+        <a:scrgbClr r="0" g="0" b="0"/>
+      </a:fillRef>
+      <a:effectRef idx="0">
+        <a:scrgbClr r="0" g="0" b="0"/>
+      </a:effectRef>
+      <a:fontRef idx="minor">
+        <a:schemeClr val="lt1"/>
+      </a:fontRef>
+    </dgm:style>
+  </dgm:styleLbl>
+  <dgm:styleLbl name="fgSibTrans2D1">
+    <dgm:scene3d>
+      <a:camera prst="orthographicFront"/>
+      <a:lightRig rig="threePt" dir="t"/>
+    </dgm:scene3d>
+    <dgm:sp3d/>
+    <dgm:txPr/>
+    <dgm:style>
+      <a:lnRef idx="0">
+        <a:scrgbClr r="0" g="0" b="0"/>
+      </a:lnRef>
+      <a:fillRef idx="1">
+        <a:scrgbClr r="0" g="0" b="0"/>
+      </a:fillRef>
+      <a:effectRef idx="0">
+        <a:scrgbClr r="0" g="0" b="0"/>
+      </a:effectRef>
+      <a:fontRef idx="minor">
+        <a:schemeClr val="lt1"/>
+      </a:fontRef>
+    </dgm:style>
+  </dgm:styleLbl>
+  <dgm:styleLbl name="bgSibTrans2D1">
+    <dgm:scene3d>
+      <a:camera prst="orthographicFront"/>
+      <a:lightRig rig="threePt" dir="t"/>
+    </dgm:scene3d>
+    <dgm:sp3d/>
+    <dgm:txPr/>
+    <dgm:style>
+      <a:lnRef idx="0">
+        <a:scrgbClr r="0" g="0" b="0"/>
+      </a:lnRef>
+      <a:fillRef idx="1">
+        <a:scrgbClr r="0" g="0" b="0"/>
+      </a:fillRef>
+      <a:effectRef idx="0">
+        <a:scrgbClr r="0" g="0" b="0"/>
+      </a:effectRef>
+      <a:fontRef idx="minor">
+        <a:schemeClr val="lt1"/>
+      </a:fontRef>
+    </dgm:style>
+  </dgm:styleLbl>
+  <dgm:styleLbl name="sibTrans1D1">
+    <dgm:scene3d>
+      <a:camera prst="orthographicFront"/>
+      <a:lightRig rig="threePt" dir="t"/>
+    </dgm:scene3d>
+    <dgm:sp3d/>
+    <dgm:txPr/>
+    <dgm:style>
+      <a:lnRef idx="1">
+        <a:scrgbClr r="0" g="0" b="0"/>
+      </a:lnRef>
+      <a:fillRef idx="0">
+        <a:scrgbClr r="0" g="0" b="0"/>
+      </a:fillRef>
+      <a:effectRef idx="0">
+        <a:scrgbClr r="0" g="0" b="0"/>
+      </a:effectRef>
+      <a:fontRef idx="minor"/>
+    </dgm:style>
+  </dgm:styleLbl>
+  <dgm:styleLbl name="callout">
+    <dgm:scene3d>
+      <a:camera prst="orthographicFront"/>
+      <a:lightRig rig="threePt" dir="t"/>
+    </dgm:scene3d>
+    <dgm:sp3d/>
+    <dgm:txPr/>
+    <dgm:style>
+      <a:lnRef idx="2">
+        <a:scrgbClr r="0" g="0" b="0"/>
+      </a:lnRef>
+      <a:fillRef idx="1">
+        <a:scrgbClr r="0" g="0" b="0"/>
+      </a:fillRef>
+      <a:effectRef idx="0">
+        <a:scrgbClr r="0" g="0" b="0"/>
+      </a:effectRef>
+      <a:fontRef idx="minor"/>
+    </dgm:style>
+  </dgm:styleLbl>
+  <dgm:styleLbl name="asst0">
+    <dgm:scene3d>
+      <a:camera prst="orthographicFront"/>
+      <a:lightRig rig="threePt" dir="t"/>
+    </dgm:scene3d>
+    <dgm:sp3d/>
+    <dgm:txPr/>
+    <dgm:style>
+      <a:lnRef idx="2">
+        <a:scrgbClr r="0" g="0" b="0"/>
+      </a:lnRef>
+      <a:fillRef idx="1">
+        <a:scrgbClr r="0" g="0" b="0"/>
+      </a:fillRef>
+      <a:effectRef idx="0">
+        <a:scrgbClr r="0" g="0" b="0"/>
+      </a:effectRef>
+      <a:fontRef idx="minor">
+        <a:schemeClr val="lt1"/>
+      </a:fontRef>
+    </dgm:style>
+  </dgm:styleLbl>
+  <dgm:styleLbl name="asst1">
+    <dgm:scene3d>
+      <a:camera prst="orthographicFront"/>
+      <a:lightRig rig="threePt" dir="t"/>
+    </dgm:scene3d>
+    <dgm:sp3d/>
+    <dgm:txPr/>
+    <dgm:style>
+      <a:lnRef idx="2">
+        <a:scrgbClr r="0" g="0" b="0"/>
+      </a:lnRef>
+      <a:fillRef idx="1">
+        <a:scrgbClr r="0" g="0" b="0"/>
+      </a:fillRef>
+      <a:effectRef idx="0">
+        <a:scrgbClr r="0" g="0" b="0"/>
+      </a:effectRef>
+      <a:fontRef idx="minor">
+        <a:schemeClr val="lt1"/>
+      </a:fontRef>
+    </dgm:style>
+  </dgm:styleLbl>
+  <dgm:styleLbl name="asst2">
+    <dgm:scene3d>
+      <a:camera prst="orthographicFront"/>
+      <a:lightRig rig="threePt" dir="t"/>
+    </dgm:scene3d>
+    <dgm:sp3d/>
+    <dgm:txPr/>
+    <dgm:style>
+      <a:lnRef idx="2">
+        <a:scrgbClr r="0" g="0" b="0"/>
+      </a:lnRef>
+      <a:fillRef idx="1">
+        <a:scrgbClr r="0" g="0" b="0"/>
+      </a:fillRef>
+      <a:effectRef idx="0">
+        <a:scrgbClr r="0" g="0" b="0"/>
+      </a:effectRef>
+      <a:fontRef idx="minor">
+        <a:schemeClr val="lt1"/>
+      </a:fontRef>
+    </dgm:style>
+  </dgm:styleLbl>
+  <dgm:styleLbl name="asst3">
+    <dgm:scene3d>
+      <a:camera prst="orthographicFront"/>
+      <a:lightRig rig="threePt" dir="t"/>
+    </dgm:scene3d>
+    <dgm:sp3d/>
+    <dgm:txPr/>
+    <dgm:style>
+      <a:lnRef idx="2">
+        <a:scrgbClr r="0" g="0" b="0"/>
+      </a:lnRef>
+      <a:fillRef idx="1">
+        <a:scrgbClr r="0" g="0" b="0"/>
+      </a:fillRef>
+      <a:effectRef idx="0">
+        <a:scrgbClr r="0" g="0" b="0"/>
+      </a:effectRef>
+      <a:fontRef idx="minor">
+        <a:schemeClr val="lt1"/>
+      </a:fontRef>
+    </dgm:style>
+  </dgm:styleLbl>
+  <dgm:styleLbl name="asst4">
+    <dgm:scene3d>
+      <a:camera prst="orthographicFront"/>
+      <a:lightRig rig="threePt" dir="t"/>
+    </dgm:scene3d>
+    <dgm:sp3d/>
+    <dgm:txPr/>
+    <dgm:style>
+      <a:lnRef idx="2">
+        <a:scrgbClr r="0" g="0" b="0"/>
+      </a:lnRef>
+      <a:fillRef idx="1">
+        <a:scrgbClr r="0" g="0" b="0"/>
+      </a:fillRef>
+      <a:effectRef idx="0">
+        <a:scrgbClr r="0" g="0" b="0"/>
+      </a:effectRef>
+      <a:fontRef idx="minor">
+        <a:schemeClr val="lt1"/>
+      </a:fontRef>
+    </dgm:style>
+  </dgm:styleLbl>
+  <dgm:styleLbl name="parChTrans2D1">
+    <dgm:scene3d>
+      <a:camera prst="orthographicFront"/>
+      <a:lightRig rig="threePt" dir="t"/>
+    </dgm:scene3d>
+    <dgm:sp3d/>
+    <dgm:txPr/>
+    <dgm:style>
+      <a:lnRef idx="2">
+        <a:scrgbClr r="0" g="0" b="0"/>
+      </a:lnRef>
+      <a:fillRef idx="1">
+        <a:scrgbClr r="0" g="0" b="0"/>
+      </a:fillRef>
+      <a:effectRef idx="0">
+        <a:scrgbClr r="0" g="0" b="0"/>
+      </a:effectRef>
+      <a:fontRef idx="minor">
+        <a:schemeClr val="lt1"/>
+      </a:fontRef>
+    </dgm:style>
+  </dgm:styleLbl>
+  <dgm:styleLbl name="parChTrans2D2">
+    <dgm:scene3d>
+      <a:camera prst="orthographicFront"/>
+      <a:lightRig rig="threePt" dir="t"/>
+    </dgm:scene3d>
+    <dgm:sp3d/>
+    <dgm:txPr/>
+    <dgm:style>
+      <a:lnRef idx="2">
+        <a:scrgbClr r="0" g="0" b="0"/>
+      </a:lnRef>
+      <a:fillRef idx="1">
+        <a:scrgbClr r="0" g="0" b="0"/>
+      </a:fillRef>
+      <a:effectRef idx="0">
+        <a:scrgbClr r="0" g="0" b="0"/>
+      </a:effectRef>
+      <a:fontRef idx="minor">
+        <a:schemeClr val="lt1"/>
+      </a:fontRef>
+    </dgm:style>
+  </dgm:styleLbl>
+  <dgm:styleLbl name="parChTrans2D3">
+    <dgm:scene3d>
+      <a:camera prst="orthographicFront"/>
+      <a:lightRig rig="threePt" dir="t"/>
+    </dgm:scene3d>
+    <dgm:sp3d/>
+    <dgm:txPr/>
+    <dgm:style>
+      <a:lnRef idx="2">
+        <a:scrgbClr r="0" g="0" b="0"/>
+      </a:lnRef>
+      <a:fillRef idx="1">
+        <a:scrgbClr r="0" g="0" b="0"/>
+      </a:fillRef>
+      <a:effectRef idx="0">
+        <a:scrgbClr r="0" g="0" b="0"/>
+      </a:effectRef>
+      <a:fontRef idx="minor">
+        <a:schemeClr val="lt1"/>
+      </a:fontRef>
+    </dgm:style>
+  </dgm:styleLbl>
+  <dgm:styleLbl name="parChTrans2D4">
+    <dgm:scene3d>
+      <a:camera prst="orthographicFront"/>
+      <a:lightRig rig="threePt" dir="t"/>
+    </dgm:scene3d>
+    <dgm:sp3d/>
+    <dgm:txPr/>
+    <dgm:style>
+      <a:lnRef idx="2">
+        <a:scrgbClr r="0" g="0" b="0"/>
+      </a:lnRef>
+      <a:fillRef idx="1">
+        <a:scrgbClr r="0" g="0" b="0"/>
+      </a:fillRef>
+      <a:effectRef idx="0">
+        <a:scrgbClr r="0" g="0" b="0"/>
+      </a:effectRef>
+      <a:fontRef idx="minor">
+        <a:schemeClr val="lt1"/>
+      </a:fontRef>
+    </dgm:style>
+  </dgm:styleLbl>
+  <dgm:styleLbl name="parChTrans1D1">
+    <dgm:scene3d>
+      <a:camera prst="orthographicFront"/>
+      <a:lightRig rig="threePt" dir="t"/>
+    </dgm:scene3d>
+    <dgm:sp3d/>
+    <dgm:txPr/>
+    <dgm:style>
+      <a:lnRef idx="2">
+        <a:scrgbClr r="0" g="0" b="0"/>
+      </a:lnRef>
+      <a:fillRef idx="0">
+        <a:scrgbClr r="0" g="0" b="0"/>
+      </a:fillRef>
+      <a:effectRef idx="0">
+        <a:scrgbClr r="0" g="0" b="0"/>
+      </a:effectRef>
+      <a:fontRef idx="minor"/>
+    </dgm:style>
+  </dgm:styleLbl>
+  <dgm:styleLbl name="parChTrans1D2">
+    <dgm:scene3d>
+      <a:camera prst="orthographicFront"/>
+      <a:lightRig rig="threePt" dir="t"/>
+    </dgm:scene3d>
+    <dgm:sp3d/>
+    <dgm:txPr/>
+    <dgm:style>
+      <a:lnRef idx="2">
+        <a:scrgbClr r="0" g="0" b="0"/>
+      </a:lnRef>
+      <a:fillRef idx="0">
+        <a:scrgbClr r="0" g="0" b="0"/>
+      </a:fillRef>
+      <a:effectRef idx="0">
+        <a:scrgbClr r="0" g="0" b="0"/>
+      </a:effectRef>
+      <a:fontRef idx="minor"/>
+    </dgm:style>
+  </dgm:styleLbl>
+  <dgm:styleLbl name="parChTrans1D3">
+    <dgm:scene3d>
+      <a:camera prst="orthographicFront"/>
+      <a:lightRig rig="threePt" dir="t"/>
+    </dgm:scene3d>
+    <dgm:sp3d/>
+    <dgm:txPr/>
+    <dgm:style>
+      <a:lnRef idx="2">
+        <a:scrgbClr r="0" g="0" b="0"/>
+      </a:lnRef>
+      <a:fillRef idx="0">
+        <a:scrgbClr r="0" g="0" b="0"/>
+      </a:fillRef>
+      <a:effectRef idx="0">
+        <a:scrgbClr r="0" g="0" b="0"/>
+      </a:effectRef>
+      <a:fontRef idx="minor"/>
+    </dgm:style>
+  </dgm:styleLbl>
+  <dgm:styleLbl name="parChTrans1D4">
+    <dgm:scene3d>
+      <a:camera prst="orthographicFront"/>
+      <a:lightRig rig="threePt" dir="t"/>
+    </dgm:scene3d>
+    <dgm:sp3d/>
+    <dgm:txPr/>
+    <dgm:style>
+      <a:lnRef idx="2">
+        <a:scrgbClr r="0" g="0" b="0"/>
+      </a:lnRef>
+      <a:fillRef idx="0">
+        <a:scrgbClr r="0" g="0" b="0"/>
+      </a:fillRef>
+      <a:effectRef idx="0">
+        <a:scrgbClr r="0" g="0" b="0"/>
+      </a:effectRef>
+      <a:fontRef idx="minor"/>
+    </dgm:style>
+  </dgm:styleLbl>
+  <dgm:styleLbl name="fgAcc1">
+    <dgm:scene3d>
+      <a:camera prst="orthographicFront"/>
+      <a:lightRig rig="threePt" dir="t"/>
+    </dgm:scene3d>
+    <dgm:sp3d/>
+    <dgm:txPr/>
+    <dgm:style>
+      <a:lnRef idx="2">
+        <a:scrgbClr r="0" g="0" b="0"/>
+      </a:lnRef>
+      <a:fillRef idx="1">
+        <a:scrgbClr r="0" g="0" b="0"/>
+      </a:fillRef>
+      <a:effectRef idx="0">
+        <a:scrgbClr r="0" g="0" b="0"/>
+      </a:effectRef>
+      <a:fontRef idx="minor"/>
+    </dgm:style>
+  </dgm:styleLbl>
+  <dgm:styleLbl name="conFgAcc1">
+    <dgm:scene3d>
+      <a:camera prst="orthographicFront"/>
+      <a:lightRig rig="threePt" dir="t"/>
+    </dgm:scene3d>
+    <dgm:sp3d/>
+    <dgm:txPr/>
+    <dgm:style>
+      <a:lnRef idx="2">
+        <a:scrgbClr r="0" g="0" b="0"/>
+      </a:lnRef>
+      <a:fillRef idx="1">
+        <a:scrgbClr r="0" g="0" b="0"/>
+      </a:fillRef>
+      <a:effectRef idx="0">
+        <a:scrgbClr r="0" g="0" b="0"/>
+      </a:effectRef>
+      <a:fontRef idx="minor"/>
+    </dgm:style>
+  </dgm:styleLbl>
+  <dgm:styleLbl name="alignAcc1">
+    <dgm:scene3d>
+      <a:camera prst="orthographicFront"/>
+      <a:lightRig rig="threePt" dir="t"/>
+    </dgm:scene3d>
+    <dgm:sp3d/>
+    <dgm:txPr/>
+    <dgm:style>
+      <a:lnRef idx="2">
+        <a:scrgbClr r="0" g="0" b="0"/>
+      </a:lnRef>
+      <a:fillRef idx="1">
+        <a:scrgbClr r="0" g="0" b="0"/>
+      </a:fillRef>
+      <a:effectRef idx="0">
+        <a:scrgbClr r="0" g="0" b="0"/>
+      </a:effectRef>
+      <a:fontRef idx="minor"/>
+    </dgm:style>
+  </dgm:styleLbl>
+  <dgm:styleLbl name="trAlignAcc1">
+    <dgm:scene3d>
+      <a:camera prst="orthographicFront"/>
+      <a:lightRig rig="threePt" dir="t"/>
+    </dgm:scene3d>
+    <dgm:sp3d/>
+    <dgm:txPr/>
+    <dgm:style>
+      <a:lnRef idx="1">
+        <a:scrgbClr r="0" g="0" b="0"/>
+      </a:lnRef>
+      <a:fillRef idx="1">
+        <a:scrgbClr r="0" g="0" b="0"/>
+      </a:fillRef>
+      <a:effectRef idx="0">
+        <a:scrgbClr r="0" g="0" b="0"/>
+      </a:effectRef>
+      <a:fontRef idx="minor"/>
+    </dgm:style>
+  </dgm:styleLbl>
+  <dgm:styleLbl name="bgAcc1">
+    <dgm:scene3d>
+      <a:camera prst="orthographicFront"/>
+      <a:lightRig rig="threePt" dir="t"/>
+    </dgm:scene3d>
+    <dgm:sp3d/>
+    <dgm:txPr/>
+    <dgm:style>
+      <a:lnRef idx="2">
+        <a:scrgbClr r="0" g="0" b="0"/>
+      </a:lnRef>
+      <a:fillRef idx="1">
+        <a:scrgbClr r="0" g="0" b="0"/>
+      </a:fillRef>
+      <a:effectRef idx="0">
+        <a:scrgbClr r="0" g="0" b="0"/>
+      </a:effectRef>
+      <a:fontRef idx="minor"/>
+    </dgm:style>
+  </dgm:styleLbl>
+  <dgm:styleLbl name="solidFgAcc1">
+    <dgm:scene3d>
+      <a:camera prst="orthographicFront"/>
+      <a:lightRig rig="threePt" dir="t"/>
+    </dgm:scene3d>
+    <dgm:sp3d/>
+    <dgm:txPr/>
+    <dgm:style>
+      <a:lnRef idx="2">
+        <a:scrgbClr r="0" g="0" b="0"/>
+      </a:lnRef>
+      <a:fillRef idx="1">
+        <a:scrgbClr r="0" g="0" b="0"/>
+      </a:fillRef>
+      <a:effectRef idx="0">
+        <a:scrgbClr r="0" g="0" b="0"/>
+      </a:effectRef>
+      <a:fontRef idx="minor"/>
+    </dgm:style>
+  </dgm:styleLbl>
+  <dgm:styleLbl name="solidAlignAcc1">
+    <dgm:scene3d>
+      <a:camera prst="orthographicFront"/>
+      <a:lightRig rig="threePt" dir="t"/>
+    </dgm:scene3d>
+    <dgm:sp3d/>
+    <dgm:txPr/>
+    <dgm:style>
+      <a:lnRef idx="2">
+        <a:scrgbClr r="0" g="0" b="0"/>
+      </a:lnRef>
+      <a:fillRef idx="1">
+        <a:scrgbClr r="0" g="0" b="0"/>
+      </a:fillRef>
+      <a:effectRef idx="0">
+        <a:scrgbClr r="0" g="0" b="0"/>
+      </a:effectRef>
+      <a:fontRef idx="minor"/>
+    </dgm:style>
+  </dgm:styleLbl>
+  <dgm:styleLbl name="solidBgAcc1">
+    <dgm:scene3d>
+      <a:camera prst="orthographicFront"/>
+      <a:lightRig rig="threePt" dir="t"/>
+    </dgm:scene3d>
+    <dgm:sp3d/>
+    <dgm:txPr/>
+    <dgm:style>
+      <a:lnRef idx="2">
+        <a:scrgbClr r="0" g="0" b="0"/>
+      </a:lnRef>
+      <a:fillRef idx="1">
+        <a:scrgbClr r="0" g="0" b="0"/>
+      </a:fillRef>
+      <a:effectRef idx="0">
+        <a:scrgbClr r="0" g="0" b="0"/>
+      </a:effectRef>
+      <a:fontRef idx="minor"/>
+    </dgm:style>
+  </dgm:styleLbl>
+  <dgm:styleLbl name="fgAccFollowNode1">
+    <dgm:scene3d>
+      <a:camera prst="orthographicFront"/>
+      <a:lightRig rig="threePt" dir="t"/>
+    </dgm:scene3d>
+    <dgm:sp3d/>
+    <dgm:txPr/>
+    <dgm:style>
+      <a:lnRef idx="2">
+        <a:scrgbClr r="0" g="0" b="0"/>
+      </a:lnRef>
+      <a:fillRef idx="1">
+        <a:scrgbClr r="0" g="0" b="0"/>
+      </a:fillRef>
+      <a:effectRef idx="0">
+        <a:scrgbClr r="0" g="0" b="0"/>
+      </a:effectRef>
+      <a:fontRef idx="minor"/>
+    </dgm:style>
+  </dgm:styleLbl>
+  <dgm:styleLbl name="alignAccFollowNode1">
+    <dgm:scene3d>
+      <a:camera prst="orthographicFront"/>
+      <a:lightRig rig="threePt" dir="t"/>
+    </dgm:scene3d>
+    <dgm:sp3d/>
+    <dgm:txPr/>
+    <dgm:style>
+      <a:lnRef idx="2">
+        <a:scrgbClr r="0" g="0" b="0"/>
+      </a:lnRef>
+      <a:fillRef idx="1">
+        <a:scrgbClr r="0" g="0" b="0"/>
+      </a:fillRef>
+      <a:effectRef idx="0">
+        <a:scrgbClr r="0" g="0" b="0"/>
+      </a:effectRef>
+      <a:fontRef idx="minor"/>
+    </dgm:style>
+  </dgm:styleLbl>
+  <dgm:styleLbl name="bgAccFollowNode1">
+    <dgm:scene3d>
+      <a:camera prst="orthographicFront"/>
+      <a:lightRig rig="threePt" dir="t"/>
+    </dgm:scene3d>
+    <dgm:sp3d/>
+    <dgm:txPr/>
+    <dgm:style>
+      <a:lnRef idx="2">
+        <a:scrgbClr r="0" g="0" b="0"/>
+      </a:lnRef>
+      <a:fillRef idx="1">
+        <a:scrgbClr r="0" g="0" b="0"/>
+      </a:fillRef>
+      <a:effectRef idx="0">
+        <a:scrgbClr r="0" g="0" b="0"/>
+      </a:effectRef>
+      <a:fontRef idx="minor"/>
+    </dgm:style>
+  </dgm:styleLbl>
+  <dgm:styleLbl name="fgAcc0">
+    <dgm:scene3d>
+      <a:camera prst="orthographicFront"/>
+      <a:lightRig rig="threePt" dir="t"/>
+    </dgm:scene3d>
+    <dgm:sp3d/>
+    <dgm:txPr/>
+    <dgm:style>
+      <a:lnRef idx="2">
+        <a:scrgbClr r="0" g="0" b="0"/>
+      </a:lnRef>
+      <a:fillRef idx="1">
+        <a:scrgbClr r="0" g="0" b="0"/>
+      </a:fillRef>
+      <a:effectRef idx="0">
+        <a:scrgbClr r="0" g="0" b="0"/>
+      </a:effectRef>
+      <a:fontRef idx="minor"/>
+    </dgm:style>
+  </dgm:styleLbl>
+  <dgm:styleLbl name="fgAcc2">
+    <dgm:scene3d>
+      <a:camera prst="orthographicFront"/>
+      <a:lightRig rig="threePt" dir="t"/>
+    </dgm:scene3d>
+    <dgm:sp3d/>
+    <dgm:txPr/>
+    <dgm:style>
+      <a:lnRef idx="2">
+        <a:scrgbClr r="0" g="0" b="0"/>
+      </a:lnRef>
+      <a:fillRef idx="1">
+        <a:scrgbClr r="0" g="0" b="0"/>
+      </a:fillRef>
+      <a:effectRef idx="0">
+        <a:scrgbClr r="0" g="0" b="0"/>
+      </a:effectRef>
+      <a:fontRef idx="minor"/>
+    </dgm:style>
+  </dgm:styleLbl>
+  <dgm:styleLbl name="fgAcc3">
+    <dgm:scene3d>
+      <a:camera prst="orthographicFront"/>
+      <a:lightRig rig="threePt" dir="t"/>
+    </dgm:scene3d>
+    <dgm:sp3d/>
+    <dgm:txPr/>
+    <dgm:style>
+      <a:lnRef idx="2">
+        <a:scrgbClr r="0" g="0" b="0"/>
+      </a:lnRef>
+      <a:fillRef idx="1">
+        <a:scrgbClr r="0" g="0" b="0"/>
+      </a:fillRef>
+      <a:effectRef idx="0">
+        <a:scrgbClr r="0" g="0" b="0"/>
+      </a:effectRef>
+      <a:fontRef idx="minor"/>
+    </dgm:style>
+  </dgm:styleLbl>
+  <dgm:styleLbl name="fgAcc4">
+    <dgm:scene3d>
+      <a:camera prst="orthographicFront"/>
+      <a:lightRig rig="threePt" dir="t"/>
+    </dgm:scene3d>
+    <dgm:sp3d/>
+    <dgm:txPr/>
+    <dgm:style>
+      <a:lnRef idx="2">
+        <a:scrgbClr r="0" g="0" b="0"/>
+      </a:lnRef>
+      <a:fillRef idx="1">
+        <a:scrgbClr r="0" g="0" b="0"/>
+      </a:fillRef>
+      <a:effectRef idx="0">
+        <a:scrgbClr r="0" g="0" b="0"/>
+      </a:effectRef>
+      <a:fontRef idx="minor"/>
+    </dgm:style>
+  </dgm:styleLbl>
+  <dgm:styleLbl name="bgShp">
+    <dgm:scene3d>
+      <a:camera prst="orthographicFront"/>
+      <a:lightRig rig="threePt" dir="t"/>
+    </dgm:scene3d>
+    <dgm:sp3d/>
+    <dgm:txPr/>
+    <dgm:style>
+      <a:lnRef idx="0">
+        <a:scrgbClr r="0" g="0" b="0"/>
+      </a:lnRef>
+      <a:fillRef idx="1">
+        <a:scrgbClr r="0" g="0" b="0"/>
+      </a:fillRef>
+      <a:effectRef idx="0">
+        <a:scrgbClr r="0" g="0" b="0"/>
+      </a:effectRef>
+      <a:fontRef idx="minor"/>
+    </dgm:style>
+  </dgm:styleLbl>
+  <dgm:styleLbl name="dkBgShp">
+    <dgm:scene3d>
+      <a:camera prst="orthographicFront"/>
+      <a:lightRig rig="threePt" dir="t"/>
+    </dgm:scene3d>
+    <dgm:sp3d/>
+    <dgm:txPr/>
+    <dgm:style>
+      <a:lnRef idx="0">
+        <a:scrgbClr r="0" g="0" b="0"/>
+      </a:lnRef>
+      <a:fillRef idx="1">
+        <a:scrgbClr r="0" g="0" b="0"/>
+      </a:fillRef>
+      <a:effectRef idx="0">
+        <a:scrgbClr r="0" g="0" b="0"/>
+      </a:effectRef>
+      <a:fontRef idx="minor"/>
+    </dgm:style>
+  </dgm:styleLbl>
+  <dgm:styleLbl name="trBgShp">
+    <dgm:scene3d>
+      <a:camera prst="orthographicFront"/>
+      <a:lightRig rig="threePt" dir="t"/>
+    </dgm:scene3d>
+    <dgm:sp3d/>
+    <dgm:txPr/>
+    <dgm:style>
+      <a:lnRef idx="0">
+        <a:scrgbClr r="0" g="0" b="0"/>
+      </a:lnRef>
+      <a:fillRef idx="1">
+        <a:scrgbClr r="0" g="0" b="0"/>
+      </a:fillRef>
+      <a:effectRef idx="0">
+        <a:scrgbClr r="0" g="0" b="0"/>
+      </a:effectRef>
+      <a:fontRef idx="minor"/>
+    </dgm:style>
+  </dgm:styleLbl>
+  <dgm:styleLbl name="fgShp">
+    <dgm:scene3d>
+      <a:camera prst="orthographicFront"/>
+      <a:lightRig rig="threePt" dir="t"/>
+    </dgm:scene3d>
+    <dgm:sp3d/>
+    <dgm:txPr/>
+    <dgm:style>
+      <a:lnRef idx="2">
+        <a:scrgbClr r="0" g="0" b="0"/>
+      </a:lnRef>
+      <a:fillRef idx="1">
+        <a:scrgbClr r="0" g="0" b="0"/>
+      </a:fillRef>
+      <a:effectRef idx="0">
+        <a:scrgbClr r="0" g="0" b="0"/>
+      </a:effectRef>
+      <a:fontRef idx="minor"/>
+    </dgm:style>
+  </dgm:styleLbl>
+  <dgm:styleLbl name="revTx">
+    <dgm:scene3d>
+      <a:camera prst="orthographicFront"/>
+      <a:lightRig rig="threePt" dir="t"/>
+    </dgm:scene3d>
+    <dgm:sp3d/>
+    <dgm:txPr/>
+    <dgm:style>
+      <a:lnRef idx="0">
+        <a:scrgbClr r="0" g="0" b="0"/>
+      </a:lnRef>
+      <a:fillRef idx="0">
+        <a:scrgbClr r="0" g="0" b="0"/>
+      </a:fillRef>
+      <a:effectRef idx="0">
+        <a:scrgbClr r="0" g="0" b="0"/>
+      </a:effectRef>
+      <a:fontRef idx="minor"/>
+    </dgm:style>
+  </dgm:styleLbl>
+</dgm:styleDef>
 </file>
 
 <file path=ppt/slideLayouts/slideLayout1.xml><?xml version="1.0" encoding="utf-8"?>
@@ -296,7 +2931,7 @@
           <a:p>
             <a:fld id="{7053058F-36A7-42CB-8B11-595016D576F5}" type="datetimeFigureOut">
               <a:rPr lang="en-US" smtClean="0"/>
-              <a:t>9/15/2025</a:t>
+              <a:t>9/21/2025</a:t>
             </a:fld>
             <a:endParaRPr lang="en-US"/>
           </a:p>
@@ -571,7 +3206,7 @@
           <a:p>
             <a:fld id="{7053058F-36A7-42CB-8B11-595016D576F5}" type="datetimeFigureOut">
               <a:rPr lang="en-US" smtClean="0"/>
-              <a:t>9/15/2025</a:t>
+              <a:t>9/21/2025</a:t>
             </a:fld>
             <a:endParaRPr lang="en-US"/>
           </a:p>
@@ -765,7 +3400,7 @@
           <a:p>
             <a:fld id="{7053058F-36A7-42CB-8B11-595016D576F5}" type="datetimeFigureOut">
               <a:rPr lang="en-US" smtClean="0"/>
-              <a:t>9/15/2025</a:t>
+              <a:t>9/21/2025</a:t>
             </a:fld>
             <a:endParaRPr lang="en-US"/>
           </a:p>
@@ -1038,7 +3673,7 @@
           <a:p>
             <a:fld id="{7053058F-36A7-42CB-8B11-595016D576F5}" type="datetimeFigureOut">
               <a:rPr lang="en-US" smtClean="0"/>
-              <a:t>9/15/2025</a:t>
+              <a:t>9/21/2025</a:t>
             </a:fld>
             <a:endParaRPr lang="en-US"/>
           </a:p>
@@ -1379,7 +4014,7 @@
           <a:p>
             <a:fld id="{7053058F-36A7-42CB-8B11-595016D576F5}" type="datetimeFigureOut">
               <a:rPr lang="en-US" smtClean="0"/>
-              <a:t>9/15/2025</a:t>
+              <a:t>9/21/2025</a:t>
             </a:fld>
             <a:endParaRPr lang="en-US"/>
           </a:p>
@@ -2002,7 +4637,7 @@
           <a:p>
             <a:fld id="{7053058F-36A7-42CB-8B11-595016D576F5}" type="datetimeFigureOut">
               <a:rPr lang="en-US" smtClean="0"/>
-              <a:t>9/15/2025</a:t>
+              <a:t>9/21/2025</a:t>
             </a:fld>
             <a:endParaRPr lang="en-US"/>
           </a:p>
@@ -2862,7 +5497,7 @@
           <a:p>
             <a:fld id="{7053058F-36A7-42CB-8B11-595016D576F5}" type="datetimeFigureOut">
               <a:rPr lang="en-US" smtClean="0"/>
-              <a:t>9/15/2025</a:t>
+              <a:t>9/21/2025</a:t>
             </a:fld>
             <a:endParaRPr lang="en-US"/>
           </a:p>
@@ -3032,7 +5667,7 @@
           <a:p>
             <a:fld id="{7053058F-36A7-42CB-8B11-595016D576F5}" type="datetimeFigureOut">
               <a:rPr lang="en-US" smtClean="0"/>
-              <a:t>9/15/2025</a:t>
+              <a:t>9/21/2025</a:t>
             </a:fld>
             <a:endParaRPr lang="en-US"/>
           </a:p>
@@ -3212,7 +5847,7 @@
           <a:p>
             <a:fld id="{7053058F-36A7-42CB-8B11-595016D576F5}" type="datetimeFigureOut">
               <a:rPr lang="en-US" smtClean="0"/>
-              <a:t>9/15/2025</a:t>
+              <a:t>9/21/2025</a:t>
             </a:fld>
             <a:endParaRPr lang="en-US"/>
           </a:p>
@@ -3382,7 +6017,7 @@
           <a:p>
             <a:fld id="{7053058F-36A7-42CB-8B11-595016D576F5}" type="datetimeFigureOut">
               <a:rPr lang="en-US" smtClean="0"/>
-              <a:t>9/15/2025</a:t>
+              <a:t>9/21/2025</a:t>
             </a:fld>
             <a:endParaRPr lang="en-US"/>
           </a:p>
@@ -3629,7 +6264,7 @@
           <a:p>
             <a:fld id="{7053058F-36A7-42CB-8B11-595016D576F5}" type="datetimeFigureOut">
               <a:rPr lang="en-US" smtClean="0"/>
-              <a:t>9/15/2025</a:t>
+              <a:t>9/21/2025</a:t>
             </a:fld>
             <a:endParaRPr lang="en-US"/>
           </a:p>
@@ -3921,7 +6556,7 @@
           <a:p>
             <a:fld id="{7053058F-36A7-42CB-8B11-595016D576F5}" type="datetimeFigureOut">
               <a:rPr lang="en-US" smtClean="0"/>
-              <a:t>9/15/2025</a:t>
+              <a:t>9/21/2025</a:t>
             </a:fld>
             <a:endParaRPr lang="en-US"/>
           </a:p>
@@ -4365,7 +7000,7 @@
           <a:p>
             <a:fld id="{7053058F-36A7-42CB-8B11-595016D576F5}" type="datetimeFigureOut">
               <a:rPr lang="en-US" smtClean="0"/>
-              <a:t>9/15/2025</a:t>
+              <a:t>9/21/2025</a:t>
             </a:fld>
             <a:endParaRPr lang="en-US"/>
           </a:p>
@@ -4483,7 +7118,7 @@
           <a:p>
             <a:fld id="{7053058F-36A7-42CB-8B11-595016D576F5}" type="datetimeFigureOut">
               <a:rPr lang="en-US" smtClean="0"/>
-              <a:t>9/15/2025</a:t>
+              <a:t>9/21/2025</a:t>
             </a:fld>
             <a:endParaRPr lang="en-US"/>
           </a:p>
@@ -4578,7 +7213,7 @@
           <a:p>
             <a:fld id="{7053058F-36A7-42CB-8B11-595016D576F5}" type="datetimeFigureOut">
               <a:rPr lang="en-US" smtClean="0"/>
-              <a:t>9/15/2025</a:t>
+              <a:t>9/21/2025</a:t>
             </a:fld>
             <a:endParaRPr lang="en-US"/>
           </a:p>
@@ -4857,7 +7492,7 @@
           <a:p>
             <a:fld id="{7053058F-36A7-42CB-8B11-595016D576F5}" type="datetimeFigureOut">
               <a:rPr lang="en-US" smtClean="0"/>
-              <a:t>9/15/2025</a:t>
+              <a:t>9/21/2025</a:t>
             </a:fld>
             <a:endParaRPr lang="en-US"/>
           </a:p>
@@ -5132,7 +7767,7 @@
           <a:p>
             <a:fld id="{7053058F-36A7-42CB-8B11-595016D576F5}" type="datetimeFigureOut">
               <a:rPr lang="en-US" smtClean="0"/>
-              <a:t>9/15/2025</a:t>
+              <a:t>9/21/2025</a:t>
             </a:fld>
             <a:endParaRPr lang="en-US"/>
           </a:p>
@@ -5335,6 +7970,13 @@
             <a:schemeClr val="lt1"/>
           </a:fontRef>
         </p:style>
+        <p:txBody>
+          <a:bodyPr/>
+          <a:lstStyle/>
+          <a:p>
+            <a:endParaRPr lang="en-US"/>
+          </a:p>
+        </p:txBody>
       </p:sp>
       <p:pic>
         <p:nvPicPr>
@@ -5429,6 +8071,13 @@
             <a:schemeClr val="lt1"/>
           </a:fontRef>
         </p:style>
+        <p:txBody>
+          <a:bodyPr/>
+          <a:lstStyle/>
+          <a:p>
+            <a:endParaRPr lang="en-US"/>
+          </a:p>
+        </p:txBody>
       </p:sp>
       <p:sp>
         <p:nvSpPr>
@@ -5561,7 +8210,7 @@
           <a:p>
             <a:fld id="{7053058F-36A7-42CB-8B11-595016D576F5}" type="datetimeFigureOut">
               <a:rPr lang="en-US" smtClean="0"/>
-              <a:t>9/15/2025</a:t>
+              <a:t>9/21/2025</a:t>
             </a:fld>
             <a:endParaRPr lang="en-US"/>
           </a:p>
@@ -6152,7 +8801,7 @@
           <a:p>
             <a:r>
               <a:rPr lang="en-US" sz="2800" dirty="0"/>
-              <a:t>ME: Bradon, Nyaire</a:t>
+              <a:t>ME: BradEn, Nyaire</a:t>
             </a:r>
           </a:p>
           <a:p>
@@ -6225,7 +8874,7 @@
       </p:grpSpPr>
       <p:pic>
         <p:nvPicPr>
-          <p:cNvPr id="31" name="Picture 30">
+          <p:cNvPr id="8" name="Picture 7">
             <a:extLst>
               <a:ext uri="{FF2B5EF4-FFF2-40B4-BE49-F238E27FC236}">
                 <a16:creationId xmlns:a16="http://schemas.microsoft.com/office/drawing/2014/main" id="{91B28F63-CF00-448F-B141-FE33C33B1891}"/>
@@ -6269,7 +8918,7 @@
       </p:pic>
       <p:pic>
         <p:nvPicPr>
-          <p:cNvPr id="33" name="Picture 32">
+          <p:cNvPr id="10" name="Picture 9">
             <a:extLst>
               <a:ext uri="{FF2B5EF4-FFF2-40B4-BE49-F238E27FC236}">
                 <a16:creationId xmlns:a16="http://schemas.microsoft.com/office/drawing/2014/main" id="{2AE609E2-8522-44E4-9077-980E5BCF3E14}"/>
@@ -6313,7 +8962,7 @@
       </p:pic>
       <p:sp>
         <p:nvSpPr>
-          <p:cNvPr id="35" name="Oval 34">
+          <p:cNvPr id="12" name="Oval 11">
             <a:extLst>
               <a:ext uri="{FF2B5EF4-FFF2-40B4-BE49-F238E27FC236}">
                 <a16:creationId xmlns:a16="http://schemas.microsoft.com/office/drawing/2014/main" id="{4FA533C5-33E3-4611-AF9F-72811D8B26A6}"/>
@@ -6400,7 +9049,7 @@
       </p:sp>
       <p:pic>
         <p:nvPicPr>
-          <p:cNvPr id="37" name="Picture 36">
+          <p:cNvPr id="14" name="Picture 13">
             <a:extLst>
               <a:ext uri="{FF2B5EF4-FFF2-40B4-BE49-F238E27FC236}">
                 <a16:creationId xmlns:a16="http://schemas.microsoft.com/office/drawing/2014/main" id="{8949AD42-25FD-4C3D-9EEE-B7FEC5809988}"/>
@@ -6444,7 +9093,7 @@
       </p:pic>
       <p:pic>
         <p:nvPicPr>
-          <p:cNvPr id="39" name="Picture 38">
+          <p:cNvPr id="16" name="Picture 15">
             <a:extLst>
               <a:ext uri="{FF2B5EF4-FFF2-40B4-BE49-F238E27FC236}">
                 <a16:creationId xmlns:a16="http://schemas.microsoft.com/office/drawing/2014/main" id="{6AC7D913-60B7-4603-881B-831DA5D3A940}"/>
@@ -6488,7 +9137,7 @@
       </p:pic>
       <p:sp>
         <p:nvSpPr>
-          <p:cNvPr id="41" name="Rectangle 40">
+          <p:cNvPr id="18" name="Rectangle 17">
             <a:extLst>
               <a:ext uri="{FF2B5EF4-FFF2-40B4-BE49-F238E27FC236}">
                 <a16:creationId xmlns:a16="http://schemas.microsoft.com/office/drawing/2014/main" id="{87F0FDC4-AD8C-47D9-9131-623C98ADB0AE}"/>
@@ -6548,7 +9197,7 @@
       </p:sp>
       <p:sp>
         <p:nvSpPr>
-          <p:cNvPr id="43" name="Rectangle 42">
+          <p:cNvPr id="20" name="Rectangle 19">
             <a:extLst>
               <a:ext uri="{FF2B5EF4-FFF2-40B4-BE49-F238E27FC236}">
                 <a16:creationId xmlns:a16="http://schemas.microsoft.com/office/drawing/2014/main" id="{E34FA10D-5116-47B4-A70E-776435251326}"/>
@@ -6613,7 +9262,7 @@
       </p:sp>
       <p:sp>
         <p:nvSpPr>
-          <p:cNvPr id="45" name="Freeform 36">
+          <p:cNvPr id="22" name="Freeform 36">
             <a:extLst>
               <a:ext uri="{FF2B5EF4-FFF2-40B4-BE49-F238E27FC236}">
                 <a16:creationId xmlns:a16="http://schemas.microsoft.com/office/drawing/2014/main" id="{B2718AAE-52B9-4DD9-9D83-A9C975C9DC2D}"/>
@@ -6965,7 +9614,7 @@
       </p:sp>
       <p:sp useBgFill="1">
         <p:nvSpPr>
-          <p:cNvPr id="47" name="Freeform: Shape 46">
+          <p:cNvPr id="24" name="Freeform: Shape 23">
             <a:extLst>
               <a:ext uri="{FF2B5EF4-FFF2-40B4-BE49-F238E27FC236}">
                 <a16:creationId xmlns:a16="http://schemas.microsoft.com/office/drawing/2014/main" id="{49FF39B1-9689-44AE-A803-7B90A059DC56}"/>
@@ -7468,7 +10117,7 @@
       </p:sp>
       <p:sp>
         <p:nvSpPr>
-          <p:cNvPr id="49" name="Rectangle 48">
+          <p:cNvPr id="26" name="Rectangle 25">
             <a:extLst>
               <a:ext uri="{FF2B5EF4-FFF2-40B4-BE49-F238E27FC236}">
                 <a16:creationId xmlns:a16="http://schemas.microsoft.com/office/drawing/2014/main" id="{6C74A888-48BE-4604-BB14-E6C5E9D0F2FB}"/>
@@ -7528,10 +10177,10 @@
       </p:sp>
       <p:sp>
         <p:nvSpPr>
-          <p:cNvPr id="4" name="Title 3">
+          <p:cNvPr id="2" name="Title 1">
             <a:extLst>
               <a:ext uri="{FF2B5EF4-FFF2-40B4-BE49-F238E27FC236}">
-                <a16:creationId xmlns:a16="http://schemas.microsoft.com/office/drawing/2014/main" id="{9B155C9A-D322-BE84-0D73-B6EB91F21510}"/>
+                <a16:creationId xmlns:a16="http://schemas.microsoft.com/office/drawing/2014/main" id="{92E47E63-3FE9-F0E1-95C1-E075EC14C76C}"/>
               </a:ext>
             </a:extLst>
           </p:cNvPr>
@@ -7564,17 +10213,17 @@
                 <a:ea typeface="+mj-ea"/>
                 <a:cs typeface="+mj-cs"/>
               </a:rPr>
-              <a:t>SPECS</a:t>
+              <a:t>USAGE</a:t>
             </a:r>
           </a:p>
         </p:txBody>
       </p:sp>
       <p:sp>
         <p:nvSpPr>
-          <p:cNvPr id="5" name="Text Placeholder 4">
+          <p:cNvPr id="3" name="Text Placeholder 2">
             <a:extLst>
               <a:ext uri="{FF2B5EF4-FFF2-40B4-BE49-F238E27FC236}">
-                <a16:creationId xmlns:a16="http://schemas.microsoft.com/office/drawing/2014/main" id="{60476C49-E7C9-ADAE-4DC4-73EFC959AEDE}"/>
+                <a16:creationId xmlns:a16="http://schemas.microsoft.com/office/drawing/2014/main" id="{38FCFA81-73D7-BDBF-D00E-86061137D782}"/>
               </a:ext>
             </a:extLst>
           </p:cNvPr>
@@ -7598,7 +10247,7 @@
           <a:lstStyle/>
           <a:p>
             <a:r>
-              <a:rPr lang="en-US" b="0" i="0" kern="1200" cap="all">
+              <a:rPr lang="en-US" b="0" i="0" kern="1200" cap="none" dirty="0">
                 <a:solidFill>
                   <a:schemeClr val="bg2"/>
                 </a:solidFill>
@@ -7606,20 +10255,7 @@
                 <a:ea typeface="+mj-ea"/>
                 <a:cs typeface="+mj-cs"/>
               </a:rPr>
-              <a:t>Top speed: 60mph</a:t>
-            </a:r>
-          </a:p>
-          <a:p>
-            <a:r>
-              <a:rPr lang="en-US" b="0" i="0" kern="1200" cap="all">
-                <a:solidFill>
-                  <a:schemeClr val="bg2"/>
-                </a:solidFill>
-                <a:latin typeface="+mj-lt"/>
-                <a:ea typeface="+mj-ea"/>
-                <a:cs typeface="+mj-cs"/>
-              </a:rPr>
-              <a:t>Max weight: 350lbs</a:t>
+              <a:t>Intended to be used for traversing streets, gravel roads (not at top speed), and other well-defined terrain.</a:t>
             </a:r>
           </a:p>
         </p:txBody>
@@ -7627,7 +10263,7 @@
     </p:spTree>
     <p:extLst>
       <p:ext uri="{BB962C8B-B14F-4D97-AF65-F5344CB8AC3E}">
-        <p14:creationId xmlns:p14="http://schemas.microsoft.com/office/powerpoint/2010/main" val="3029127066"/>
+        <p14:creationId xmlns:p14="http://schemas.microsoft.com/office/powerpoint/2010/main" val="1832491769"/>
       </p:ext>
     </p:extLst>
   </p:cSld>
@@ -8001,9 +10637,1394 @@
           </a:p>
         </p:txBody>
       </p:sp>
-      <p:sp>
+      <p:sp useBgFill="1">
         <p:nvSpPr>
           <p:cNvPr id="20" name="Rectangle 19">
+            <a:extLst>
+              <a:ext uri="{FF2B5EF4-FFF2-40B4-BE49-F238E27FC236}">
+                <a16:creationId xmlns:a16="http://schemas.microsoft.com/office/drawing/2014/main" id="{C28D0172-F2E0-4763-9C35-F022664959D8}"/>
+              </a:ext>
+              <a:ext uri="{C183D7F6-B498-43B3-948B-1728B52AA6E4}">
+                <adec:decorative xmlns:adec="http://schemas.microsoft.com/office/drawing/2017/decorative" val="1"/>
+              </a:ext>
+            </a:extLst>
+          </p:cNvPr>
+          <p:cNvSpPr>
+            <a:spLocks noGrp="1" noRot="1" noChangeAspect="1" noMove="1" noResize="1" noEditPoints="1" noAdjustHandles="1" noChangeArrowheads="1" noChangeShapeType="1" noTextEdit="1"/>
+          </p:cNvSpPr>
+          <p:nvPr>
+            <p:extLst>
+              <p:ext uri="{386F3935-93C4-4BCD-93E2-E3B085C9AB24}">
+                <p16:designElem xmlns:p16="http://schemas.microsoft.com/office/powerpoint/2015/main" val="1"/>
+              </p:ext>
+            </p:extLst>
+          </p:nvPr>
+        </p:nvSpPr>
+        <p:spPr>
+          <a:xfrm>
+            <a:off x="0" y="-5"/>
+            <a:ext cx="12191695" cy="4730744"/>
+          </a:xfrm>
+          <a:prstGeom prst="rect">
+            <a:avLst/>
+          </a:prstGeom>
+          <a:ln>
+            <a:noFill/>
+          </a:ln>
+        </p:spPr>
+        <p:style>
+          <a:lnRef idx="2">
+            <a:schemeClr val="accent1">
+              <a:shade val="50000"/>
+            </a:schemeClr>
+          </a:lnRef>
+          <a:fillRef idx="1">
+            <a:schemeClr val="accent1"/>
+          </a:fillRef>
+          <a:effectRef idx="0">
+            <a:schemeClr val="accent1"/>
+          </a:effectRef>
+          <a:fontRef idx="minor">
+            <a:schemeClr val="lt1"/>
+          </a:fontRef>
+        </p:style>
+        <p:txBody>
+          <a:bodyPr rtlCol="0" anchor="ctr"/>
+          <a:lstStyle/>
+          <a:p>
+            <a:pPr algn="ctr"/>
+            <a:endParaRPr lang="en-US"/>
+          </a:p>
+        </p:txBody>
+      </p:sp>
+      <p:sp>
+        <p:nvSpPr>
+          <p:cNvPr id="22" name="Freeform 16">
+            <a:extLst>
+              <a:ext uri="{FF2B5EF4-FFF2-40B4-BE49-F238E27FC236}">
+                <a16:creationId xmlns:a16="http://schemas.microsoft.com/office/drawing/2014/main" id="{9F2851FB-E841-4509-8A6D-A416376EA380}"/>
+              </a:ext>
+              <a:ext uri="{C183D7F6-B498-43B3-948B-1728B52AA6E4}">
+                <adec:decorative xmlns:adec="http://schemas.microsoft.com/office/drawing/2017/decorative" val="1"/>
+              </a:ext>
+            </a:extLst>
+          </p:cNvPr>
+          <p:cNvSpPr>
+            <a:spLocks noGrp="1" noRot="1" noChangeAspect="1" noMove="1" noResize="1" noEditPoints="1" noAdjustHandles="1" noChangeArrowheads="1" noChangeShapeType="1" noTextEdit="1"/>
+          </p:cNvSpPr>
+          <p:nvPr>
+            <p:extLst>
+              <p:ext uri="{386F3935-93C4-4BCD-93E2-E3B085C9AB24}">
+                <p16:designElem xmlns:p16="http://schemas.microsoft.com/office/powerpoint/2015/main" val="1"/>
+              </p:ext>
+            </p:extLst>
+          </p:nvPr>
+        </p:nvSpPr>
+        <p:spPr>
+          <a:xfrm>
+            <a:off x="8719939" y="3753695"/>
+            <a:ext cx="3472060" cy="825932"/>
+          </a:xfrm>
+          <a:custGeom>
+            <a:avLst/>
+            <a:gdLst>
+              <a:gd name="connsiteX0" fmla="*/ 3470310 w 3472060"/>
+              <a:gd name="connsiteY0" fmla="*/ 0 h 825932"/>
+              <a:gd name="connsiteX1" fmla="*/ 3472060 w 3472060"/>
+              <a:gd name="connsiteY1" fmla="*/ 12850 h 825932"/>
+              <a:gd name="connsiteX2" fmla="*/ 3472060 w 3472060"/>
+              <a:gd name="connsiteY2" fmla="*/ 480529 h 825932"/>
+              <a:gd name="connsiteX3" fmla="*/ 3363699 w 3472060"/>
+              <a:gd name="connsiteY3" fmla="*/ 498471 h 825932"/>
+              <a:gd name="connsiteX4" fmla="*/ 42060 w 3472060"/>
+              <a:gd name="connsiteY4" fmla="*/ 824486 h 825932"/>
+              <a:gd name="connsiteX5" fmla="*/ 0 w 3472060"/>
+              <a:gd name="connsiteY5" fmla="*/ 758452 h 825932"/>
+              <a:gd name="connsiteX6" fmla="*/ 188014 w 3472060"/>
+              <a:gd name="connsiteY6" fmla="*/ 735602 h 825932"/>
+              <a:gd name="connsiteX7" fmla="*/ 284087 w 3472060"/>
+              <a:gd name="connsiteY7" fmla="*/ 722590 h 825932"/>
+              <a:gd name="connsiteX8" fmla="*/ 382288 w 3472060"/>
+              <a:gd name="connsiteY8" fmla="*/ 709392 h 825932"/>
+              <a:gd name="connsiteX9" fmla="*/ 481858 w 3472060"/>
+              <a:gd name="connsiteY9" fmla="*/ 695774 h 825932"/>
+              <a:gd name="connsiteX10" fmla="*/ 581897 w 3472060"/>
+              <a:gd name="connsiteY10" fmla="*/ 680711 h 825932"/>
+              <a:gd name="connsiteX11" fmla="*/ 683670 w 3472060"/>
+              <a:gd name="connsiteY11" fmla="*/ 665256 h 825932"/>
+              <a:gd name="connsiteX12" fmla="*/ 787206 w 3472060"/>
+              <a:gd name="connsiteY12" fmla="*/ 649587 h 825932"/>
+              <a:gd name="connsiteX13" fmla="*/ 892019 w 3472060"/>
+              <a:gd name="connsiteY13" fmla="*/ 632968 h 825932"/>
+              <a:gd name="connsiteX14" fmla="*/ 997620 w 3472060"/>
+              <a:gd name="connsiteY14" fmla="*/ 614667 h 825932"/>
+              <a:gd name="connsiteX15" fmla="*/ 1104727 w 3472060"/>
+              <a:gd name="connsiteY15" fmla="*/ 596741 h 825932"/>
+              <a:gd name="connsiteX16" fmla="*/ 1212669 w 3472060"/>
+              <a:gd name="connsiteY16" fmla="*/ 577397 h 825932"/>
+              <a:gd name="connsiteX17" fmla="*/ 1321506 w 3472060"/>
+              <a:gd name="connsiteY17" fmla="*/ 556988 h 825932"/>
+              <a:gd name="connsiteX18" fmla="*/ 1430709 w 3472060"/>
+              <a:gd name="connsiteY18" fmla="*/ 536607 h 825932"/>
+              <a:gd name="connsiteX19" fmla="*/ 1541050 w 3472060"/>
+              <a:gd name="connsiteY19" fmla="*/ 514481 h 825932"/>
+              <a:gd name="connsiteX20" fmla="*/ 1652805 w 3472060"/>
+              <a:gd name="connsiteY20" fmla="*/ 492202 h 825932"/>
+              <a:gd name="connsiteX21" fmla="*/ 1763708 w 3472060"/>
+              <a:gd name="connsiteY21" fmla="*/ 469161 h 825932"/>
+              <a:gd name="connsiteX22" fmla="*/ 1875795 w 3472060"/>
+              <a:gd name="connsiteY22" fmla="*/ 444641 h 825932"/>
+              <a:gd name="connsiteX23" fmla="*/ 1989128 w 3472060"/>
+              <a:gd name="connsiteY23" fmla="*/ 418995 h 825932"/>
+              <a:gd name="connsiteX24" fmla="*/ 2102476 w 3472060"/>
+              <a:gd name="connsiteY24" fmla="*/ 393438 h 825932"/>
+              <a:gd name="connsiteX25" fmla="*/ 2215549 w 3472060"/>
+              <a:gd name="connsiteY25" fmla="*/ 366291 h 825932"/>
+              <a:gd name="connsiteX26" fmla="*/ 2330490 w 3472060"/>
+              <a:gd name="connsiteY26" fmla="*/ 337455 h 825932"/>
+              <a:gd name="connsiteX27" fmla="*/ 2443333 w 3472060"/>
+              <a:gd name="connsiteY27" fmla="*/ 308983 h 825932"/>
+              <a:gd name="connsiteX28" fmla="*/ 2558014 w 3472060"/>
+              <a:gd name="connsiteY28" fmla="*/ 278646 h 825932"/>
+              <a:gd name="connsiteX29" fmla="*/ 2673621 w 3472060"/>
+              <a:gd name="connsiteY29" fmla="*/ 247421 h 825932"/>
+              <a:gd name="connsiteX30" fmla="*/ 2787008 w 3472060"/>
+              <a:gd name="connsiteY30" fmla="*/ 215853 h 825932"/>
+              <a:gd name="connsiteX31" fmla="*/ 2901442 w 3472060"/>
+              <a:gd name="connsiteY31" fmla="*/ 182011 h 825932"/>
+              <a:gd name="connsiteX32" fmla="*/ 3015722 w 3472060"/>
+              <a:gd name="connsiteY32" fmla="*/ 147286 h 825932"/>
+              <a:gd name="connsiteX33" fmla="*/ 3130018 w 3472060"/>
+              <a:gd name="connsiteY33" fmla="*/ 112649 h 825932"/>
+              <a:gd name="connsiteX34" fmla="*/ 3243551 w 3472060"/>
+              <a:gd name="connsiteY34" fmla="*/ 75688 h 825932"/>
+              <a:gd name="connsiteX35" fmla="*/ 3356992 w 3472060"/>
+              <a:gd name="connsiteY35" fmla="*/ 38197 h 825932"/>
+              <a:gd name="connsiteX36" fmla="*/ 3470310 w 3472060"/>
+              <a:gd name="connsiteY36" fmla="*/ 0 h 825932"/>
+            </a:gdLst>
+            <a:ahLst/>
+            <a:cxnLst>
+              <a:cxn ang="0">
+                <a:pos x="connsiteX0" y="connsiteY0"/>
+              </a:cxn>
+              <a:cxn ang="0">
+                <a:pos x="connsiteX1" y="connsiteY1"/>
+              </a:cxn>
+              <a:cxn ang="0">
+                <a:pos x="connsiteX2" y="connsiteY2"/>
+              </a:cxn>
+              <a:cxn ang="0">
+                <a:pos x="connsiteX3" y="connsiteY3"/>
+              </a:cxn>
+              <a:cxn ang="0">
+                <a:pos x="connsiteX4" y="connsiteY4"/>
+              </a:cxn>
+              <a:cxn ang="0">
+                <a:pos x="connsiteX5" y="connsiteY5"/>
+              </a:cxn>
+              <a:cxn ang="0">
+                <a:pos x="connsiteX6" y="connsiteY6"/>
+              </a:cxn>
+              <a:cxn ang="0">
+                <a:pos x="connsiteX7" y="connsiteY7"/>
+              </a:cxn>
+              <a:cxn ang="0">
+                <a:pos x="connsiteX8" y="connsiteY8"/>
+              </a:cxn>
+              <a:cxn ang="0">
+                <a:pos x="connsiteX9" y="connsiteY9"/>
+              </a:cxn>
+              <a:cxn ang="0">
+                <a:pos x="connsiteX10" y="connsiteY10"/>
+              </a:cxn>
+              <a:cxn ang="0">
+                <a:pos x="connsiteX11" y="connsiteY11"/>
+              </a:cxn>
+              <a:cxn ang="0">
+                <a:pos x="connsiteX12" y="connsiteY12"/>
+              </a:cxn>
+              <a:cxn ang="0">
+                <a:pos x="connsiteX13" y="connsiteY13"/>
+              </a:cxn>
+              <a:cxn ang="0">
+                <a:pos x="connsiteX14" y="connsiteY14"/>
+              </a:cxn>
+              <a:cxn ang="0">
+                <a:pos x="connsiteX15" y="connsiteY15"/>
+              </a:cxn>
+              <a:cxn ang="0">
+                <a:pos x="connsiteX16" y="connsiteY16"/>
+              </a:cxn>
+              <a:cxn ang="0">
+                <a:pos x="connsiteX17" y="connsiteY17"/>
+              </a:cxn>
+              <a:cxn ang="0">
+                <a:pos x="connsiteX18" y="connsiteY18"/>
+              </a:cxn>
+              <a:cxn ang="0">
+                <a:pos x="connsiteX19" y="connsiteY19"/>
+              </a:cxn>
+              <a:cxn ang="0">
+                <a:pos x="connsiteX20" y="connsiteY20"/>
+              </a:cxn>
+              <a:cxn ang="0">
+                <a:pos x="connsiteX21" y="connsiteY21"/>
+              </a:cxn>
+              <a:cxn ang="0">
+                <a:pos x="connsiteX22" y="connsiteY22"/>
+              </a:cxn>
+              <a:cxn ang="0">
+                <a:pos x="connsiteX23" y="connsiteY23"/>
+              </a:cxn>
+              <a:cxn ang="0">
+                <a:pos x="connsiteX24" y="connsiteY24"/>
+              </a:cxn>
+              <a:cxn ang="0">
+                <a:pos x="connsiteX25" y="connsiteY25"/>
+              </a:cxn>
+              <a:cxn ang="0">
+                <a:pos x="connsiteX26" y="connsiteY26"/>
+              </a:cxn>
+              <a:cxn ang="0">
+                <a:pos x="connsiteX27" y="connsiteY27"/>
+              </a:cxn>
+              <a:cxn ang="0">
+                <a:pos x="connsiteX28" y="connsiteY28"/>
+              </a:cxn>
+              <a:cxn ang="0">
+                <a:pos x="connsiteX29" y="connsiteY29"/>
+              </a:cxn>
+              <a:cxn ang="0">
+                <a:pos x="connsiteX30" y="connsiteY30"/>
+              </a:cxn>
+              <a:cxn ang="0">
+                <a:pos x="connsiteX31" y="connsiteY31"/>
+              </a:cxn>
+              <a:cxn ang="0">
+                <a:pos x="connsiteX32" y="connsiteY32"/>
+              </a:cxn>
+              <a:cxn ang="0">
+                <a:pos x="connsiteX33" y="connsiteY33"/>
+              </a:cxn>
+              <a:cxn ang="0">
+                <a:pos x="connsiteX34" y="connsiteY34"/>
+              </a:cxn>
+              <a:cxn ang="0">
+                <a:pos x="connsiteX35" y="connsiteY35"/>
+              </a:cxn>
+              <a:cxn ang="0">
+                <a:pos x="connsiteX36" y="connsiteY36"/>
+              </a:cxn>
+            </a:cxnLst>
+            <a:rect l="l" t="t" r="r" b="b"/>
+            <a:pathLst>
+              <a:path w="3472060" h="825932">
+                <a:moveTo>
+                  <a:pt x="3470310" y="0"/>
+                </a:moveTo>
+                <a:lnTo>
+                  <a:pt x="3472060" y="12850"/>
+                </a:lnTo>
+                <a:lnTo>
+                  <a:pt x="3472060" y="480529"/>
+                </a:lnTo>
+                <a:lnTo>
+                  <a:pt x="3363699" y="498471"/>
+                </a:lnTo>
+                <a:cubicBezTo>
+                  <a:pt x="2435623" y="645518"/>
+                  <a:pt x="603076" y="844866"/>
+                  <a:pt x="42060" y="824486"/>
+                </a:cubicBezTo>
+                <a:cubicBezTo>
+                  <a:pt x="28151" y="802425"/>
+                  <a:pt x="13909" y="780513"/>
+                  <a:pt x="0" y="758452"/>
+                </a:cubicBezTo>
+                <a:lnTo>
+                  <a:pt x="188014" y="735602"/>
+                </a:lnTo>
+                <a:lnTo>
+                  <a:pt x="284087" y="722590"/>
+                </a:lnTo>
+                <a:lnTo>
+                  <a:pt x="382288" y="709392"/>
+                </a:lnTo>
+                <a:lnTo>
+                  <a:pt x="481858" y="695774"/>
+                </a:lnTo>
+                <a:lnTo>
+                  <a:pt x="581897" y="680711"/>
+                </a:lnTo>
+                <a:lnTo>
+                  <a:pt x="683670" y="665256"/>
+                </a:lnTo>
+                <a:lnTo>
+                  <a:pt x="787206" y="649587"/>
+                </a:lnTo>
+                <a:lnTo>
+                  <a:pt x="892019" y="632968"/>
+                </a:lnTo>
+                <a:lnTo>
+                  <a:pt x="997620" y="614667"/>
+                </a:lnTo>
+                <a:lnTo>
+                  <a:pt x="1104727" y="596741"/>
+                </a:lnTo>
+                <a:lnTo>
+                  <a:pt x="1212669" y="577397"/>
+                </a:lnTo>
+                <a:lnTo>
+                  <a:pt x="1321506" y="556988"/>
+                </a:lnTo>
+                <a:lnTo>
+                  <a:pt x="1430709" y="536607"/>
+                </a:lnTo>
+                <a:lnTo>
+                  <a:pt x="1541050" y="514481"/>
+                </a:lnTo>
+                <a:lnTo>
+                  <a:pt x="1652805" y="492202"/>
+                </a:lnTo>
+                <a:lnTo>
+                  <a:pt x="1763708" y="469161"/>
+                </a:lnTo>
+                <a:lnTo>
+                  <a:pt x="1875795" y="444641"/>
+                </a:lnTo>
+                <a:lnTo>
+                  <a:pt x="1989128" y="418995"/>
+                </a:lnTo>
+                <a:lnTo>
+                  <a:pt x="2102476" y="393438"/>
+                </a:lnTo>
+                <a:lnTo>
+                  <a:pt x="2215549" y="366291"/>
+                </a:lnTo>
+                <a:lnTo>
+                  <a:pt x="2330490" y="337455"/>
+                </a:lnTo>
+                <a:lnTo>
+                  <a:pt x="2443333" y="308983"/>
+                </a:lnTo>
+                <a:lnTo>
+                  <a:pt x="2558014" y="278646"/>
+                </a:lnTo>
+                <a:lnTo>
+                  <a:pt x="2673621" y="247421"/>
+                </a:lnTo>
+                <a:lnTo>
+                  <a:pt x="2787008" y="215853"/>
+                </a:lnTo>
+                <a:lnTo>
+                  <a:pt x="2901442" y="182011"/>
+                </a:lnTo>
+                <a:lnTo>
+                  <a:pt x="3015722" y="147286"/>
+                </a:lnTo>
+                <a:lnTo>
+                  <a:pt x="3130018" y="112649"/>
+                </a:lnTo>
+                <a:lnTo>
+                  <a:pt x="3243551" y="75688"/>
+                </a:lnTo>
+                <a:lnTo>
+                  <a:pt x="3356992" y="38197"/>
+                </a:lnTo>
+                <a:lnTo>
+                  <a:pt x="3470310" y="0"/>
+                </a:lnTo>
+                <a:close/>
+              </a:path>
+            </a:pathLst>
+          </a:custGeom>
+          <a:solidFill>
+            <a:schemeClr val="tx1">
+              <a:alpha val="20000"/>
+            </a:schemeClr>
+          </a:solidFill>
+          <a:ln>
+            <a:noFill/>
+          </a:ln>
+        </p:spPr>
+        <p:txBody>
+          <a:bodyPr rtlCol="0" anchor="ctr"/>
+          <a:lstStyle/>
+          <a:p>
+            <a:pPr algn="ctr"/>
+            <a:endParaRPr lang="en-US">
+              <a:solidFill>
+                <a:schemeClr val="tx1"/>
+              </a:solidFill>
+            </a:endParaRPr>
+          </a:p>
+        </p:txBody>
+      </p:sp>
+      <p:sp>
+        <p:nvSpPr>
+          <p:cNvPr id="24" name="Freeform: Shape 23">
+            <a:extLst>
+              <a:ext uri="{FF2B5EF4-FFF2-40B4-BE49-F238E27FC236}">
+                <a16:creationId xmlns:a16="http://schemas.microsoft.com/office/drawing/2014/main" id="{DF6FB2B2-CE21-407F-B22E-302DADC2C3D3}"/>
+              </a:ext>
+              <a:ext uri="{C183D7F6-B498-43B3-948B-1728B52AA6E4}">
+                <adec:decorative xmlns:adec="http://schemas.microsoft.com/office/drawing/2017/decorative" val="1"/>
+              </a:ext>
+            </a:extLst>
+          </p:cNvPr>
+          <p:cNvSpPr>
+            <a:spLocks noGrp="1" noRot="1" noChangeAspect="1" noMove="1" noResize="1" noEditPoints="1" noAdjustHandles="1" noChangeArrowheads="1" noChangeShapeType="1" noTextEdit="1"/>
+          </p:cNvSpPr>
+          <p:nvPr>
+            <p:extLst>
+              <p:ext uri="{386F3935-93C4-4BCD-93E2-E3B085C9AB24}">
+                <p16:designElem xmlns:p16="http://schemas.microsoft.com/office/powerpoint/2015/main" val="1"/>
+              </p:ext>
+            </p:extLst>
+          </p:nvPr>
+        </p:nvSpPr>
+        <p:spPr>
+          <a:xfrm>
+            <a:off x="0" y="4055533"/>
+            <a:ext cx="12192000" cy="2802467"/>
+          </a:xfrm>
+          <a:custGeom>
+            <a:avLst/>
+            <a:gdLst>
+              <a:gd name="connsiteX0" fmla="*/ 1 w 12192000"/>
+              <a:gd name="connsiteY0" fmla="*/ 0 h 2802467"/>
+              <a:gd name="connsiteX1" fmla="*/ 71932 w 12192000"/>
+              <a:gd name="connsiteY1" fmla="*/ 12261 h 2802467"/>
+              <a:gd name="connsiteX2" fmla="*/ 282848 w 12192000"/>
+              <a:gd name="connsiteY2" fmla="*/ 48342 h 2802467"/>
+              <a:gd name="connsiteX3" fmla="*/ 436464 w 12192000"/>
+              <a:gd name="connsiteY3" fmla="*/ 73565 h 2802467"/>
+              <a:gd name="connsiteX4" fmla="*/ 619339 w 12192000"/>
+              <a:gd name="connsiteY4" fmla="*/ 100188 h 2802467"/>
+              <a:gd name="connsiteX5" fmla="*/ 836351 w 12192000"/>
+              <a:gd name="connsiteY5" fmla="*/ 132066 h 2802467"/>
+              <a:gd name="connsiteX6" fmla="*/ 1076528 w 12192000"/>
+              <a:gd name="connsiteY6" fmla="*/ 165696 h 2802467"/>
+              <a:gd name="connsiteX7" fmla="*/ 1347183 w 12192000"/>
+              <a:gd name="connsiteY7" fmla="*/ 201077 h 2802467"/>
+              <a:gd name="connsiteX8" fmla="*/ 1642223 w 12192000"/>
+              <a:gd name="connsiteY8" fmla="*/ 238560 h 2802467"/>
+              <a:gd name="connsiteX9" fmla="*/ 1962864 w 12192000"/>
+              <a:gd name="connsiteY9" fmla="*/ 276043 h 2802467"/>
+              <a:gd name="connsiteX10" fmla="*/ 2304232 w 12192000"/>
+              <a:gd name="connsiteY10" fmla="*/ 314226 h 2802467"/>
+              <a:gd name="connsiteX11" fmla="*/ 2672421 w 12192000"/>
+              <a:gd name="connsiteY11" fmla="*/ 349608 h 2802467"/>
+              <a:gd name="connsiteX12" fmla="*/ 3057678 w 12192000"/>
+              <a:gd name="connsiteY12" fmla="*/ 383587 h 2802467"/>
+              <a:gd name="connsiteX13" fmla="*/ 3464881 w 12192000"/>
+              <a:gd name="connsiteY13" fmla="*/ 414415 h 2802467"/>
+              <a:gd name="connsiteX14" fmla="*/ 3889152 w 12192000"/>
+              <a:gd name="connsiteY14" fmla="*/ 443840 h 2802467"/>
+              <a:gd name="connsiteX15" fmla="*/ 4331710 w 12192000"/>
+              <a:gd name="connsiteY15" fmla="*/ 471515 h 2802467"/>
+              <a:gd name="connsiteX16" fmla="*/ 4558476 w 12192000"/>
+              <a:gd name="connsiteY16" fmla="*/ 481323 h 2802467"/>
+              <a:gd name="connsiteX17" fmla="*/ 4790118 w 12192000"/>
+              <a:gd name="connsiteY17" fmla="*/ 492183 h 2802467"/>
+              <a:gd name="connsiteX18" fmla="*/ 5025418 w 12192000"/>
+              <a:gd name="connsiteY18" fmla="*/ 502342 h 2802467"/>
+              <a:gd name="connsiteX19" fmla="*/ 5261937 w 12192000"/>
+              <a:gd name="connsiteY19" fmla="*/ 508998 h 2802467"/>
+              <a:gd name="connsiteX20" fmla="*/ 5503332 w 12192000"/>
+              <a:gd name="connsiteY20" fmla="*/ 514953 h 2802467"/>
+              <a:gd name="connsiteX21" fmla="*/ 5747166 w 12192000"/>
+              <a:gd name="connsiteY21" fmla="*/ 521259 h 2802467"/>
+              <a:gd name="connsiteX22" fmla="*/ 5995877 w 12192000"/>
+              <a:gd name="connsiteY22" fmla="*/ 525462 h 2802467"/>
+              <a:gd name="connsiteX23" fmla="*/ 6247026 w 12192000"/>
+              <a:gd name="connsiteY23" fmla="*/ 525462 h 2802467"/>
+              <a:gd name="connsiteX24" fmla="*/ 6500613 w 12192000"/>
+              <a:gd name="connsiteY24" fmla="*/ 527564 h 2802467"/>
+              <a:gd name="connsiteX25" fmla="*/ 6756639 w 12192000"/>
+              <a:gd name="connsiteY25" fmla="*/ 525462 h 2802467"/>
+              <a:gd name="connsiteX26" fmla="*/ 7016322 w 12192000"/>
+              <a:gd name="connsiteY26" fmla="*/ 521259 h 2802467"/>
+              <a:gd name="connsiteX27" fmla="*/ 7276005 w 12192000"/>
+              <a:gd name="connsiteY27" fmla="*/ 517405 h 2802467"/>
+              <a:gd name="connsiteX28" fmla="*/ 7539345 w 12192000"/>
+              <a:gd name="connsiteY28" fmla="*/ 508998 h 2802467"/>
+              <a:gd name="connsiteX29" fmla="*/ 7805124 w 12192000"/>
+              <a:gd name="connsiteY29" fmla="*/ 500240 h 2802467"/>
+              <a:gd name="connsiteX30" fmla="*/ 8070903 w 12192000"/>
+              <a:gd name="connsiteY30" fmla="*/ 490081 h 2802467"/>
+              <a:gd name="connsiteX31" fmla="*/ 8339121 w 12192000"/>
+              <a:gd name="connsiteY31" fmla="*/ 475719 h 2802467"/>
+              <a:gd name="connsiteX32" fmla="*/ 8609776 w 12192000"/>
+              <a:gd name="connsiteY32" fmla="*/ 458553 h 2802467"/>
+              <a:gd name="connsiteX33" fmla="*/ 8881651 w 12192000"/>
+              <a:gd name="connsiteY33" fmla="*/ 442089 h 2802467"/>
+              <a:gd name="connsiteX34" fmla="*/ 9153526 w 12192000"/>
+              <a:gd name="connsiteY34" fmla="*/ 421070 h 2802467"/>
+              <a:gd name="connsiteX35" fmla="*/ 9429058 w 12192000"/>
+              <a:gd name="connsiteY35" fmla="*/ 395848 h 2802467"/>
+              <a:gd name="connsiteX36" fmla="*/ 9700933 w 12192000"/>
+              <a:gd name="connsiteY36" fmla="*/ 370626 h 2802467"/>
+              <a:gd name="connsiteX37" fmla="*/ 9977684 w 12192000"/>
+              <a:gd name="connsiteY37" fmla="*/ 341550 h 2802467"/>
+              <a:gd name="connsiteX38" fmla="*/ 10255655 w 12192000"/>
+              <a:gd name="connsiteY38" fmla="*/ 309672 h 2802467"/>
+              <a:gd name="connsiteX39" fmla="*/ 10529968 w 12192000"/>
+              <a:gd name="connsiteY39" fmla="*/ 276043 h 2802467"/>
+              <a:gd name="connsiteX40" fmla="*/ 10807939 w 12192000"/>
+              <a:gd name="connsiteY40" fmla="*/ 236808 h 2802467"/>
+              <a:gd name="connsiteX41" fmla="*/ 11084690 w 12192000"/>
+              <a:gd name="connsiteY41" fmla="*/ 194771 h 2802467"/>
+              <a:gd name="connsiteX42" fmla="*/ 11362661 w 12192000"/>
+              <a:gd name="connsiteY42" fmla="*/ 153085 h 2802467"/>
+              <a:gd name="connsiteX43" fmla="*/ 11639412 w 12192000"/>
+              <a:gd name="connsiteY43" fmla="*/ 104392 h 2802467"/>
+              <a:gd name="connsiteX44" fmla="*/ 11914945 w 12192000"/>
+              <a:gd name="connsiteY44" fmla="*/ 54648 h 2802467"/>
+              <a:gd name="connsiteX45" fmla="*/ 12191696 w 12192000"/>
+              <a:gd name="connsiteY45" fmla="*/ 2452 h 2802467"/>
+              <a:gd name="connsiteX46" fmla="*/ 12191696 w 12192000"/>
+              <a:gd name="connsiteY46" fmla="*/ 2236410 h 2802467"/>
+              <a:gd name="connsiteX47" fmla="*/ 12192000 w 12192000"/>
+              <a:gd name="connsiteY47" fmla="*/ 2236410 h 2802467"/>
+              <a:gd name="connsiteX48" fmla="*/ 12192000 w 12192000"/>
+              <a:gd name="connsiteY48" fmla="*/ 2802467 h 2802467"/>
+              <a:gd name="connsiteX49" fmla="*/ 12191696 w 12192000"/>
+              <a:gd name="connsiteY49" fmla="*/ 2802467 h 2802467"/>
+              <a:gd name="connsiteX50" fmla="*/ 0 w 12192000"/>
+              <a:gd name="connsiteY50" fmla="*/ 2802467 h 2802467"/>
+              <a:gd name="connsiteX51" fmla="*/ 0 w 12192000"/>
+              <a:gd name="connsiteY51" fmla="*/ 2236410 h 2802467"/>
+              <a:gd name="connsiteX52" fmla="*/ 1 w 12192000"/>
+              <a:gd name="connsiteY52" fmla="*/ 2236410 h 2802467"/>
+            </a:gdLst>
+            <a:ahLst/>
+            <a:cxnLst>
+              <a:cxn ang="0">
+                <a:pos x="connsiteX0" y="connsiteY0"/>
+              </a:cxn>
+              <a:cxn ang="0">
+                <a:pos x="connsiteX1" y="connsiteY1"/>
+              </a:cxn>
+              <a:cxn ang="0">
+                <a:pos x="connsiteX2" y="connsiteY2"/>
+              </a:cxn>
+              <a:cxn ang="0">
+                <a:pos x="connsiteX3" y="connsiteY3"/>
+              </a:cxn>
+              <a:cxn ang="0">
+                <a:pos x="connsiteX4" y="connsiteY4"/>
+              </a:cxn>
+              <a:cxn ang="0">
+                <a:pos x="connsiteX5" y="connsiteY5"/>
+              </a:cxn>
+              <a:cxn ang="0">
+                <a:pos x="connsiteX6" y="connsiteY6"/>
+              </a:cxn>
+              <a:cxn ang="0">
+                <a:pos x="connsiteX7" y="connsiteY7"/>
+              </a:cxn>
+              <a:cxn ang="0">
+                <a:pos x="connsiteX8" y="connsiteY8"/>
+              </a:cxn>
+              <a:cxn ang="0">
+                <a:pos x="connsiteX9" y="connsiteY9"/>
+              </a:cxn>
+              <a:cxn ang="0">
+                <a:pos x="connsiteX10" y="connsiteY10"/>
+              </a:cxn>
+              <a:cxn ang="0">
+                <a:pos x="connsiteX11" y="connsiteY11"/>
+              </a:cxn>
+              <a:cxn ang="0">
+                <a:pos x="connsiteX12" y="connsiteY12"/>
+              </a:cxn>
+              <a:cxn ang="0">
+                <a:pos x="connsiteX13" y="connsiteY13"/>
+              </a:cxn>
+              <a:cxn ang="0">
+                <a:pos x="connsiteX14" y="connsiteY14"/>
+              </a:cxn>
+              <a:cxn ang="0">
+                <a:pos x="connsiteX15" y="connsiteY15"/>
+              </a:cxn>
+              <a:cxn ang="0">
+                <a:pos x="connsiteX16" y="connsiteY16"/>
+              </a:cxn>
+              <a:cxn ang="0">
+                <a:pos x="connsiteX17" y="connsiteY17"/>
+              </a:cxn>
+              <a:cxn ang="0">
+                <a:pos x="connsiteX18" y="connsiteY18"/>
+              </a:cxn>
+              <a:cxn ang="0">
+                <a:pos x="connsiteX19" y="connsiteY19"/>
+              </a:cxn>
+              <a:cxn ang="0">
+                <a:pos x="connsiteX20" y="connsiteY20"/>
+              </a:cxn>
+              <a:cxn ang="0">
+                <a:pos x="connsiteX21" y="connsiteY21"/>
+              </a:cxn>
+              <a:cxn ang="0">
+                <a:pos x="connsiteX22" y="connsiteY22"/>
+              </a:cxn>
+              <a:cxn ang="0">
+                <a:pos x="connsiteX23" y="connsiteY23"/>
+              </a:cxn>
+              <a:cxn ang="0">
+                <a:pos x="connsiteX24" y="connsiteY24"/>
+              </a:cxn>
+              <a:cxn ang="0">
+                <a:pos x="connsiteX25" y="connsiteY25"/>
+              </a:cxn>
+              <a:cxn ang="0">
+                <a:pos x="connsiteX26" y="connsiteY26"/>
+              </a:cxn>
+              <a:cxn ang="0">
+                <a:pos x="connsiteX27" y="connsiteY27"/>
+              </a:cxn>
+              <a:cxn ang="0">
+                <a:pos x="connsiteX28" y="connsiteY28"/>
+              </a:cxn>
+              <a:cxn ang="0">
+                <a:pos x="connsiteX29" y="connsiteY29"/>
+              </a:cxn>
+              <a:cxn ang="0">
+                <a:pos x="connsiteX30" y="connsiteY30"/>
+              </a:cxn>
+              <a:cxn ang="0">
+                <a:pos x="connsiteX31" y="connsiteY31"/>
+              </a:cxn>
+              <a:cxn ang="0">
+                <a:pos x="connsiteX32" y="connsiteY32"/>
+              </a:cxn>
+              <a:cxn ang="0">
+                <a:pos x="connsiteX33" y="connsiteY33"/>
+              </a:cxn>
+              <a:cxn ang="0">
+                <a:pos x="connsiteX34" y="connsiteY34"/>
+              </a:cxn>
+              <a:cxn ang="0">
+                <a:pos x="connsiteX35" y="connsiteY35"/>
+              </a:cxn>
+              <a:cxn ang="0">
+                <a:pos x="connsiteX36" y="connsiteY36"/>
+              </a:cxn>
+              <a:cxn ang="0">
+                <a:pos x="connsiteX37" y="connsiteY37"/>
+              </a:cxn>
+              <a:cxn ang="0">
+                <a:pos x="connsiteX38" y="connsiteY38"/>
+              </a:cxn>
+              <a:cxn ang="0">
+                <a:pos x="connsiteX39" y="connsiteY39"/>
+              </a:cxn>
+              <a:cxn ang="0">
+                <a:pos x="connsiteX40" y="connsiteY40"/>
+              </a:cxn>
+              <a:cxn ang="0">
+                <a:pos x="connsiteX41" y="connsiteY41"/>
+              </a:cxn>
+              <a:cxn ang="0">
+                <a:pos x="connsiteX42" y="connsiteY42"/>
+              </a:cxn>
+              <a:cxn ang="0">
+                <a:pos x="connsiteX43" y="connsiteY43"/>
+              </a:cxn>
+              <a:cxn ang="0">
+                <a:pos x="connsiteX44" y="connsiteY44"/>
+              </a:cxn>
+              <a:cxn ang="0">
+                <a:pos x="connsiteX45" y="connsiteY45"/>
+              </a:cxn>
+              <a:cxn ang="0">
+                <a:pos x="connsiteX46" y="connsiteY46"/>
+              </a:cxn>
+              <a:cxn ang="0">
+                <a:pos x="connsiteX47" y="connsiteY47"/>
+              </a:cxn>
+              <a:cxn ang="0">
+                <a:pos x="connsiteX48" y="connsiteY48"/>
+              </a:cxn>
+              <a:cxn ang="0">
+                <a:pos x="connsiteX49" y="connsiteY49"/>
+              </a:cxn>
+              <a:cxn ang="0">
+                <a:pos x="connsiteX50" y="connsiteY50"/>
+              </a:cxn>
+              <a:cxn ang="0">
+                <a:pos x="connsiteX51" y="connsiteY51"/>
+              </a:cxn>
+              <a:cxn ang="0">
+                <a:pos x="connsiteX52" y="connsiteY52"/>
+              </a:cxn>
+            </a:cxnLst>
+            <a:rect l="l" t="t" r="r" b="b"/>
+            <a:pathLst>
+              <a:path w="12192000" h="2802467">
+                <a:moveTo>
+                  <a:pt x="1" y="0"/>
+                </a:moveTo>
+                <a:lnTo>
+                  <a:pt x="71932" y="12261"/>
+                </a:lnTo>
+                <a:lnTo>
+                  <a:pt x="282848" y="48342"/>
+                </a:lnTo>
+                <a:lnTo>
+                  <a:pt x="436464" y="73565"/>
+                </a:lnTo>
+                <a:lnTo>
+                  <a:pt x="619339" y="100188"/>
+                </a:lnTo>
+                <a:lnTo>
+                  <a:pt x="836351" y="132066"/>
+                </a:lnTo>
+                <a:lnTo>
+                  <a:pt x="1076528" y="165696"/>
+                </a:lnTo>
+                <a:lnTo>
+                  <a:pt x="1347183" y="201077"/>
+                </a:lnTo>
+                <a:lnTo>
+                  <a:pt x="1642223" y="238560"/>
+                </a:lnTo>
+                <a:lnTo>
+                  <a:pt x="1962864" y="276043"/>
+                </a:lnTo>
+                <a:lnTo>
+                  <a:pt x="2304232" y="314226"/>
+                </a:lnTo>
+                <a:lnTo>
+                  <a:pt x="2672421" y="349608"/>
+                </a:lnTo>
+                <a:lnTo>
+                  <a:pt x="3057678" y="383587"/>
+                </a:lnTo>
+                <a:lnTo>
+                  <a:pt x="3464881" y="414415"/>
+                </a:lnTo>
+                <a:lnTo>
+                  <a:pt x="3889152" y="443840"/>
+                </a:lnTo>
+                <a:lnTo>
+                  <a:pt x="4331710" y="471515"/>
+                </a:lnTo>
+                <a:lnTo>
+                  <a:pt x="4558476" y="481323"/>
+                </a:lnTo>
+                <a:lnTo>
+                  <a:pt x="4790118" y="492183"/>
+                </a:lnTo>
+                <a:lnTo>
+                  <a:pt x="5025418" y="502342"/>
+                </a:lnTo>
+                <a:lnTo>
+                  <a:pt x="5261937" y="508998"/>
+                </a:lnTo>
+                <a:lnTo>
+                  <a:pt x="5503332" y="514953"/>
+                </a:lnTo>
+                <a:lnTo>
+                  <a:pt x="5747166" y="521259"/>
+                </a:lnTo>
+                <a:lnTo>
+                  <a:pt x="5995877" y="525462"/>
+                </a:lnTo>
+                <a:lnTo>
+                  <a:pt x="6247026" y="525462"/>
+                </a:lnTo>
+                <a:lnTo>
+                  <a:pt x="6500613" y="527564"/>
+                </a:lnTo>
+                <a:lnTo>
+                  <a:pt x="6756639" y="525462"/>
+                </a:lnTo>
+                <a:lnTo>
+                  <a:pt x="7016322" y="521259"/>
+                </a:lnTo>
+                <a:lnTo>
+                  <a:pt x="7276005" y="517405"/>
+                </a:lnTo>
+                <a:lnTo>
+                  <a:pt x="7539345" y="508998"/>
+                </a:lnTo>
+                <a:lnTo>
+                  <a:pt x="7805124" y="500240"/>
+                </a:lnTo>
+                <a:lnTo>
+                  <a:pt x="8070903" y="490081"/>
+                </a:lnTo>
+                <a:lnTo>
+                  <a:pt x="8339121" y="475719"/>
+                </a:lnTo>
+                <a:lnTo>
+                  <a:pt x="8609776" y="458553"/>
+                </a:lnTo>
+                <a:lnTo>
+                  <a:pt x="8881651" y="442089"/>
+                </a:lnTo>
+                <a:lnTo>
+                  <a:pt x="9153526" y="421070"/>
+                </a:lnTo>
+                <a:lnTo>
+                  <a:pt x="9429058" y="395848"/>
+                </a:lnTo>
+                <a:lnTo>
+                  <a:pt x="9700933" y="370626"/>
+                </a:lnTo>
+                <a:lnTo>
+                  <a:pt x="9977684" y="341550"/>
+                </a:lnTo>
+                <a:lnTo>
+                  <a:pt x="10255655" y="309672"/>
+                </a:lnTo>
+                <a:lnTo>
+                  <a:pt x="10529968" y="276043"/>
+                </a:lnTo>
+                <a:lnTo>
+                  <a:pt x="10807939" y="236808"/>
+                </a:lnTo>
+                <a:lnTo>
+                  <a:pt x="11084690" y="194771"/>
+                </a:lnTo>
+                <a:lnTo>
+                  <a:pt x="11362661" y="153085"/>
+                </a:lnTo>
+                <a:lnTo>
+                  <a:pt x="11639412" y="104392"/>
+                </a:lnTo>
+                <a:lnTo>
+                  <a:pt x="11914945" y="54648"/>
+                </a:lnTo>
+                <a:lnTo>
+                  <a:pt x="12191696" y="2452"/>
+                </a:lnTo>
+                <a:lnTo>
+                  <a:pt x="12191696" y="2236410"/>
+                </a:lnTo>
+                <a:lnTo>
+                  <a:pt x="12192000" y="2236410"/>
+                </a:lnTo>
+                <a:lnTo>
+                  <a:pt x="12192000" y="2802467"/>
+                </a:lnTo>
+                <a:lnTo>
+                  <a:pt x="12191696" y="2802467"/>
+                </a:lnTo>
+                <a:lnTo>
+                  <a:pt x="0" y="2802467"/>
+                </a:lnTo>
+                <a:lnTo>
+                  <a:pt x="0" y="2236410"/>
+                </a:lnTo>
+                <a:lnTo>
+                  <a:pt x="1" y="2236410"/>
+                </a:lnTo>
+                <a:close/>
+              </a:path>
+            </a:pathLst>
+          </a:custGeom>
+          <a:solidFill>
+            <a:schemeClr val="tx2"/>
+          </a:solidFill>
+          <a:ln>
+            <a:noFill/>
+          </a:ln>
+        </p:spPr>
+        <p:style>
+          <a:lnRef idx="2">
+            <a:schemeClr val="accent1">
+              <a:shade val="50000"/>
+            </a:schemeClr>
+          </a:lnRef>
+          <a:fillRef idx="1003">
+            <a:schemeClr val="dk2"/>
+          </a:fillRef>
+          <a:effectRef idx="0">
+            <a:schemeClr val="accent1"/>
+          </a:effectRef>
+          <a:fontRef idx="minor">
+            <a:schemeClr val="lt1"/>
+          </a:fontRef>
+        </p:style>
+        <p:txBody>
+          <a:bodyPr rtlCol="0" anchor="ctr"/>
+          <a:lstStyle/>
+          <a:p>
+            <a:pPr algn="ctr"/>
+            <a:endParaRPr lang="en-US"/>
+          </a:p>
+        </p:txBody>
+      </p:sp>
+      <p:sp>
+        <p:nvSpPr>
+          <p:cNvPr id="2" name="Title 1">
+            <a:extLst>
+              <a:ext uri="{FF2B5EF4-FFF2-40B4-BE49-F238E27FC236}">
+                <a16:creationId xmlns:a16="http://schemas.microsoft.com/office/drawing/2014/main" id="{2FE53288-5CA9-95EE-7274-12AEC5684BB7}"/>
+              </a:ext>
+            </a:extLst>
+          </p:cNvPr>
+          <p:cNvSpPr>
+            <a:spLocks noGrp="1"/>
+          </p:cNvSpPr>
+          <p:nvPr>
+            <p:ph type="title"/>
+          </p:nvPr>
+        </p:nvSpPr>
+        <p:spPr>
+          <a:xfrm>
+            <a:off x="965505" y="623571"/>
+            <a:ext cx="10260990" cy="3523885"/>
+          </a:xfrm>
+        </p:spPr>
+        <p:txBody>
+          <a:bodyPr vert="horz" lIns="91440" tIns="45720" rIns="91440" bIns="45720" rtlCol="0" anchor="b">
+            <a:normAutofit/>
+          </a:bodyPr>
+          <a:lstStyle/>
+          <a:p>
+            <a:pPr algn="ctr"/>
+            <a:r>
+              <a:rPr lang="en-US" sz="8000" b="0" i="0" kern="1200">
+                <a:solidFill>
+                  <a:schemeClr val="tx2"/>
+                </a:solidFill>
+                <a:latin typeface="+mj-lt"/>
+                <a:ea typeface="+mj-ea"/>
+                <a:cs typeface="+mj-cs"/>
+              </a:rPr>
+              <a:t>MINIMUM DELIVERABLES</a:t>
+            </a:r>
+          </a:p>
+        </p:txBody>
+      </p:sp>
+      <p:sp>
+        <p:nvSpPr>
+          <p:cNvPr id="3" name="Text Placeholder 2">
+            <a:extLst>
+              <a:ext uri="{FF2B5EF4-FFF2-40B4-BE49-F238E27FC236}">
+                <a16:creationId xmlns:a16="http://schemas.microsoft.com/office/drawing/2014/main" id="{D59EEC56-1ACB-2A6D-1171-158522850F9E}"/>
+              </a:ext>
+            </a:extLst>
+          </p:cNvPr>
+          <p:cNvSpPr>
+            <a:spLocks noGrp="1"/>
+          </p:cNvSpPr>
+          <p:nvPr>
+            <p:ph type="body" idx="1"/>
+          </p:nvPr>
+        </p:nvSpPr>
+        <p:spPr>
+          <a:xfrm>
+            <a:off x="965505" y="4777380"/>
+            <a:ext cx="10260990" cy="1209763"/>
+          </a:xfrm>
+        </p:spPr>
+        <p:txBody>
+          <a:bodyPr vert="horz" lIns="91440" tIns="45720" rIns="91440" bIns="45720" rtlCol="0" anchor="t">
+            <a:normAutofit/>
+          </a:bodyPr>
+          <a:lstStyle/>
+          <a:p>
+            <a:pPr algn="ctr"/>
+            <a:r>
+              <a:rPr lang="en-US" sz="2200" b="0" i="0" kern="1200" cap="none" dirty="0">
+                <a:solidFill>
+                  <a:schemeClr val="bg2"/>
+                </a:solidFill>
+                <a:latin typeface="+mj-lt"/>
+                <a:ea typeface="+mj-ea"/>
+                <a:cs typeface="+mj-cs"/>
+              </a:rPr>
+              <a:t>Design and build an electric bike that uses motors to move, has a digital speedometer, includes a braking system (electric or mechanical), and doesn’t crumble when it undergoes stress.</a:t>
+            </a:r>
+          </a:p>
+        </p:txBody>
+      </p:sp>
+    </p:spTree>
+    <p:extLst>
+      <p:ext uri="{BB962C8B-B14F-4D97-AF65-F5344CB8AC3E}">
+        <p14:creationId xmlns:p14="http://schemas.microsoft.com/office/powerpoint/2010/main" val="729052760"/>
+      </p:ext>
+    </p:extLst>
+  </p:cSld>
+  <p:clrMapOvr>
+    <a:masterClrMapping/>
+  </p:clrMapOvr>
+</p:sld>
+</file>
+
+<file path=ppt/slides/slide4.xml><?xml version="1.0" encoding="utf-8"?>
+<p:sld xmlns:a="http://schemas.openxmlformats.org/drawingml/2006/main" xmlns:r="http://schemas.openxmlformats.org/officeDocument/2006/relationships" xmlns:p="http://schemas.openxmlformats.org/presentationml/2006/main">
+  <p:cSld>
+    <p:bg>
+      <p:bgPr>
+        <a:blipFill rotWithShape="1">
+          <a:blip r:embed="rId2">
+            <a:duotone>
+              <a:schemeClr val="bg2">
+                <a:shade val="69000"/>
+                <a:hueMod val="108000"/>
+                <a:satMod val="164000"/>
+                <a:lumMod val="74000"/>
+              </a:schemeClr>
+              <a:schemeClr val="bg2">
+                <a:tint val="96000"/>
+                <a:hueMod val="88000"/>
+                <a:satMod val="140000"/>
+                <a:lumMod val="132000"/>
+              </a:schemeClr>
+            </a:duotone>
+          </a:blip>
+          <a:stretch/>
+        </a:blipFill>
+        <a:effectLst/>
+      </p:bgPr>
+    </p:bg>
+    <p:spTree>
+      <p:nvGrpSpPr>
+        <p:cNvPr id="1" name=""/>
+        <p:cNvGrpSpPr/>
+        <p:nvPr/>
+      </p:nvGrpSpPr>
+      <p:grpSpPr>
+        <a:xfrm>
+          <a:off x="0" y="0"/>
+          <a:ext cx="0" cy="0"/>
+          <a:chOff x="0" y="0"/>
+          <a:chExt cx="0" cy="0"/>
+        </a:xfrm>
+      </p:grpSpPr>
+      <p:pic>
+        <p:nvPicPr>
+          <p:cNvPr id="31" name="Picture 30">
+            <a:extLst>
+              <a:ext uri="{FF2B5EF4-FFF2-40B4-BE49-F238E27FC236}">
+                <a16:creationId xmlns:a16="http://schemas.microsoft.com/office/drawing/2014/main" id="{91B28F63-CF00-448F-B141-FE33C33B1891}"/>
+              </a:ext>
+              <a:ext uri="{C183D7F6-B498-43B3-948B-1728B52AA6E4}">
+                <adec:decorative xmlns:adec="http://schemas.microsoft.com/office/drawing/2017/decorative" val="1"/>
+              </a:ext>
+            </a:extLst>
+          </p:cNvPr>
+          <p:cNvPicPr>
+            <a:picLocks noGrp="1" noRot="1" noChangeAspect="1" noMove="1" noResize="1" noEditPoints="1" noAdjustHandles="1" noChangeArrowheads="1" noChangeShapeType="1" noCrop="1"/>
+          </p:cNvPicPr>
+          <p:nvPr>
+            <p:extLst>
+              <p:ext uri="{386F3935-93C4-4BCD-93E2-E3B085C9AB24}">
+                <p16:designElem xmlns:p16="http://schemas.microsoft.com/office/powerpoint/2015/main" val="1"/>
+              </p:ext>
+            </p:extLst>
+          </p:nvPr>
+        </p:nvPicPr>
+        <p:blipFill rotWithShape="1">
+          <a:blip r:embed="rId3">
+            <a:extLst>
+              <a:ext uri="{28A0092B-C50C-407E-A947-70E740481C1C}">
+                <a14:useLocalDpi xmlns:a14="http://schemas.microsoft.com/office/drawing/2010/main" val="0"/>
+              </a:ext>
+            </a:extLst>
+          </a:blip>
+          <a:srcRect l="3613"/>
+          <a:stretch/>
+        </p:blipFill>
+        <p:spPr>
+          <a:xfrm>
+            <a:off x="0" y="2669685"/>
+            <a:ext cx="4037012" cy="4188315"/>
+          </a:xfrm>
+          <a:prstGeom prst="rect">
+            <a:avLst/>
+          </a:prstGeom>
+        </p:spPr>
+      </p:pic>
+      <p:pic>
+        <p:nvPicPr>
+          <p:cNvPr id="33" name="Picture 32">
+            <a:extLst>
+              <a:ext uri="{FF2B5EF4-FFF2-40B4-BE49-F238E27FC236}">
+                <a16:creationId xmlns:a16="http://schemas.microsoft.com/office/drawing/2014/main" id="{2AE609E2-8522-44E4-9077-980E5BCF3E14}"/>
+              </a:ext>
+              <a:ext uri="{C183D7F6-B498-43B3-948B-1728B52AA6E4}">
+                <adec:decorative xmlns:adec="http://schemas.microsoft.com/office/drawing/2017/decorative" val="1"/>
+              </a:ext>
+            </a:extLst>
+          </p:cNvPr>
+          <p:cNvPicPr>
+            <a:picLocks noGrp="1" noRot="1" noChangeAspect="1" noMove="1" noResize="1" noEditPoints="1" noAdjustHandles="1" noChangeArrowheads="1" noChangeShapeType="1" noCrop="1"/>
+          </p:cNvPicPr>
+          <p:nvPr>
+            <p:extLst>
+              <p:ext uri="{386F3935-93C4-4BCD-93E2-E3B085C9AB24}">
+                <p16:designElem xmlns:p16="http://schemas.microsoft.com/office/powerpoint/2015/main" val="1"/>
+              </p:ext>
+            </p:extLst>
+          </p:nvPr>
+        </p:nvPicPr>
+        <p:blipFill rotWithShape="1">
+          <a:blip r:embed="rId4">
+            <a:extLst>
+              <a:ext uri="{28A0092B-C50C-407E-A947-70E740481C1C}">
+                <a14:useLocalDpi xmlns:a14="http://schemas.microsoft.com/office/drawing/2010/main" val="0"/>
+              </a:ext>
+            </a:extLst>
+          </a:blip>
+          <a:srcRect l="35640"/>
+          <a:stretch/>
+        </p:blipFill>
+        <p:spPr>
+          <a:xfrm>
+            <a:off x="0" y="2892347"/>
+            <a:ext cx="1522412" cy="2365453"/>
+          </a:xfrm>
+          <a:prstGeom prst="rect">
+            <a:avLst/>
+          </a:prstGeom>
+        </p:spPr>
+      </p:pic>
+      <p:sp>
+        <p:nvSpPr>
+          <p:cNvPr id="35" name="Oval 34">
+            <a:extLst>
+              <a:ext uri="{FF2B5EF4-FFF2-40B4-BE49-F238E27FC236}">
+                <a16:creationId xmlns:a16="http://schemas.microsoft.com/office/drawing/2014/main" id="{4FA533C5-33E3-4611-AF9F-72811D8B26A6}"/>
+              </a:ext>
+              <a:ext uri="{C183D7F6-B498-43B3-948B-1728B52AA6E4}">
+                <adec:decorative xmlns:adec="http://schemas.microsoft.com/office/drawing/2017/decorative" val="1"/>
+              </a:ext>
+            </a:extLst>
+          </p:cNvPr>
+          <p:cNvSpPr>
+            <a:spLocks noGrp="1" noRot="1" noChangeAspect="1" noMove="1" noResize="1" noEditPoints="1" noAdjustHandles="1" noChangeArrowheads="1" noChangeShapeType="1" noTextEdit="1"/>
+          </p:cNvSpPr>
+          <p:nvPr>
+            <p:extLst>
+              <p:ext uri="{386F3935-93C4-4BCD-93E2-E3B085C9AB24}">
+                <p16:designElem xmlns:p16="http://schemas.microsoft.com/office/powerpoint/2015/main" val="1"/>
+              </p:ext>
+            </p:extLst>
+          </p:nvPr>
+        </p:nvSpPr>
+        <p:spPr>
+          <a:xfrm>
+            <a:off x="8609012" y="1676400"/>
+            <a:ext cx="2819400" cy="2819400"/>
+          </a:xfrm>
+          <a:prstGeom prst="ellipse">
+            <a:avLst/>
+          </a:prstGeom>
+          <a:gradFill flip="none" rotWithShape="1">
+            <a:gsLst>
+              <a:gs pos="0">
+                <a:schemeClr val="bg2">
+                  <a:lumMod val="60000"/>
+                  <a:lumOff val="40000"/>
+                  <a:alpha val="7000"/>
+                </a:schemeClr>
+              </a:gs>
+              <a:gs pos="69000">
+                <a:schemeClr val="bg2">
+                  <a:lumMod val="60000"/>
+                  <a:lumOff val="40000"/>
+                  <a:alpha val="0"/>
+                </a:schemeClr>
+              </a:gs>
+              <a:gs pos="36000">
+                <a:schemeClr val="bg2">
+                  <a:lumMod val="60000"/>
+                  <a:lumOff val="40000"/>
+                  <a:alpha val="6000"/>
+                </a:schemeClr>
+              </a:gs>
+            </a:gsLst>
+            <a:path path="circle">
+              <a:fillToRect l="50000" t="50000" r="50000" b="50000"/>
+            </a:path>
+            <a:tileRect/>
+          </a:gradFill>
+          <a:ln>
+            <a:noFill/>
+          </a:ln>
+          <a:effectLst/>
+        </p:spPr>
+        <p:style>
+          <a:lnRef idx="1">
+            <a:schemeClr val="accent1"/>
+          </a:lnRef>
+          <a:fillRef idx="3">
+            <a:schemeClr val="accent1"/>
+          </a:fillRef>
+          <a:effectRef idx="2">
+            <a:schemeClr val="accent1"/>
+          </a:effectRef>
+          <a:fontRef idx="minor">
+            <a:schemeClr val="lt1"/>
+          </a:fontRef>
+        </p:style>
+        <p:txBody>
+          <a:bodyPr/>
+          <a:lstStyle/>
+          <a:p>
+            <a:endParaRPr lang="en-US"/>
+          </a:p>
+        </p:txBody>
+      </p:sp>
+      <p:pic>
+        <p:nvPicPr>
+          <p:cNvPr id="37" name="Picture 36">
+            <a:extLst>
+              <a:ext uri="{FF2B5EF4-FFF2-40B4-BE49-F238E27FC236}">
+                <a16:creationId xmlns:a16="http://schemas.microsoft.com/office/drawing/2014/main" id="{8949AD42-25FD-4C3D-9EEE-B7FEC5809988}"/>
+              </a:ext>
+              <a:ext uri="{C183D7F6-B498-43B3-948B-1728B52AA6E4}">
+                <adec:decorative xmlns:adec="http://schemas.microsoft.com/office/drawing/2017/decorative" val="1"/>
+              </a:ext>
+            </a:extLst>
+          </p:cNvPr>
+          <p:cNvPicPr>
+            <a:picLocks noGrp="1" noRot="1" noChangeAspect="1" noMove="1" noResize="1" noEditPoints="1" noAdjustHandles="1" noChangeArrowheads="1" noChangeShapeType="1" noCrop="1"/>
+          </p:cNvPicPr>
+          <p:nvPr>
+            <p:extLst>
+              <p:ext uri="{386F3935-93C4-4BCD-93E2-E3B085C9AB24}">
+                <p16:designElem xmlns:p16="http://schemas.microsoft.com/office/powerpoint/2015/main" val="1"/>
+              </p:ext>
+            </p:extLst>
+          </p:nvPr>
+        </p:nvPicPr>
+        <p:blipFill rotWithShape="1">
+          <a:blip r:embed="rId5">
+            <a:extLst>
+              <a:ext uri="{28A0092B-C50C-407E-A947-70E740481C1C}">
+                <a14:useLocalDpi xmlns:a14="http://schemas.microsoft.com/office/drawing/2010/main" val="0"/>
+              </a:ext>
+            </a:extLst>
+          </a:blip>
+          <a:srcRect t="28813"/>
+          <a:stretch/>
+        </p:blipFill>
+        <p:spPr>
+          <a:xfrm>
+            <a:off x="7999412" y="0"/>
+            <a:ext cx="1603387" cy="1141407"/>
+          </a:xfrm>
+          <a:prstGeom prst="rect">
+            <a:avLst/>
+          </a:prstGeom>
+        </p:spPr>
+      </p:pic>
+      <p:pic>
+        <p:nvPicPr>
+          <p:cNvPr id="39" name="Picture 38">
+            <a:extLst>
+              <a:ext uri="{FF2B5EF4-FFF2-40B4-BE49-F238E27FC236}">
+                <a16:creationId xmlns:a16="http://schemas.microsoft.com/office/drawing/2014/main" id="{6AC7D913-60B7-4603-881B-831DA5D3A940}"/>
+              </a:ext>
+              <a:ext uri="{C183D7F6-B498-43B3-948B-1728B52AA6E4}">
+                <adec:decorative xmlns:adec="http://schemas.microsoft.com/office/drawing/2017/decorative" val="1"/>
+              </a:ext>
+            </a:extLst>
+          </p:cNvPr>
+          <p:cNvPicPr>
+            <a:picLocks noGrp="1" noRot="1" noChangeAspect="1" noMove="1" noResize="1" noEditPoints="1" noAdjustHandles="1" noChangeArrowheads="1" noChangeShapeType="1" noCrop="1"/>
+          </p:cNvPicPr>
+          <p:nvPr>
+            <p:extLst>
+              <p:ext uri="{386F3935-93C4-4BCD-93E2-E3B085C9AB24}">
+                <p16:designElem xmlns:p16="http://schemas.microsoft.com/office/powerpoint/2015/main" val="1"/>
+              </p:ext>
+            </p:extLst>
+          </p:nvPr>
+        </p:nvPicPr>
+        <p:blipFill rotWithShape="1">
+          <a:blip r:embed="rId6">
+            <a:extLst>
+              <a:ext uri="{28A0092B-C50C-407E-A947-70E740481C1C}">
+                <a14:useLocalDpi xmlns:a14="http://schemas.microsoft.com/office/drawing/2010/main" val="0"/>
+              </a:ext>
+            </a:extLst>
+          </a:blip>
+          <a:srcRect b="23320"/>
+          <a:stretch/>
+        </p:blipFill>
+        <p:spPr>
+          <a:xfrm>
+            <a:off x="8605878" y="6096000"/>
+            <a:ext cx="993734" cy="762000"/>
+          </a:xfrm>
+          <a:prstGeom prst="rect">
+            <a:avLst/>
+          </a:prstGeom>
+        </p:spPr>
+      </p:pic>
+      <p:sp>
+        <p:nvSpPr>
+          <p:cNvPr id="41" name="Rectangle 40">
+            <a:extLst>
+              <a:ext uri="{FF2B5EF4-FFF2-40B4-BE49-F238E27FC236}">
+                <a16:creationId xmlns:a16="http://schemas.microsoft.com/office/drawing/2014/main" id="{87F0FDC4-AD8C-47D9-9131-623C98ADB0AE}"/>
+              </a:ext>
+              <a:ext uri="{C183D7F6-B498-43B3-948B-1728B52AA6E4}">
+                <adec:decorative xmlns:adec="http://schemas.microsoft.com/office/drawing/2017/decorative" val="1"/>
+              </a:ext>
+            </a:extLst>
+          </p:cNvPr>
+          <p:cNvSpPr>
+            <a:spLocks noGrp="1" noRot="1" noChangeAspect="1" noMove="1" noResize="1" noEditPoints="1" noAdjustHandles="1" noChangeArrowheads="1" noChangeShapeType="1" noTextEdit="1"/>
+          </p:cNvSpPr>
+          <p:nvPr>
+            <p:extLst>
+              <p:ext uri="{386F3935-93C4-4BCD-93E2-E3B085C9AB24}">
+                <p16:designElem xmlns:p16="http://schemas.microsoft.com/office/powerpoint/2015/main" val="1"/>
+              </p:ext>
+            </p:extLst>
+          </p:nvPr>
+        </p:nvSpPr>
+        <p:spPr>
+          <a:xfrm>
+            <a:off x="10437812" y="0"/>
+            <a:ext cx="685800" cy="1143000"/>
+          </a:xfrm>
+          <a:prstGeom prst="rect">
+            <a:avLst/>
+          </a:prstGeom>
+          <a:solidFill>
+            <a:schemeClr val="accent1"/>
+          </a:solidFill>
+          <a:ln>
+            <a:noFill/>
+          </a:ln>
+        </p:spPr>
+        <p:style>
+          <a:lnRef idx="1">
+            <a:schemeClr val="accent1"/>
+          </a:lnRef>
+          <a:fillRef idx="3">
+            <a:schemeClr val="accent1"/>
+          </a:fillRef>
+          <a:effectRef idx="2">
+            <a:schemeClr val="accent1"/>
+          </a:effectRef>
+          <a:fontRef idx="minor">
+            <a:schemeClr val="lt1"/>
+          </a:fontRef>
+        </p:style>
+        <p:txBody>
+          <a:bodyPr/>
+          <a:lstStyle/>
+          <a:p>
+            <a:endParaRPr lang="en-US"/>
+          </a:p>
+        </p:txBody>
+      </p:sp>
+      <p:sp>
+        <p:nvSpPr>
+          <p:cNvPr id="43" name="Rectangle 42">
             <a:extLst>
               <a:ext uri="{FF2B5EF4-FFF2-40B4-BE49-F238E27FC236}">
                 <a16:creationId xmlns:a16="http://schemas.microsoft.com/office/drawing/2014/main" id="{E34FA10D-5116-47B4-A70E-776435251326}"/>
@@ -8068,7 +12089,7 @@
       </p:sp>
       <p:sp>
         <p:nvSpPr>
-          <p:cNvPr id="22" name="Freeform 36">
+          <p:cNvPr id="45" name="Freeform 36">
             <a:extLst>
               <a:ext uri="{FF2B5EF4-FFF2-40B4-BE49-F238E27FC236}">
                 <a16:creationId xmlns:a16="http://schemas.microsoft.com/office/drawing/2014/main" id="{B2718AAE-52B9-4DD9-9D83-A9C975C9DC2D}"/>
@@ -8420,7 +12441,7 @@
       </p:sp>
       <p:sp useBgFill="1">
         <p:nvSpPr>
-          <p:cNvPr id="24" name="Freeform: Shape 23">
+          <p:cNvPr id="47" name="Freeform: Shape 46">
             <a:extLst>
               <a:ext uri="{FF2B5EF4-FFF2-40B4-BE49-F238E27FC236}">
                 <a16:creationId xmlns:a16="http://schemas.microsoft.com/office/drawing/2014/main" id="{49FF39B1-9689-44AE-A803-7B90A059DC56}"/>
@@ -8923,7 +12944,7 @@
       </p:sp>
       <p:sp>
         <p:nvSpPr>
-          <p:cNvPr id="26" name="Rectangle 25">
+          <p:cNvPr id="49" name="Rectangle 48">
             <a:extLst>
               <a:ext uri="{FF2B5EF4-FFF2-40B4-BE49-F238E27FC236}">
                 <a16:creationId xmlns:a16="http://schemas.microsoft.com/office/drawing/2014/main" id="{6C74A888-48BE-4604-BB14-E6C5E9D0F2FB}"/>
@@ -8983,10 +13004,10 @@
       </p:sp>
       <p:sp>
         <p:nvSpPr>
-          <p:cNvPr id="2" name="Title 1">
+          <p:cNvPr id="4" name="Title 3">
             <a:extLst>
               <a:ext uri="{FF2B5EF4-FFF2-40B4-BE49-F238E27FC236}">
-                <a16:creationId xmlns:a16="http://schemas.microsoft.com/office/drawing/2014/main" id="{92E47E63-3FE9-F0E1-95C1-E075EC14C76C}"/>
+                <a16:creationId xmlns:a16="http://schemas.microsoft.com/office/drawing/2014/main" id="{9B155C9A-D322-BE84-0D73-B6EB91F21510}"/>
               </a:ext>
             </a:extLst>
           </p:cNvPr>
@@ -9019,17 +13040,17 @@
                 <a:ea typeface="+mj-ea"/>
                 <a:cs typeface="+mj-cs"/>
               </a:rPr>
-              <a:t>USAGE</a:t>
+              <a:t>SPECS</a:t>
             </a:r>
           </a:p>
         </p:txBody>
       </p:sp>
       <p:sp>
         <p:nvSpPr>
-          <p:cNvPr id="3" name="Text Placeholder 2">
+          <p:cNvPr id="5" name="Text Placeholder 4">
             <a:extLst>
               <a:ext uri="{FF2B5EF4-FFF2-40B4-BE49-F238E27FC236}">
-                <a16:creationId xmlns:a16="http://schemas.microsoft.com/office/drawing/2014/main" id="{38FCFA81-73D7-BDBF-D00E-86061137D782}"/>
+                <a16:creationId xmlns:a16="http://schemas.microsoft.com/office/drawing/2014/main" id="{60476C49-E7C9-ADAE-4DC4-73EFC959AEDE}"/>
               </a:ext>
             </a:extLst>
           </p:cNvPr>
@@ -9061,7 +13082,20 @@
                 <a:ea typeface="+mj-ea"/>
                 <a:cs typeface="+mj-cs"/>
               </a:rPr>
-              <a:t>Intended to be used for traversing streets, gravel roads (not at top speed), and other well-defined terrain.</a:t>
+              <a:t>Top speed: 60mph</a:t>
+            </a:r>
+          </a:p>
+          <a:p>
+            <a:r>
+              <a:rPr lang="en-US" b="0" i="0" kern="1200" cap="all">
+                <a:solidFill>
+                  <a:schemeClr val="bg2"/>
+                </a:solidFill>
+                <a:latin typeface="+mj-lt"/>
+                <a:ea typeface="+mj-ea"/>
+                <a:cs typeface="+mj-cs"/>
+              </a:rPr>
+              <a:t>Max weight: 350lbs</a:t>
             </a:r>
           </a:p>
         </p:txBody>
@@ -9069,7 +13103,7 @@
     </p:spTree>
     <p:extLst>
       <p:ext uri="{BB962C8B-B14F-4D97-AF65-F5344CB8AC3E}">
-        <p14:creationId xmlns:p14="http://schemas.microsoft.com/office/powerpoint/2010/main" val="1832491769"/>
+        <p14:creationId xmlns:p14="http://schemas.microsoft.com/office/powerpoint/2010/main" val="3029127066"/>
       </p:ext>
     </p:extLst>
   </p:cSld>
@@ -9079,33 +13113,9 @@
 </p:sld>
 </file>
 
-<file path=ppt/slides/slide4.xml><?xml version="1.0" encoding="utf-8"?>
+<file path=ppt/slides/slide5.xml><?xml version="1.0" encoding="utf-8"?>
 <p:sld xmlns:a="http://schemas.openxmlformats.org/drawingml/2006/main" xmlns:r="http://schemas.openxmlformats.org/officeDocument/2006/relationships" xmlns:p="http://schemas.openxmlformats.org/presentationml/2006/main">
   <p:cSld>
-    <p:bg>
-      <p:bgPr>
-        <a:blipFill rotWithShape="1">
-          <a:blip r:embed="rId2">
-            <a:duotone>
-              <a:schemeClr val="bg2">
-                <a:shade val="69000"/>
-                <a:hueMod val="108000"/>
-                <a:satMod val="164000"/>
-                <a:lumMod val="74000"/>
-              </a:schemeClr>
-              <a:schemeClr val="bg2">
-                <a:tint val="96000"/>
-                <a:hueMod val="88000"/>
-                <a:satMod val="140000"/>
-                <a:lumMod val="132000"/>
-              </a:schemeClr>
-            </a:duotone>
-          </a:blip>
-          <a:stretch/>
-        </a:blipFill>
-        <a:effectLst/>
-      </p:bgPr>
-    </p:bg>
     <p:spTree>
       <p:nvGrpSpPr>
         <p:cNvPr id="1" name=""/>
@@ -9120,1257 +13130,476 @@
           <a:chExt cx="0" cy="0"/>
         </a:xfrm>
       </p:grpSpPr>
-      <p:pic>
-        <p:nvPicPr>
-          <p:cNvPr id="8" name="Picture 7">
+      <p:sp>
+        <p:nvSpPr>
+          <p:cNvPr id="2" name="Title 1">
             <a:extLst>
               <a:ext uri="{FF2B5EF4-FFF2-40B4-BE49-F238E27FC236}">
-                <a16:creationId xmlns:a16="http://schemas.microsoft.com/office/drawing/2014/main" id="{91B28F63-CF00-448F-B141-FE33C33B1891}"/>
-              </a:ext>
-              <a:ext uri="{C183D7F6-B498-43B3-948B-1728B52AA6E4}">
-                <adec:decorative xmlns:adec="http://schemas.microsoft.com/office/drawing/2017/decorative" val="1"/>
+                <a16:creationId xmlns:a16="http://schemas.microsoft.com/office/drawing/2014/main" id="{1FF0C984-2495-393A-3C9D-226986B4AF80}"/>
               </a:ext>
             </a:extLst>
           </p:cNvPr>
-          <p:cNvPicPr>
-            <a:picLocks noGrp="1" noRot="1" noChangeAspect="1" noMove="1" noResize="1" noEditPoints="1" noAdjustHandles="1" noChangeArrowheads="1" noChangeShapeType="1" noCrop="1"/>
-          </p:cNvPicPr>
-          <p:nvPr>
-            <p:extLst>
-              <p:ext uri="{386F3935-93C4-4BCD-93E2-E3B085C9AB24}">
-                <p16:designElem xmlns:p16="http://schemas.microsoft.com/office/powerpoint/2015/main" val="1"/>
-              </p:ext>
-            </p:extLst>
-          </p:nvPr>
-        </p:nvPicPr>
-        <p:blipFill rotWithShape="1">
-          <a:blip r:embed="rId3">
-            <a:extLst>
-              <a:ext uri="{28A0092B-C50C-407E-A947-70E740481C1C}">
-                <a14:useLocalDpi xmlns:a14="http://schemas.microsoft.com/office/drawing/2010/main" val="0"/>
-              </a:ext>
-            </a:extLst>
-          </a:blip>
-          <a:srcRect l="3613"/>
-          <a:stretch/>
-        </p:blipFill>
-        <p:spPr>
-          <a:xfrm>
-            <a:off x="0" y="2669685"/>
-            <a:ext cx="4037012" cy="4188315"/>
-          </a:xfrm>
-          <a:prstGeom prst="rect">
-            <a:avLst/>
-          </a:prstGeom>
-        </p:spPr>
-      </p:pic>
-      <p:pic>
-        <p:nvPicPr>
-          <p:cNvPr id="10" name="Picture 9">
+          <p:cNvSpPr>
+            <a:spLocks noGrp="1"/>
+          </p:cNvSpPr>
+          <p:nvPr>
+            <p:ph type="title"/>
+          </p:nvPr>
+        </p:nvSpPr>
+        <p:spPr/>
+        <p:txBody>
+          <a:bodyPr/>
+          <a:lstStyle/>
+          <a:p>
+            <a:r>
+              <a:rPr lang="en-US" u="sng" dirty="0"/>
+              <a:t>CONFIRMED</a:t>
+            </a:r>
+            <a:r>
+              <a:rPr lang="en-US" dirty="0"/>
+              <a:t> DESIGN SPECIFICATIONS</a:t>
+            </a:r>
+          </a:p>
+        </p:txBody>
+      </p:sp>
+      <p:sp>
+        <p:nvSpPr>
+          <p:cNvPr id="5" name="Content Placeholder 4">
             <a:extLst>
               <a:ext uri="{FF2B5EF4-FFF2-40B4-BE49-F238E27FC236}">
-                <a16:creationId xmlns:a16="http://schemas.microsoft.com/office/drawing/2014/main" id="{2AE609E2-8522-44E4-9077-980E5BCF3E14}"/>
-              </a:ext>
-              <a:ext uri="{C183D7F6-B498-43B3-948B-1728B52AA6E4}">
-                <adec:decorative xmlns:adec="http://schemas.microsoft.com/office/drawing/2017/decorative" val="1"/>
+                <a16:creationId xmlns:a16="http://schemas.microsoft.com/office/drawing/2014/main" id="{D2CA10B4-E69A-4E22-2DF2-0594BC3E159B}"/>
               </a:ext>
             </a:extLst>
           </p:cNvPr>
-          <p:cNvPicPr>
-            <a:picLocks noGrp="1" noRot="1" noChangeAspect="1" noMove="1" noResize="1" noEditPoints="1" noAdjustHandles="1" noChangeArrowheads="1" noChangeShapeType="1" noCrop="1"/>
-          </p:cNvPicPr>
-          <p:nvPr>
-            <p:extLst>
-              <p:ext uri="{386F3935-93C4-4BCD-93E2-E3B085C9AB24}">
-                <p16:designElem xmlns:p16="http://schemas.microsoft.com/office/powerpoint/2015/main" val="1"/>
-              </p:ext>
-            </p:extLst>
-          </p:nvPr>
-        </p:nvPicPr>
-        <p:blipFill rotWithShape="1">
-          <a:blip r:embed="rId4">
-            <a:extLst>
-              <a:ext uri="{28A0092B-C50C-407E-A947-70E740481C1C}">
-                <a14:useLocalDpi xmlns:a14="http://schemas.microsoft.com/office/drawing/2010/main" val="0"/>
-              </a:ext>
-            </a:extLst>
-          </a:blip>
-          <a:srcRect l="35640"/>
-          <a:stretch/>
-        </p:blipFill>
-        <p:spPr>
-          <a:xfrm>
-            <a:off x="0" y="2892347"/>
-            <a:ext cx="1522412" cy="2365453"/>
-          </a:xfrm>
-          <a:prstGeom prst="rect">
-            <a:avLst/>
-          </a:prstGeom>
-        </p:spPr>
-      </p:pic>
-      <p:sp>
-        <p:nvSpPr>
-          <p:cNvPr id="12" name="Oval 11">
+          <p:cNvSpPr>
+            <a:spLocks noGrp="1"/>
+          </p:cNvSpPr>
+          <p:nvPr>
+            <p:ph sz="half" idx="1"/>
+          </p:nvPr>
+        </p:nvSpPr>
+        <p:spPr/>
+        <p:txBody>
+          <a:bodyPr/>
+          <a:lstStyle/>
+          <a:p>
+            <a:pPr marL="0" indent="0" algn="ctr">
+              <a:buNone/>
+            </a:pPr>
+            <a:r>
+              <a:rPr lang="en-US" dirty="0"/>
+              <a:t>Choice</a:t>
+            </a:r>
+          </a:p>
+          <a:p>
+            <a:endParaRPr lang="en-US" dirty="0"/>
+          </a:p>
+          <a:p>
+            <a:pPr>
+              <a:lnSpc>
+                <a:spcPct val="150000"/>
+              </a:lnSpc>
+            </a:pPr>
+            <a:r>
+              <a:rPr lang="en-US" sz="1600" dirty="0"/>
+              <a:t>Motor: Dual BLDC motor arrangement</a:t>
+            </a:r>
+          </a:p>
+          <a:p>
+            <a:pPr>
+              <a:lnSpc>
+                <a:spcPct val="150000"/>
+              </a:lnSpc>
+            </a:pPr>
+            <a:r>
+              <a:rPr lang="en-US" sz="1600" dirty="0"/>
+              <a:t>Tires: Motorcycle tires</a:t>
+            </a:r>
+          </a:p>
+          <a:p>
+            <a:pPr>
+              <a:lnSpc>
+                <a:spcPct val="150000"/>
+              </a:lnSpc>
+            </a:pPr>
+            <a:r>
+              <a:rPr lang="en-US" sz="1600" dirty="0"/>
+              <a:t>Throttle: Ride-by-wire system</a:t>
+            </a:r>
+          </a:p>
+          <a:p>
+            <a:pPr>
+              <a:lnSpc>
+                <a:spcPct val="150000"/>
+              </a:lnSpc>
+            </a:pPr>
+            <a:r>
+              <a:rPr lang="en-US" sz="1600" dirty="0"/>
+              <a:t>Speedometer: Digital number display</a:t>
+            </a:r>
+          </a:p>
+        </p:txBody>
+      </p:sp>
+      <p:sp>
+        <p:nvSpPr>
+          <p:cNvPr id="4" name="Text Placeholder 3">
             <a:extLst>
               <a:ext uri="{FF2B5EF4-FFF2-40B4-BE49-F238E27FC236}">
-                <a16:creationId xmlns:a16="http://schemas.microsoft.com/office/drawing/2014/main" id="{4FA533C5-33E3-4611-AF9F-72811D8B26A6}"/>
-              </a:ext>
-              <a:ext uri="{C183D7F6-B498-43B3-948B-1728B52AA6E4}">
-                <adec:decorative xmlns:adec="http://schemas.microsoft.com/office/drawing/2017/decorative" val="1"/>
+                <a16:creationId xmlns:a16="http://schemas.microsoft.com/office/drawing/2014/main" id="{0C04677D-67ED-CDCC-B4C1-1975F193758F}"/>
               </a:ext>
             </a:extLst>
           </p:cNvPr>
           <p:cNvSpPr>
-            <a:spLocks noGrp="1" noRot="1" noChangeAspect="1" noMove="1" noResize="1" noEditPoints="1" noAdjustHandles="1" noChangeArrowheads="1" noChangeShapeType="1" noTextEdit="1"/>
-          </p:cNvSpPr>
-          <p:nvPr>
-            <p:extLst>
-              <p:ext uri="{386F3935-93C4-4BCD-93E2-E3B085C9AB24}">
-                <p16:designElem xmlns:p16="http://schemas.microsoft.com/office/powerpoint/2015/main" val="1"/>
-              </p:ext>
-            </p:extLst>
-          </p:nvPr>
-        </p:nvSpPr>
-        <p:spPr>
-          <a:xfrm>
-            <a:off x="8609012" y="1676400"/>
-            <a:ext cx="2819400" cy="2819400"/>
-          </a:xfrm>
-          <a:prstGeom prst="ellipse">
-            <a:avLst/>
-          </a:prstGeom>
-          <a:gradFill flip="none" rotWithShape="1">
-            <a:gsLst>
-              <a:gs pos="0">
-                <a:schemeClr val="bg2">
-                  <a:lumMod val="60000"/>
-                  <a:lumOff val="40000"/>
-                  <a:alpha val="7000"/>
-                </a:schemeClr>
-              </a:gs>
-              <a:gs pos="69000">
-                <a:schemeClr val="bg2">
-                  <a:lumMod val="60000"/>
-                  <a:lumOff val="40000"/>
-                  <a:alpha val="0"/>
-                </a:schemeClr>
-              </a:gs>
-              <a:gs pos="36000">
-                <a:schemeClr val="bg2">
-                  <a:lumMod val="60000"/>
-                  <a:lumOff val="40000"/>
-                  <a:alpha val="6000"/>
-                </a:schemeClr>
-              </a:gs>
-            </a:gsLst>
-            <a:path path="circle">
-              <a:fillToRect l="50000" t="50000" r="50000" b="50000"/>
-            </a:path>
-            <a:tileRect/>
-          </a:gradFill>
-          <a:ln>
-            <a:noFill/>
-          </a:ln>
-          <a:effectLst/>
-        </p:spPr>
-        <p:style>
-          <a:lnRef idx="1">
-            <a:schemeClr val="accent1"/>
-          </a:lnRef>
-          <a:fillRef idx="3">
-            <a:schemeClr val="accent1"/>
-          </a:fillRef>
-          <a:effectRef idx="2">
-            <a:schemeClr val="accent1"/>
-          </a:effectRef>
-          <a:fontRef idx="minor">
-            <a:schemeClr val="lt1"/>
-          </a:fontRef>
-        </p:style>
+            <a:spLocks noGrp="1"/>
+          </p:cNvSpPr>
+          <p:nvPr>
+            <p:ph sz="half" idx="2"/>
+          </p:nvPr>
+        </p:nvSpPr>
+        <p:spPr/>
         <p:txBody>
           <a:bodyPr/>
           <a:lstStyle/>
           <a:p>
-            <a:endParaRPr lang="en-US"/>
-          </a:p>
-        </p:txBody>
-      </p:sp>
-      <p:pic>
-        <p:nvPicPr>
-          <p:cNvPr id="14" name="Picture 13">
+            <a:pPr marL="0" indent="0" algn="ctr">
+              <a:buNone/>
+            </a:pPr>
+            <a:r>
+              <a:rPr lang="en-US" dirty="0"/>
+              <a:t>Reason</a:t>
+            </a:r>
+          </a:p>
+          <a:p>
+            <a:endParaRPr lang="en-US" dirty="0"/>
+          </a:p>
+          <a:p>
+            <a:r>
+              <a:rPr lang="en-US" sz="1600" dirty="0"/>
+              <a:t>Maximizes torque while minimizing complexity</a:t>
+            </a:r>
+          </a:p>
+          <a:p>
+            <a:r>
+              <a:rPr lang="en-US" sz="1600" dirty="0"/>
+              <a:t>Gets the best traction for street riding while not breaking the bank</a:t>
+            </a:r>
+          </a:p>
+          <a:p>
+            <a:r>
+              <a:rPr lang="en-US" sz="1600" dirty="0"/>
+              <a:t>Reduces mechanical systems</a:t>
+            </a:r>
+          </a:p>
+          <a:p>
+            <a:r>
+              <a:rPr lang="en-US" sz="1600" dirty="0"/>
+              <a:t>Testing and less ME load</a:t>
+            </a:r>
+          </a:p>
+        </p:txBody>
+      </p:sp>
+    </p:spTree>
+    <p:extLst>
+      <p:ext uri="{BB962C8B-B14F-4D97-AF65-F5344CB8AC3E}">
+        <p14:creationId xmlns:p14="http://schemas.microsoft.com/office/powerpoint/2010/main" val="2617478230"/>
+      </p:ext>
+    </p:extLst>
+  </p:cSld>
+  <p:clrMapOvr>
+    <a:masterClrMapping/>
+  </p:clrMapOvr>
+</p:sld>
+</file>
+
+<file path=ppt/slides/slide6.xml><?xml version="1.0" encoding="utf-8"?>
+<p:sld xmlns:a="http://schemas.openxmlformats.org/drawingml/2006/main" xmlns:r="http://schemas.openxmlformats.org/officeDocument/2006/relationships" xmlns:p="http://schemas.openxmlformats.org/presentationml/2006/main">
+  <p:cSld>
+    <p:spTree>
+      <p:nvGrpSpPr>
+        <p:cNvPr id="1" name=""/>
+        <p:cNvGrpSpPr/>
+        <p:nvPr/>
+      </p:nvGrpSpPr>
+      <p:grpSpPr>
+        <a:xfrm>
+          <a:off x="0" y="0"/>
+          <a:ext cx="0" cy="0"/>
+          <a:chOff x="0" y="0"/>
+          <a:chExt cx="0" cy="0"/>
+        </a:xfrm>
+      </p:grpSpPr>
+      <p:sp>
+        <p:nvSpPr>
+          <p:cNvPr id="2" name="Title 1">
             <a:extLst>
               <a:ext uri="{FF2B5EF4-FFF2-40B4-BE49-F238E27FC236}">
-                <a16:creationId xmlns:a16="http://schemas.microsoft.com/office/drawing/2014/main" id="{8949AD42-25FD-4C3D-9EEE-B7FEC5809988}"/>
-              </a:ext>
-              <a:ext uri="{C183D7F6-B498-43B3-948B-1728B52AA6E4}">
-                <adec:decorative xmlns:adec="http://schemas.microsoft.com/office/drawing/2017/decorative" val="1"/>
+                <a16:creationId xmlns:a16="http://schemas.microsoft.com/office/drawing/2014/main" id="{9655ECB8-83E3-300E-8668-A054ADD59E29}"/>
               </a:ext>
             </a:extLst>
           </p:cNvPr>
-          <p:cNvPicPr>
-            <a:picLocks noGrp="1" noRot="1" noChangeAspect="1" noMove="1" noResize="1" noEditPoints="1" noAdjustHandles="1" noChangeArrowheads="1" noChangeShapeType="1" noCrop="1"/>
-          </p:cNvPicPr>
-          <p:nvPr>
-            <p:extLst>
-              <p:ext uri="{386F3935-93C4-4BCD-93E2-E3B085C9AB24}">
-                <p16:designElem xmlns:p16="http://schemas.microsoft.com/office/powerpoint/2015/main" val="1"/>
-              </p:ext>
-            </p:extLst>
-          </p:nvPr>
-        </p:nvPicPr>
-        <p:blipFill rotWithShape="1">
-          <a:blip r:embed="rId5">
-            <a:extLst>
-              <a:ext uri="{28A0092B-C50C-407E-A947-70E740481C1C}">
-                <a14:useLocalDpi xmlns:a14="http://schemas.microsoft.com/office/drawing/2010/main" val="0"/>
-              </a:ext>
-            </a:extLst>
-          </a:blip>
-          <a:srcRect t="28813"/>
-          <a:stretch/>
-        </p:blipFill>
-        <p:spPr>
-          <a:xfrm>
-            <a:off x="7999412" y="0"/>
-            <a:ext cx="1603387" cy="1141407"/>
-          </a:xfrm>
-          <a:prstGeom prst="rect">
-            <a:avLst/>
-          </a:prstGeom>
-        </p:spPr>
-      </p:pic>
-      <p:pic>
-        <p:nvPicPr>
-          <p:cNvPr id="16" name="Picture 15">
+          <p:cNvSpPr>
+            <a:spLocks noGrp="1"/>
+          </p:cNvSpPr>
+          <p:nvPr>
+            <p:ph type="title"/>
+          </p:nvPr>
+        </p:nvSpPr>
+        <p:spPr/>
+        <p:txBody>
+          <a:bodyPr/>
+          <a:lstStyle/>
+          <a:p>
+            <a:r>
+              <a:rPr lang="en-US" dirty="0"/>
+              <a:t>NEXT DESIGN STEPS</a:t>
+            </a:r>
+          </a:p>
+        </p:txBody>
+      </p:sp>
+      <p:sp>
+        <p:nvSpPr>
+          <p:cNvPr id="3" name="Text Placeholder 2">
             <a:extLst>
               <a:ext uri="{FF2B5EF4-FFF2-40B4-BE49-F238E27FC236}">
-                <a16:creationId xmlns:a16="http://schemas.microsoft.com/office/drawing/2014/main" id="{6AC7D913-60B7-4603-881B-831DA5D3A940}"/>
-              </a:ext>
-              <a:ext uri="{C183D7F6-B498-43B3-948B-1728B52AA6E4}">
-                <adec:decorative xmlns:adec="http://schemas.microsoft.com/office/drawing/2017/decorative" val="1"/>
+                <a16:creationId xmlns:a16="http://schemas.microsoft.com/office/drawing/2014/main" id="{CD153469-3DBE-81C5-0F05-F0F3B1B3BA4C}"/>
               </a:ext>
             </a:extLst>
           </p:cNvPr>
-          <p:cNvPicPr>
-            <a:picLocks noGrp="1" noRot="1" noChangeAspect="1" noMove="1" noResize="1" noEditPoints="1" noAdjustHandles="1" noChangeArrowheads="1" noChangeShapeType="1" noCrop="1"/>
-          </p:cNvPicPr>
-          <p:nvPr>
-            <p:extLst>
-              <p:ext uri="{386F3935-93C4-4BCD-93E2-E3B085C9AB24}">
-                <p16:designElem xmlns:p16="http://schemas.microsoft.com/office/powerpoint/2015/main" val="1"/>
-              </p:ext>
-            </p:extLst>
-          </p:nvPr>
-        </p:nvPicPr>
-        <p:blipFill rotWithShape="1">
-          <a:blip r:embed="rId6">
-            <a:extLst>
-              <a:ext uri="{28A0092B-C50C-407E-A947-70E740481C1C}">
-                <a14:useLocalDpi xmlns:a14="http://schemas.microsoft.com/office/drawing/2010/main" val="0"/>
-              </a:ext>
-            </a:extLst>
-          </a:blip>
-          <a:srcRect b="23320"/>
-          <a:stretch/>
-        </p:blipFill>
-        <p:spPr>
-          <a:xfrm>
-            <a:off x="8605878" y="6096000"/>
-            <a:ext cx="993734" cy="762000"/>
-          </a:xfrm>
-          <a:prstGeom prst="rect">
-            <a:avLst/>
-          </a:prstGeom>
-        </p:spPr>
-      </p:pic>
-      <p:sp>
-        <p:nvSpPr>
-          <p:cNvPr id="18" name="Rectangle 17">
+          <p:cNvSpPr>
+            <a:spLocks noGrp="1"/>
+          </p:cNvSpPr>
+          <p:nvPr>
+            <p:ph type="body" idx="1"/>
+          </p:nvPr>
+        </p:nvSpPr>
+        <p:spPr/>
+        <p:txBody>
+          <a:bodyPr/>
+          <a:lstStyle/>
+          <a:p>
+            <a:r>
+              <a:rPr lang="en-US" dirty="0"/>
+              <a:t>Frame</a:t>
+            </a:r>
+          </a:p>
+        </p:txBody>
+      </p:sp>
+      <p:sp>
+        <p:nvSpPr>
+          <p:cNvPr id="4" name="Text Placeholder 3">
             <a:extLst>
               <a:ext uri="{FF2B5EF4-FFF2-40B4-BE49-F238E27FC236}">
-                <a16:creationId xmlns:a16="http://schemas.microsoft.com/office/drawing/2014/main" id="{87F0FDC4-AD8C-47D9-9131-623C98ADB0AE}"/>
-              </a:ext>
-              <a:ext uri="{C183D7F6-B498-43B3-948B-1728B52AA6E4}">
-                <adec:decorative xmlns:adec="http://schemas.microsoft.com/office/drawing/2017/decorative" val="1"/>
+                <a16:creationId xmlns:a16="http://schemas.microsoft.com/office/drawing/2014/main" id="{1F19D43C-D0D6-57E9-33A3-087B1A5C1053}"/>
               </a:ext>
             </a:extLst>
           </p:cNvPr>
           <p:cNvSpPr>
-            <a:spLocks noGrp="1" noRot="1" noChangeAspect="1" noMove="1" noResize="1" noEditPoints="1" noAdjustHandles="1" noChangeArrowheads="1" noChangeShapeType="1" noTextEdit="1"/>
-          </p:cNvSpPr>
-          <p:nvPr>
-            <p:extLst>
-              <p:ext uri="{386F3935-93C4-4BCD-93E2-E3B085C9AB24}">
-                <p16:designElem xmlns:p16="http://schemas.microsoft.com/office/powerpoint/2015/main" val="1"/>
-              </p:ext>
-            </p:extLst>
-          </p:nvPr>
-        </p:nvSpPr>
-        <p:spPr>
-          <a:xfrm>
-            <a:off x="10437812" y="0"/>
-            <a:ext cx="685800" cy="1143000"/>
-          </a:xfrm>
-          <a:prstGeom prst="rect">
-            <a:avLst/>
-          </a:prstGeom>
-          <a:solidFill>
-            <a:schemeClr val="accent1"/>
-          </a:solidFill>
-          <a:ln>
-            <a:noFill/>
-          </a:ln>
-        </p:spPr>
-        <p:style>
-          <a:lnRef idx="1">
-            <a:schemeClr val="accent1"/>
-          </a:lnRef>
-          <a:fillRef idx="3">
-            <a:schemeClr val="accent1"/>
-          </a:fillRef>
-          <a:effectRef idx="2">
-            <a:schemeClr val="accent1"/>
-          </a:effectRef>
-          <a:fontRef idx="minor">
-            <a:schemeClr val="lt1"/>
-          </a:fontRef>
-        </p:style>
+            <a:spLocks noGrp="1"/>
+          </p:cNvSpPr>
+          <p:nvPr>
+            <p:ph type="body" sz="half" idx="15"/>
+          </p:nvPr>
+        </p:nvSpPr>
+        <p:spPr/>
         <p:txBody>
           <a:bodyPr/>
           <a:lstStyle/>
           <a:p>
-            <a:endParaRPr lang="en-US"/>
-          </a:p>
-        </p:txBody>
-      </p:sp>
-      <p:sp useBgFill="1">
-        <p:nvSpPr>
-          <p:cNvPr id="20" name="Rectangle 19">
+            <a:r>
+              <a:rPr lang="en-US" dirty="0"/>
+              <a:t>Options:</a:t>
+            </a:r>
+          </a:p>
+          <a:p>
+            <a:r>
+              <a:rPr lang="en-US" dirty="0"/>
+              <a:t>	- </a:t>
+            </a:r>
+            <a:r>
+              <a:rPr lang="en-US" b="1" dirty="0"/>
+              <a:t>Bicycle frame</a:t>
+            </a:r>
+          </a:p>
+          <a:p>
+            <a:r>
+              <a:rPr lang="en-US" dirty="0"/>
+              <a:t>	- Motorcycle frame</a:t>
+            </a:r>
+          </a:p>
+          <a:p>
+            <a:r>
+              <a:rPr lang="en-US" dirty="0"/>
+              <a:t>Build or buy then modify?</a:t>
+            </a:r>
+          </a:p>
+        </p:txBody>
+      </p:sp>
+      <p:sp>
+        <p:nvSpPr>
+          <p:cNvPr id="5" name="Text Placeholder 4">
             <a:extLst>
               <a:ext uri="{FF2B5EF4-FFF2-40B4-BE49-F238E27FC236}">
-                <a16:creationId xmlns:a16="http://schemas.microsoft.com/office/drawing/2014/main" id="{C28D0172-F2E0-4763-9C35-F022664959D8}"/>
-              </a:ext>
-              <a:ext uri="{C183D7F6-B498-43B3-948B-1728B52AA6E4}">
-                <adec:decorative xmlns:adec="http://schemas.microsoft.com/office/drawing/2017/decorative" val="1"/>
+                <a16:creationId xmlns:a16="http://schemas.microsoft.com/office/drawing/2014/main" id="{92198F66-EBBC-532A-5CB3-4D3AEDFA5FDA}"/>
               </a:ext>
             </a:extLst>
           </p:cNvPr>
           <p:cNvSpPr>
-            <a:spLocks noGrp="1" noRot="1" noChangeAspect="1" noMove="1" noResize="1" noEditPoints="1" noAdjustHandles="1" noChangeArrowheads="1" noChangeShapeType="1" noTextEdit="1"/>
-          </p:cNvSpPr>
-          <p:nvPr>
-            <p:extLst>
-              <p:ext uri="{386F3935-93C4-4BCD-93E2-E3B085C9AB24}">
-                <p16:designElem xmlns:p16="http://schemas.microsoft.com/office/powerpoint/2015/main" val="1"/>
-              </p:ext>
-            </p:extLst>
-          </p:nvPr>
-        </p:nvSpPr>
-        <p:spPr>
-          <a:xfrm>
-            <a:off x="0" y="-5"/>
-            <a:ext cx="12191695" cy="4730744"/>
-          </a:xfrm>
-          <a:prstGeom prst="rect">
-            <a:avLst/>
-          </a:prstGeom>
-          <a:ln>
-            <a:noFill/>
-          </a:ln>
-        </p:spPr>
-        <p:style>
-          <a:lnRef idx="2">
-            <a:schemeClr val="accent1">
-              <a:shade val="50000"/>
-            </a:schemeClr>
-          </a:lnRef>
-          <a:fillRef idx="1">
-            <a:schemeClr val="accent1"/>
-          </a:fillRef>
-          <a:effectRef idx="0">
-            <a:schemeClr val="accent1"/>
-          </a:effectRef>
-          <a:fontRef idx="minor">
-            <a:schemeClr val="lt1"/>
-          </a:fontRef>
-        </p:style>
-        <p:txBody>
-          <a:bodyPr rtlCol="0" anchor="ctr"/>
+            <a:spLocks noGrp="1"/>
+          </p:cNvSpPr>
+          <p:nvPr>
+            <p:ph type="body" sz="quarter" idx="3"/>
+          </p:nvPr>
+        </p:nvSpPr>
+        <p:spPr/>
+        <p:txBody>
+          <a:bodyPr/>
           <a:lstStyle/>
           <a:p>
-            <a:pPr algn="ctr"/>
-            <a:endParaRPr lang="en-US"/>
-          </a:p>
-        </p:txBody>
-      </p:sp>
-      <p:sp>
-        <p:nvSpPr>
-          <p:cNvPr id="22" name="Freeform 16">
+            <a:r>
+              <a:rPr lang="en-US" dirty="0"/>
+              <a:t>Braking System</a:t>
+            </a:r>
+          </a:p>
+        </p:txBody>
+      </p:sp>
+      <p:sp>
+        <p:nvSpPr>
+          <p:cNvPr id="6" name="Text Placeholder 5">
             <a:extLst>
               <a:ext uri="{FF2B5EF4-FFF2-40B4-BE49-F238E27FC236}">
-                <a16:creationId xmlns:a16="http://schemas.microsoft.com/office/drawing/2014/main" id="{9F2851FB-E841-4509-8A6D-A416376EA380}"/>
-              </a:ext>
-              <a:ext uri="{C183D7F6-B498-43B3-948B-1728B52AA6E4}">
-                <adec:decorative xmlns:adec="http://schemas.microsoft.com/office/drawing/2017/decorative" val="1"/>
+                <a16:creationId xmlns:a16="http://schemas.microsoft.com/office/drawing/2014/main" id="{67AA0A9D-01C2-19A0-E1FA-361004EBF8CA}"/>
               </a:ext>
             </a:extLst>
           </p:cNvPr>
           <p:cNvSpPr>
-            <a:spLocks noGrp="1" noRot="1" noChangeAspect="1" noMove="1" noResize="1" noEditPoints="1" noAdjustHandles="1" noChangeArrowheads="1" noChangeShapeType="1" noTextEdit="1"/>
-          </p:cNvSpPr>
-          <p:nvPr>
-            <p:extLst>
-              <p:ext uri="{386F3935-93C4-4BCD-93E2-E3B085C9AB24}">
-                <p16:designElem xmlns:p16="http://schemas.microsoft.com/office/powerpoint/2015/main" val="1"/>
-              </p:ext>
-            </p:extLst>
-          </p:nvPr>
-        </p:nvSpPr>
-        <p:spPr>
-          <a:xfrm>
-            <a:off x="8719939" y="3753695"/>
-            <a:ext cx="3472060" cy="825932"/>
-          </a:xfrm>
-          <a:custGeom>
-            <a:avLst/>
-            <a:gdLst>
-              <a:gd name="connsiteX0" fmla="*/ 3470310 w 3472060"/>
-              <a:gd name="connsiteY0" fmla="*/ 0 h 825932"/>
-              <a:gd name="connsiteX1" fmla="*/ 3472060 w 3472060"/>
-              <a:gd name="connsiteY1" fmla="*/ 12850 h 825932"/>
-              <a:gd name="connsiteX2" fmla="*/ 3472060 w 3472060"/>
-              <a:gd name="connsiteY2" fmla="*/ 480529 h 825932"/>
-              <a:gd name="connsiteX3" fmla="*/ 3363699 w 3472060"/>
-              <a:gd name="connsiteY3" fmla="*/ 498471 h 825932"/>
-              <a:gd name="connsiteX4" fmla="*/ 42060 w 3472060"/>
-              <a:gd name="connsiteY4" fmla="*/ 824486 h 825932"/>
-              <a:gd name="connsiteX5" fmla="*/ 0 w 3472060"/>
-              <a:gd name="connsiteY5" fmla="*/ 758452 h 825932"/>
-              <a:gd name="connsiteX6" fmla="*/ 188014 w 3472060"/>
-              <a:gd name="connsiteY6" fmla="*/ 735602 h 825932"/>
-              <a:gd name="connsiteX7" fmla="*/ 284087 w 3472060"/>
-              <a:gd name="connsiteY7" fmla="*/ 722590 h 825932"/>
-              <a:gd name="connsiteX8" fmla="*/ 382288 w 3472060"/>
-              <a:gd name="connsiteY8" fmla="*/ 709392 h 825932"/>
-              <a:gd name="connsiteX9" fmla="*/ 481858 w 3472060"/>
-              <a:gd name="connsiteY9" fmla="*/ 695774 h 825932"/>
-              <a:gd name="connsiteX10" fmla="*/ 581897 w 3472060"/>
-              <a:gd name="connsiteY10" fmla="*/ 680711 h 825932"/>
-              <a:gd name="connsiteX11" fmla="*/ 683670 w 3472060"/>
-              <a:gd name="connsiteY11" fmla="*/ 665256 h 825932"/>
-              <a:gd name="connsiteX12" fmla="*/ 787206 w 3472060"/>
-              <a:gd name="connsiteY12" fmla="*/ 649587 h 825932"/>
-              <a:gd name="connsiteX13" fmla="*/ 892019 w 3472060"/>
-              <a:gd name="connsiteY13" fmla="*/ 632968 h 825932"/>
-              <a:gd name="connsiteX14" fmla="*/ 997620 w 3472060"/>
-              <a:gd name="connsiteY14" fmla="*/ 614667 h 825932"/>
-              <a:gd name="connsiteX15" fmla="*/ 1104727 w 3472060"/>
-              <a:gd name="connsiteY15" fmla="*/ 596741 h 825932"/>
-              <a:gd name="connsiteX16" fmla="*/ 1212669 w 3472060"/>
-              <a:gd name="connsiteY16" fmla="*/ 577397 h 825932"/>
-              <a:gd name="connsiteX17" fmla="*/ 1321506 w 3472060"/>
-              <a:gd name="connsiteY17" fmla="*/ 556988 h 825932"/>
-              <a:gd name="connsiteX18" fmla="*/ 1430709 w 3472060"/>
-              <a:gd name="connsiteY18" fmla="*/ 536607 h 825932"/>
-              <a:gd name="connsiteX19" fmla="*/ 1541050 w 3472060"/>
-              <a:gd name="connsiteY19" fmla="*/ 514481 h 825932"/>
-              <a:gd name="connsiteX20" fmla="*/ 1652805 w 3472060"/>
-              <a:gd name="connsiteY20" fmla="*/ 492202 h 825932"/>
-              <a:gd name="connsiteX21" fmla="*/ 1763708 w 3472060"/>
-              <a:gd name="connsiteY21" fmla="*/ 469161 h 825932"/>
-              <a:gd name="connsiteX22" fmla="*/ 1875795 w 3472060"/>
-              <a:gd name="connsiteY22" fmla="*/ 444641 h 825932"/>
-              <a:gd name="connsiteX23" fmla="*/ 1989128 w 3472060"/>
-              <a:gd name="connsiteY23" fmla="*/ 418995 h 825932"/>
-              <a:gd name="connsiteX24" fmla="*/ 2102476 w 3472060"/>
-              <a:gd name="connsiteY24" fmla="*/ 393438 h 825932"/>
-              <a:gd name="connsiteX25" fmla="*/ 2215549 w 3472060"/>
-              <a:gd name="connsiteY25" fmla="*/ 366291 h 825932"/>
-              <a:gd name="connsiteX26" fmla="*/ 2330490 w 3472060"/>
-              <a:gd name="connsiteY26" fmla="*/ 337455 h 825932"/>
-              <a:gd name="connsiteX27" fmla="*/ 2443333 w 3472060"/>
-              <a:gd name="connsiteY27" fmla="*/ 308983 h 825932"/>
-              <a:gd name="connsiteX28" fmla="*/ 2558014 w 3472060"/>
-              <a:gd name="connsiteY28" fmla="*/ 278646 h 825932"/>
-              <a:gd name="connsiteX29" fmla="*/ 2673621 w 3472060"/>
-              <a:gd name="connsiteY29" fmla="*/ 247421 h 825932"/>
-              <a:gd name="connsiteX30" fmla="*/ 2787008 w 3472060"/>
-              <a:gd name="connsiteY30" fmla="*/ 215853 h 825932"/>
-              <a:gd name="connsiteX31" fmla="*/ 2901442 w 3472060"/>
-              <a:gd name="connsiteY31" fmla="*/ 182011 h 825932"/>
-              <a:gd name="connsiteX32" fmla="*/ 3015722 w 3472060"/>
-              <a:gd name="connsiteY32" fmla="*/ 147286 h 825932"/>
-              <a:gd name="connsiteX33" fmla="*/ 3130018 w 3472060"/>
-              <a:gd name="connsiteY33" fmla="*/ 112649 h 825932"/>
-              <a:gd name="connsiteX34" fmla="*/ 3243551 w 3472060"/>
-              <a:gd name="connsiteY34" fmla="*/ 75688 h 825932"/>
-              <a:gd name="connsiteX35" fmla="*/ 3356992 w 3472060"/>
-              <a:gd name="connsiteY35" fmla="*/ 38197 h 825932"/>
-              <a:gd name="connsiteX36" fmla="*/ 3470310 w 3472060"/>
-              <a:gd name="connsiteY36" fmla="*/ 0 h 825932"/>
-            </a:gdLst>
-            <a:ahLst/>
-            <a:cxnLst>
-              <a:cxn ang="0">
-                <a:pos x="connsiteX0" y="connsiteY0"/>
-              </a:cxn>
-              <a:cxn ang="0">
-                <a:pos x="connsiteX1" y="connsiteY1"/>
-              </a:cxn>
-              <a:cxn ang="0">
-                <a:pos x="connsiteX2" y="connsiteY2"/>
-              </a:cxn>
-              <a:cxn ang="0">
-                <a:pos x="connsiteX3" y="connsiteY3"/>
-              </a:cxn>
-              <a:cxn ang="0">
-                <a:pos x="connsiteX4" y="connsiteY4"/>
-              </a:cxn>
-              <a:cxn ang="0">
-                <a:pos x="connsiteX5" y="connsiteY5"/>
-              </a:cxn>
-              <a:cxn ang="0">
-                <a:pos x="connsiteX6" y="connsiteY6"/>
-              </a:cxn>
-              <a:cxn ang="0">
-                <a:pos x="connsiteX7" y="connsiteY7"/>
-              </a:cxn>
-              <a:cxn ang="0">
-                <a:pos x="connsiteX8" y="connsiteY8"/>
-              </a:cxn>
-              <a:cxn ang="0">
-                <a:pos x="connsiteX9" y="connsiteY9"/>
-              </a:cxn>
-              <a:cxn ang="0">
-                <a:pos x="connsiteX10" y="connsiteY10"/>
-              </a:cxn>
-              <a:cxn ang="0">
-                <a:pos x="connsiteX11" y="connsiteY11"/>
-              </a:cxn>
-              <a:cxn ang="0">
-                <a:pos x="connsiteX12" y="connsiteY12"/>
-              </a:cxn>
-              <a:cxn ang="0">
-                <a:pos x="connsiteX13" y="connsiteY13"/>
-              </a:cxn>
-              <a:cxn ang="0">
-                <a:pos x="connsiteX14" y="connsiteY14"/>
-              </a:cxn>
-              <a:cxn ang="0">
-                <a:pos x="connsiteX15" y="connsiteY15"/>
-              </a:cxn>
-              <a:cxn ang="0">
-                <a:pos x="connsiteX16" y="connsiteY16"/>
-              </a:cxn>
-              <a:cxn ang="0">
-                <a:pos x="connsiteX17" y="connsiteY17"/>
-              </a:cxn>
-              <a:cxn ang="0">
-                <a:pos x="connsiteX18" y="connsiteY18"/>
-              </a:cxn>
-              <a:cxn ang="0">
-                <a:pos x="connsiteX19" y="connsiteY19"/>
-              </a:cxn>
-              <a:cxn ang="0">
-                <a:pos x="connsiteX20" y="connsiteY20"/>
-              </a:cxn>
-              <a:cxn ang="0">
-                <a:pos x="connsiteX21" y="connsiteY21"/>
-              </a:cxn>
-              <a:cxn ang="0">
-                <a:pos x="connsiteX22" y="connsiteY22"/>
-              </a:cxn>
-              <a:cxn ang="0">
-                <a:pos x="connsiteX23" y="connsiteY23"/>
-              </a:cxn>
-              <a:cxn ang="0">
-                <a:pos x="connsiteX24" y="connsiteY24"/>
-              </a:cxn>
-              <a:cxn ang="0">
-                <a:pos x="connsiteX25" y="connsiteY25"/>
-              </a:cxn>
-              <a:cxn ang="0">
-                <a:pos x="connsiteX26" y="connsiteY26"/>
-              </a:cxn>
-              <a:cxn ang="0">
-                <a:pos x="connsiteX27" y="connsiteY27"/>
-              </a:cxn>
-              <a:cxn ang="0">
-                <a:pos x="connsiteX28" y="connsiteY28"/>
-              </a:cxn>
-              <a:cxn ang="0">
-                <a:pos x="connsiteX29" y="connsiteY29"/>
-              </a:cxn>
-              <a:cxn ang="0">
-                <a:pos x="connsiteX30" y="connsiteY30"/>
-              </a:cxn>
-              <a:cxn ang="0">
-                <a:pos x="connsiteX31" y="connsiteY31"/>
-              </a:cxn>
-              <a:cxn ang="0">
-                <a:pos x="connsiteX32" y="connsiteY32"/>
-              </a:cxn>
-              <a:cxn ang="0">
-                <a:pos x="connsiteX33" y="connsiteY33"/>
-              </a:cxn>
-              <a:cxn ang="0">
-                <a:pos x="connsiteX34" y="connsiteY34"/>
-              </a:cxn>
-              <a:cxn ang="0">
-                <a:pos x="connsiteX35" y="connsiteY35"/>
-              </a:cxn>
-              <a:cxn ang="0">
-                <a:pos x="connsiteX36" y="connsiteY36"/>
-              </a:cxn>
-            </a:cxnLst>
-            <a:rect l="l" t="t" r="r" b="b"/>
-            <a:pathLst>
-              <a:path w="3472060" h="825932">
-                <a:moveTo>
-                  <a:pt x="3470310" y="0"/>
-                </a:moveTo>
-                <a:lnTo>
-                  <a:pt x="3472060" y="12850"/>
-                </a:lnTo>
-                <a:lnTo>
-                  <a:pt x="3472060" y="480529"/>
-                </a:lnTo>
-                <a:lnTo>
-                  <a:pt x="3363699" y="498471"/>
-                </a:lnTo>
-                <a:cubicBezTo>
-                  <a:pt x="2435623" y="645518"/>
-                  <a:pt x="603076" y="844866"/>
-                  <a:pt x="42060" y="824486"/>
-                </a:cubicBezTo>
-                <a:cubicBezTo>
-                  <a:pt x="28151" y="802425"/>
-                  <a:pt x="13909" y="780513"/>
-                  <a:pt x="0" y="758452"/>
-                </a:cubicBezTo>
-                <a:lnTo>
-                  <a:pt x="188014" y="735602"/>
-                </a:lnTo>
-                <a:lnTo>
-                  <a:pt x="284087" y="722590"/>
-                </a:lnTo>
-                <a:lnTo>
-                  <a:pt x="382288" y="709392"/>
-                </a:lnTo>
-                <a:lnTo>
-                  <a:pt x="481858" y="695774"/>
-                </a:lnTo>
-                <a:lnTo>
-                  <a:pt x="581897" y="680711"/>
-                </a:lnTo>
-                <a:lnTo>
-                  <a:pt x="683670" y="665256"/>
-                </a:lnTo>
-                <a:lnTo>
-                  <a:pt x="787206" y="649587"/>
-                </a:lnTo>
-                <a:lnTo>
-                  <a:pt x="892019" y="632968"/>
-                </a:lnTo>
-                <a:lnTo>
-                  <a:pt x="997620" y="614667"/>
-                </a:lnTo>
-                <a:lnTo>
-                  <a:pt x="1104727" y="596741"/>
-                </a:lnTo>
-                <a:lnTo>
-                  <a:pt x="1212669" y="577397"/>
-                </a:lnTo>
-                <a:lnTo>
-                  <a:pt x="1321506" y="556988"/>
-                </a:lnTo>
-                <a:lnTo>
-                  <a:pt x="1430709" y="536607"/>
-                </a:lnTo>
-                <a:lnTo>
-                  <a:pt x="1541050" y="514481"/>
-                </a:lnTo>
-                <a:lnTo>
-                  <a:pt x="1652805" y="492202"/>
-                </a:lnTo>
-                <a:lnTo>
-                  <a:pt x="1763708" y="469161"/>
-                </a:lnTo>
-                <a:lnTo>
-                  <a:pt x="1875795" y="444641"/>
-                </a:lnTo>
-                <a:lnTo>
-                  <a:pt x="1989128" y="418995"/>
-                </a:lnTo>
-                <a:lnTo>
-                  <a:pt x="2102476" y="393438"/>
-                </a:lnTo>
-                <a:lnTo>
-                  <a:pt x="2215549" y="366291"/>
-                </a:lnTo>
-                <a:lnTo>
-                  <a:pt x="2330490" y="337455"/>
-                </a:lnTo>
-                <a:lnTo>
-                  <a:pt x="2443333" y="308983"/>
-                </a:lnTo>
-                <a:lnTo>
-                  <a:pt x="2558014" y="278646"/>
-                </a:lnTo>
-                <a:lnTo>
-                  <a:pt x="2673621" y="247421"/>
-                </a:lnTo>
-                <a:lnTo>
-                  <a:pt x="2787008" y="215853"/>
-                </a:lnTo>
-                <a:lnTo>
-                  <a:pt x="2901442" y="182011"/>
-                </a:lnTo>
-                <a:lnTo>
-                  <a:pt x="3015722" y="147286"/>
-                </a:lnTo>
-                <a:lnTo>
-                  <a:pt x="3130018" y="112649"/>
-                </a:lnTo>
-                <a:lnTo>
-                  <a:pt x="3243551" y="75688"/>
-                </a:lnTo>
-                <a:lnTo>
-                  <a:pt x="3356992" y="38197"/>
-                </a:lnTo>
-                <a:lnTo>
-                  <a:pt x="3470310" y="0"/>
-                </a:lnTo>
-                <a:close/>
-              </a:path>
-            </a:pathLst>
-          </a:custGeom>
-          <a:solidFill>
-            <a:schemeClr val="tx1">
-              <a:alpha val="20000"/>
-            </a:schemeClr>
-          </a:solidFill>
-          <a:ln>
-            <a:noFill/>
-          </a:ln>
-        </p:spPr>
-        <p:txBody>
-          <a:bodyPr rtlCol="0" anchor="ctr"/>
+            <a:spLocks noGrp="1"/>
+          </p:cNvSpPr>
+          <p:nvPr>
+            <p:ph type="body" sz="half" idx="16"/>
+          </p:nvPr>
+        </p:nvSpPr>
+        <p:spPr/>
+        <p:txBody>
+          <a:bodyPr/>
           <a:lstStyle/>
           <a:p>
-            <a:pPr algn="ctr"/>
-            <a:endParaRPr lang="en-US">
-              <a:solidFill>
-                <a:schemeClr val="tx1"/>
-              </a:solidFill>
-            </a:endParaRPr>
-          </a:p>
-        </p:txBody>
-      </p:sp>
-      <p:sp>
-        <p:nvSpPr>
-          <p:cNvPr id="24" name="Freeform: Shape 23">
+            <a:r>
+              <a:rPr lang="en-US" dirty="0"/>
+              <a:t>Options:</a:t>
+            </a:r>
+          </a:p>
+          <a:p>
+            <a:r>
+              <a:rPr lang="en-US" dirty="0"/>
+              <a:t>	- E-brake</a:t>
+            </a:r>
+          </a:p>
+          <a:p>
+            <a:r>
+              <a:rPr lang="en-US" dirty="0"/>
+              <a:t>	- Mechanical brakes 	(regular brake pads)</a:t>
+            </a:r>
+          </a:p>
+        </p:txBody>
+      </p:sp>
+      <p:sp>
+        <p:nvSpPr>
+          <p:cNvPr id="7" name="Text Placeholder 6">
             <a:extLst>
               <a:ext uri="{FF2B5EF4-FFF2-40B4-BE49-F238E27FC236}">
-                <a16:creationId xmlns:a16="http://schemas.microsoft.com/office/drawing/2014/main" id="{DF6FB2B2-CE21-407F-B22E-302DADC2C3D3}"/>
-              </a:ext>
-              <a:ext uri="{C183D7F6-B498-43B3-948B-1728B52AA6E4}">
-                <adec:decorative xmlns:adec="http://schemas.microsoft.com/office/drawing/2017/decorative" val="1"/>
+                <a16:creationId xmlns:a16="http://schemas.microsoft.com/office/drawing/2014/main" id="{2EBEC611-EEB1-BB3D-41AB-56950722BBD7}"/>
               </a:ext>
             </a:extLst>
           </p:cNvPr>
           <p:cNvSpPr>
-            <a:spLocks noGrp="1" noRot="1" noChangeAspect="1" noMove="1" noResize="1" noEditPoints="1" noAdjustHandles="1" noChangeArrowheads="1" noChangeShapeType="1" noTextEdit="1"/>
-          </p:cNvSpPr>
-          <p:nvPr>
-            <p:extLst>
-              <p:ext uri="{386F3935-93C4-4BCD-93E2-E3B085C9AB24}">
-                <p16:designElem xmlns:p16="http://schemas.microsoft.com/office/powerpoint/2015/main" val="1"/>
-              </p:ext>
-            </p:extLst>
-          </p:nvPr>
-        </p:nvSpPr>
-        <p:spPr>
-          <a:xfrm>
-            <a:off x="0" y="4055533"/>
-            <a:ext cx="12192000" cy="2802467"/>
-          </a:xfrm>
-          <a:custGeom>
-            <a:avLst/>
-            <a:gdLst>
-              <a:gd name="connsiteX0" fmla="*/ 1 w 12192000"/>
-              <a:gd name="connsiteY0" fmla="*/ 0 h 2802467"/>
-              <a:gd name="connsiteX1" fmla="*/ 71932 w 12192000"/>
-              <a:gd name="connsiteY1" fmla="*/ 12261 h 2802467"/>
-              <a:gd name="connsiteX2" fmla="*/ 282848 w 12192000"/>
-              <a:gd name="connsiteY2" fmla="*/ 48342 h 2802467"/>
-              <a:gd name="connsiteX3" fmla="*/ 436464 w 12192000"/>
-              <a:gd name="connsiteY3" fmla="*/ 73565 h 2802467"/>
-              <a:gd name="connsiteX4" fmla="*/ 619339 w 12192000"/>
-              <a:gd name="connsiteY4" fmla="*/ 100188 h 2802467"/>
-              <a:gd name="connsiteX5" fmla="*/ 836351 w 12192000"/>
-              <a:gd name="connsiteY5" fmla="*/ 132066 h 2802467"/>
-              <a:gd name="connsiteX6" fmla="*/ 1076528 w 12192000"/>
-              <a:gd name="connsiteY6" fmla="*/ 165696 h 2802467"/>
-              <a:gd name="connsiteX7" fmla="*/ 1347183 w 12192000"/>
-              <a:gd name="connsiteY7" fmla="*/ 201077 h 2802467"/>
-              <a:gd name="connsiteX8" fmla="*/ 1642223 w 12192000"/>
-              <a:gd name="connsiteY8" fmla="*/ 238560 h 2802467"/>
-              <a:gd name="connsiteX9" fmla="*/ 1962864 w 12192000"/>
-              <a:gd name="connsiteY9" fmla="*/ 276043 h 2802467"/>
-              <a:gd name="connsiteX10" fmla="*/ 2304232 w 12192000"/>
-              <a:gd name="connsiteY10" fmla="*/ 314226 h 2802467"/>
-              <a:gd name="connsiteX11" fmla="*/ 2672421 w 12192000"/>
-              <a:gd name="connsiteY11" fmla="*/ 349608 h 2802467"/>
-              <a:gd name="connsiteX12" fmla="*/ 3057678 w 12192000"/>
-              <a:gd name="connsiteY12" fmla="*/ 383587 h 2802467"/>
-              <a:gd name="connsiteX13" fmla="*/ 3464881 w 12192000"/>
-              <a:gd name="connsiteY13" fmla="*/ 414415 h 2802467"/>
-              <a:gd name="connsiteX14" fmla="*/ 3889152 w 12192000"/>
-              <a:gd name="connsiteY14" fmla="*/ 443840 h 2802467"/>
-              <a:gd name="connsiteX15" fmla="*/ 4331710 w 12192000"/>
-              <a:gd name="connsiteY15" fmla="*/ 471515 h 2802467"/>
-              <a:gd name="connsiteX16" fmla="*/ 4558476 w 12192000"/>
-              <a:gd name="connsiteY16" fmla="*/ 481323 h 2802467"/>
-              <a:gd name="connsiteX17" fmla="*/ 4790118 w 12192000"/>
-              <a:gd name="connsiteY17" fmla="*/ 492183 h 2802467"/>
-              <a:gd name="connsiteX18" fmla="*/ 5025418 w 12192000"/>
-              <a:gd name="connsiteY18" fmla="*/ 502342 h 2802467"/>
-              <a:gd name="connsiteX19" fmla="*/ 5261937 w 12192000"/>
-              <a:gd name="connsiteY19" fmla="*/ 508998 h 2802467"/>
-              <a:gd name="connsiteX20" fmla="*/ 5503332 w 12192000"/>
-              <a:gd name="connsiteY20" fmla="*/ 514953 h 2802467"/>
-              <a:gd name="connsiteX21" fmla="*/ 5747166 w 12192000"/>
-              <a:gd name="connsiteY21" fmla="*/ 521259 h 2802467"/>
-              <a:gd name="connsiteX22" fmla="*/ 5995877 w 12192000"/>
-              <a:gd name="connsiteY22" fmla="*/ 525462 h 2802467"/>
-              <a:gd name="connsiteX23" fmla="*/ 6247026 w 12192000"/>
-              <a:gd name="connsiteY23" fmla="*/ 525462 h 2802467"/>
-              <a:gd name="connsiteX24" fmla="*/ 6500613 w 12192000"/>
-              <a:gd name="connsiteY24" fmla="*/ 527564 h 2802467"/>
-              <a:gd name="connsiteX25" fmla="*/ 6756639 w 12192000"/>
-              <a:gd name="connsiteY25" fmla="*/ 525462 h 2802467"/>
-              <a:gd name="connsiteX26" fmla="*/ 7016322 w 12192000"/>
-              <a:gd name="connsiteY26" fmla="*/ 521259 h 2802467"/>
-              <a:gd name="connsiteX27" fmla="*/ 7276005 w 12192000"/>
-              <a:gd name="connsiteY27" fmla="*/ 517405 h 2802467"/>
-              <a:gd name="connsiteX28" fmla="*/ 7539345 w 12192000"/>
-              <a:gd name="connsiteY28" fmla="*/ 508998 h 2802467"/>
-              <a:gd name="connsiteX29" fmla="*/ 7805124 w 12192000"/>
-              <a:gd name="connsiteY29" fmla="*/ 500240 h 2802467"/>
-              <a:gd name="connsiteX30" fmla="*/ 8070903 w 12192000"/>
-              <a:gd name="connsiteY30" fmla="*/ 490081 h 2802467"/>
-              <a:gd name="connsiteX31" fmla="*/ 8339121 w 12192000"/>
-              <a:gd name="connsiteY31" fmla="*/ 475719 h 2802467"/>
-              <a:gd name="connsiteX32" fmla="*/ 8609776 w 12192000"/>
-              <a:gd name="connsiteY32" fmla="*/ 458553 h 2802467"/>
-              <a:gd name="connsiteX33" fmla="*/ 8881651 w 12192000"/>
-              <a:gd name="connsiteY33" fmla="*/ 442089 h 2802467"/>
-              <a:gd name="connsiteX34" fmla="*/ 9153526 w 12192000"/>
-              <a:gd name="connsiteY34" fmla="*/ 421070 h 2802467"/>
-              <a:gd name="connsiteX35" fmla="*/ 9429058 w 12192000"/>
-              <a:gd name="connsiteY35" fmla="*/ 395848 h 2802467"/>
-              <a:gd name="connsiteX36" fmla="*/ 9700933 w 12192000"/>
-              <a:gd name="connsiteY36" fmla="*/ 370626 h 2802467"/>
-              <a:gd name="connsiteX37" fmla="*/ 9977684 w 12192000"/>
-              <a:gd name="connsiteY37" fmla="*/ 341550 h 2802467"/>
-              <a:gd name="connsiteX38" fmla="*/ 10255655 w 12192000"/>
-              <a:gd name="connsiteY38" fmla="*/ 309672 h 2802467"/>
-              <a:gd name="connsiteX39" fmla="*/ 10529968 w 12192000"/>
-              <a:gd name="connsiteY39" fmla="*/ 276043 h 2802467"/>
-              <a:gd name="connsiteX40" fmla="*/ 10807939 w 12192000"/>
-              <a:gd name="connsiteY40" fmla="*/ 236808 h 2802467"/>
-              <a:gd name="connsiteX41" fmla="*/ 11084690 w 12192000"/>
-              <a:gd name="connsiteY41" fmla="*/ 194771 h 2802467"/>
-              <a:gd name="connsiteX42" fmla="*/ 11362661 w 12192000"/>
-              <a:gd name="connsiteY42" fmla="*/ 153085 h 2802467"/>
-              <a:gd name="connsiteX43" fmla="*/ 11639412 w 12192000"/>
-              <a:gd name="connsiteY43" fmla="*/ 104392 h 2802467"/>
-              <a:gd name="connsiteX44" fmla="*/ 11914945 w 12192000"/>
-              <a:gd name="connsiteY44" fmla="*/ 54648 h 2802467"/>
-              <a:gd name="connsiteX45" fmla="*/ 12191696 w 12192000"/>
-              <a:gd name="connsiteY45" fmla="*/ 2452 h 2802467"/>
-              <a:gd name="connsiteX46" fmla="*/ 12191696 w 12192000"/>
-              <a:gd name="connsiteY46" fmla="*/ 2236410 h 2802467"/>
-              <a:gd name="connsiteX47" fmla="*/ 12192000 w 12192000"/>
-              <a:gd name="connsiteY47" fmla="*/ 2236410 h 2802467"/>
-              <a:gd name="connsiteX48" fmla="*/ 12192000 w 12192000"/>
-              <a:gd name="connsiteY48" fmla="*/ 2802467 h 2802467"/>
-              <a:gd name="connsiteX49" fmla="*/ 12191696 w 12192000"/>
-              <a:gd name="connsiteY49" fmla="*/ 2802467 h 2802467"/>
-              <a:gd name="connsiteX50" fmla="*/ 0 w 12192000"/>
-              <a:gd name="connsiteY50" fmla="*/ 2802467 h 2802467"/>
-              <a:gd name="connsiteX51" fmla="*/ 0 w 12192000"/>
-              <a:gd name="connsiteY51" fmla="*/ 2236410 h 2802467"/>
-              <a:gd name="connsiteX52" fmla="*/ 1 w 12192000"/>
-              <a:gd name="connsiteY52" fmla="*/ 2236410 h 2802467"/>
-            </a:gdLst>
-            <a:ahLst/>
-            <a:cxnLst>
-              <a:cxn ang="0">
-                <a:pos x="connsiteX0" y="connsiteY0"/>
-              </a:cxn>
-              <a:cxn ang="0">
-                <a:pos x="connsiteX1" y="connsiteY1"/>
-              </a:cxn>
-              <a:cxn ang="0">
-                <a:pos x="connsiteX2" y="connsiteY2"/>
-              </a:cxn>
-              <a:cxn ang="0">
-                <a:pos x="connsiteX3" y="connsiteY3"/>
-              </a:cxn>
-              <a:cxn ang="0">
-                <a:pos x="connsiteX4" y="connsiteY4"/>
-              </a:cxn>
-              <a:cxn ang="0">
-                <a:pos x="connsiteX5" y="connsiteY5"/>
-              </a:cxn>
-              <a:cxn ang="0">
-                <a:pos x="connsiteX6" y="connsiteY6"/>
-              </a:cxn>
-              <a:cxn ang="0">
-                <a:pos x="connsiteX7" y="connsiteY7"/>
-              </a:cxn>
-              <a:cxn ang="0">
-                <a:pos x="connsiteX8" y="connsiteY8"/>
-              </a:cxn>
-              <a:cxn ang="0">
-                <a:pos x="connsiteX9" y="connsiteY9"/>
-              </a:cxn>
-              <a:cxn ang="0">
-                <a:pos x="connsiteX10" y="connsiteY10"/>
-              </a:cxn>
-              <a:cxn ang="0">
-                <a:pos x="connsiteX11" y="connsiteY11"/>
-              </a:cxn>
-              <a:cxn ang="0">
-                <a:pos x="connsiteX12" y="connsiteY12"/>
-              </a:cxn>
-              <a:cxn ang="0">
-                <a:pos x="connsiteX13" y="connsiteY13"/>
-              </a:cxn>
-              <a:cxn ang="0">
-                <a:pos x="connsiteX14" y="connsiteY14"/>
-              </a:cxn>
-              <a:cxn ang="0">
-                <a:pos x="connsiteX15" y="connsiteY15"/>
-              </a:cxn>
-              <a:cxn ang="0">
-                <a:pos x="connsiteX16" y="connsiteY16"/>
-              </a:cxn>
-              <a:cxn ang="0">
-                <a:pos x="connsiteX17" y="connsiteY17"/>
-              </a:cxn>
-              <a:cxn ang="0">
-                <a:pos x="connsiteX18" y="connsiteY18"/>
-              </a:cxn>
-              <a:cxn ang="0">
-                <a:pos x="connsiteX19" y="connsiteY19"/>
-              </a:cxn>
-              <a:cxn ang="0">
-                <a:pos x="connsiteX20" y="connsiteY20"/>
-              </a:cxn>
-              <a:cxn ang="0">
-                <a:pos x="connsiteX21" y="connsiteY21"/>
-              </a:cxn>
-              <a:cxn ang="0">
-                <a:pos x="connsiteX22" y="connsiteY22"/>
-              </a:cxn>
-              <a:cxn ang="0">
-                <a:pos x="connsiteX23" y="connsiteY23"/>
-              </a:cxn>
-              <a:cxn ang="0">
-                <a:pos x="connsiteX24" y="connsiteY24"/>
-              </a:cxn>
-              <a:cxn ang="0">
-                <a:pos x="connsiteX25" y="connsiteY25"/>
-              </a:cxn>
-              <a:cxn ang="0">
-                <a:pos x="connsiteX26" y="connsiteY26"/>
-              </a:cxn>
-              <a:cxn ang="0">
-                <a:pos x="connsiteX27" y="connsiteY27"/>
-              </a:cxn>
-              <a:cxn ang="0">
-                <a:pos x="connsiteX28" y="connsiteY28"/>
-              </a:cxn>
-              <a:cxn ang="0">
-                <a:pos x="connsiteX29" y="connsiteY29"/>
-              </a:cxn>
-              <a:cxn ang="0">
-                <a:pos x="connsiteX30" y="connsiteY30"/>
-              </a:cxn>
-              <a:cxn ang="0">
-                <a:pos x="connsiteX31" y="connsiteY31"/>
-              </a:cxn>
-              <a:cxn ang="0">
-                <a:pos x="connsiteX32" y="connsiteY32"/>
-              </a:cxn>
-              <a:cxn ang="0">
-                <a:pos x="connsiteX33" y="connsiteY33"/>
-              </a:cxn>
-              <a:cxn ang="0">
-                <a:pos x="connsiteX34" y="connsiteY34"/>
-              </a:cxn>
-              <a:cxn ang="0">
-                <a:pos x="connsiteX35" y="connsiteY35"/>
-              </a:cxn>
-              <a:cxn ang="0">
-                <a:pos x="connsiteX36" y="connsiteY36"/>
-              </a:cxn>
-              <a:cxn ang="0">
-                <a:pos x="connsiteX37" y="connsiteY37"/>
-              </a:cxn>
-              <a:cxn ang="0">
-                <a:pos x="connsiteX38" y="connsiteY38"/>
-              </a:cxn>
-              <a:cxn ang="0">
-                <a:pos x="connsiteX39" y="connsiteY39"/>
-              </a:cxn>
-              <a:cxn ang="0">
-                <a:pos x="connsiteX40" y="connsiteY40"/>
-              </a:cxn>
-              <a:cxn ang="0">
-                <a:pos x="connsiteX41" y="connsiteY41"/>
-              </a:cxn>
-              <a:cxn ang="0">
-                <a:pos x="connsiteX42" y="connsiteY42"/>
-              </a:cxn>
-              <a:cxn ang="0">
-                <a:pos x="connsiteX43" y="connsiteY43"/>
-              </a:cxn>
-              <a:cxn ang="0">
-                <a:pos x="connsiteX44" y="connsiteY44"/>
-              </a:cxn>
-              <a:cxn ang="0">
-                <a:pos x="connsiteX45" y="connsiteY45"/>
-              </a:cxn>
-              <a:cxn ang="0">
-                <a:pos x="connsiteX46" y="connsiteY46"/>
-              </a:cxn>
-              <a:cxn ang="0">
-                <a:pos x="connsiteX47" y="connsiteY47"/>
-              </a:cxn>
-              <a:cxn ang="0">
-                <a:pos x="connsiteX48" y="connsiteY48"/>
-              </a:cxn>
-              <a:cxn ang="0">
-                <a:pos x="connsiteX49" y="connsiteY49"/>
-              </a:cxn>
-              <a:cxn ang="0">
-                <a:pos x="connsiteX50" y="connsiteY50"/>
-              </a:cxn>
-              <a:cxn ang="0">
-                <a:pos x="connsiteX51" y="connsiteY51"/>
-              </a:cxn>
-              <a:cxn ang="0">
-                <a:pos x="connsiteX52" y="connsiteY52"/>
-              </a:cxn>
-            </a:cxnLst>
-            <a:rect l="l" t="t" r="r" b="b"/>
-            <a:pathLst>
-              <a:path w="12192000" h="2802467">
-                <a:moveTo>
-                  <a:pt x="1" y="0"/>
-                </a:moveTo>
-                <a:lnTo>
-                  <a:pt x="71932" y="12261"/>
-                </a:lnTo>
-                <a:lnTo>
-                  <a:pt x="282848" y="48342"/>
-                </a:lnTo>
-                <a:lnTo>
-                  <a:pt x="436464" y="73565"/>
-                </a:lnTo>
-                <a:lnTo>
-                  <a:pt x="619339" y="100188"/>
-                </a:lnTo>
-                <a:lnTo>
-                  <a:pt x="836351" y="132066"/>
-                </a:lnTo>
-                <a:lnTo>
-                  <a:pt x="1076528" y="165696"/>
-                </a:lnTo>
-                <a:lnTo>
-                  <a:pt x="1347183" y="201077"/>
-                </a:lnTo>
-                <a:lnTo>
-                  <a:pt x="1642223" y="238560"/>
-                </a:lnTo>
-                <a:lnTo>
-                  <a:pt x="1962864" y="276043"/>
-                </a:lnTo>
-                <a:lnTo>
-                  <a:pt x="2304232" y="314226"/>
-                </a:lnTo>
-                <a:lnTo>
-                  <a:pt x="2672421" y="349608"/>
-                </a:lnTo>
-                <a:lnTo>
-                  <a:pt x="3057678" y="383587"/>
-                </a:lnTo>
-                <a:lnTo>
-                  <a:pt x="3464881" y="414415"/>
-                </a:lnTo>
-                <a:lnTo>
-                  <a:pt x="3889152" y="443840"/>
-                </a:lnTo>
-                <a:lnTo>
-                  <a:pt x="4331710" y="471515"/>
-                </a:lnTo>
-                <a:lnTo>
-                  <a:pt x="4558476" y="481323"/>
-                </a:lnTo>
-                <a:lnTo>
-                  <a:pt x="4790118" y="492183"/>
-                </a:lnTo>
-                <a:lnTo>
-                  <a:pt x="5025418" y="502342"/>
-                </a:lnTo>
-                <a:lnTo>
-                  <a:pt x="5261937" y="508998"/>
-                </a:lnTo>
-                <a:lnTo>
-                  <a:pt x="5503332" y="514953"/>
-                </a:lnTo>
-                <a:lnTo>
-                  <a:pt x="5747166" y="521259"/>
-                </a:lnTo>
-                <a:lnTo>
-                  <a:pt x="5995877" y="525462"/>
-                </a:lnTo>
-                <a:lnTo>
-                  <a:pt x="6247026" y="525462"/>
-                </a:lnTo>
-                <a:lnTo>
-                  <a:pt x="6500613" y="527564"/>
-                </a:lnTo>
-                <a:lnTo>
-                  <a:pt x="6756639" y="525462"/>
-                </a:lnTo>
-                <a:lnTo>
-                  <a:pt x="7016322" y="521259"/>
-                </a:lnTo>
-                <a:lnTo>
-                  <a:pt x="7276005" y="517405"/>
-                </a:lnTo>
-                <a:lnTo>
-                  <a:pt x="7539345" y="508998"/>
-                </a:lnTo>
-                <a:lnTo>
-                  <a:pt x="7805124" y="500240"/>
-                </a:lnTo>
-                <a:lnTo>
-                  <a:pt x="8070903" y="490081"/>
-                </a:lnTo>
-                <a:lnTo>
-                  <a:pt x="8339121" y="475719"/>
-                </a:lnTo>
-                <a:lnTo>
-                  <a:pt x="8609776" y="458553"/>
-                </a:lnTo>
-                <a:lnTo>
-                  <a:pt x="8881651" y="442089"/>
-                </a:lnTo>
-                <a:lnTo>
-                  <a:pt x="9153526" y="421070"/>
-                </a:lnTo>
-                <a:lnTo>
-                  <a:pt x="9429058" y="395848"/>
-                </a:lnTo>
-                <a:lnTo>
-                  <a:pt x="9700933" y="370626"/>
-                </a:lnTo>
-                <a:lnTo>
-                  <a:pt x="9977684" y="341550"/>
-                </a:lnTo>
-                <a:lnTo>
-                  <a:pt x="10255655" y="309672"/>
-                </a:lnTo>
-                <a:lnTo>
-                  <a:pt x="10529968" y="276043"/>
-                </a:lnTo>
-                <a:lnTo>
-                  <a:pt x="10807939" y="236808"/>
-                </a:lnTo>
-                <a:lnTo>
-                  <a:pt x="11084690" y="194771"/>
-                </a:lnTo>
-                <a:lnTo>
-                  <a:pt x="11362661" y="153085"/>
-                </a:lnTo>
-                <a:lnTo>
-                  <a:pt x="11639412" y="104392"/>
-                </a:lnTo>
-                <a:lnTo>
-                  <a:pt x="11914945" y="54648"/>
-                </a:lnTo>
-                <a:lnTo>
-                  <a:pt x="12191696" y="2452"/>
-                </a:lnTo>
-                <a:lnTo>
-                  <a:pt x="12191696" y="2236410"/>
-                </a:lnTo>
-                <a:lnTo>
-                  <a:pt x="12192000" y="2236410"/>
-                </a:lnTo>
-                <a:lnTo>
-                  <a:pt x="12192000" y="2802467"/>
-                </a:lnTo>
-                <a:lnTo>
-                  <a:pt x="12191696" y="2802467"/>
-                </a:lnTo>
-                <a:lnTo>
-                  <a:pt x="0" y="2802467"/>
-                </a:lnTo>
-                <a:lnTo>
-                  <a:pt x="0" y="2236410"/>
-                </a:lnTo>
-                <a:lnTo>
-                  <a:pt x="1" y="2236410"/>
-                </a:lnTo>
-                <a:close/>
-              </a:path>
-            </a:pathLst>
-          </a:custGeom>
-          <a:solidFill>
-            <a:schemeClr val="tx2"/>
-          </a:solidFill>
-          <a:ln>
-            <a:noFill/>
-          </a:ln>
-        </p:spPr>
-        <p:style>
-          <a:lnRef idx="2">
-            <a:schemeClr val="accent1">
-              <a:shade val="50000"/>
-            </a:schemeClr>
-          </a:lnRef>
-          <a:fillRef idx="1003">
-            <a:schemeClr val="dk2"/>
-          </a:fillRef>
-          <a:effectRef idx="0">
-            <a:schemeClr val="accent1"/>
-          </a:effectRef>
-          <a:fontRef idx="minor">
-            <a:schemeClr val="lt1"/>
-          </a:fontRef>
-        </p:style>
-        <p:txBody>
-          <a:bodyPr rtlCol="0" anchor="ctr"/>
+            <a:spLocks noGrp="1"/>
+          </p:cNvSpPr>
+          <p:nvPr>
+            <p:ph type="body" sz="quarter" idx="13"/>
+          </p:nvPr>
+        </p:nvSpPr>
+        <p:spPr/>
+        <p:txBody>
+          <a:bodyPr/>
           <a:lstStyle/>
           <a:p>
-            <a:pPr algn="ctr"/>
-            <a:endParaRPr lang="en-US"/>
-          </a:p>
-        </p:txBody>
-      </p:sp>
+            <a:r>
+              <a:rPr lang="en-US" dirty="0"/>
+              <a:t>Suspension</a:t>
+            </a:r>
+          </a:p>
+        </p:txBody>
+      </p:sp>
+      <p:sp>
+        <p:nvSpPr>
+          <p:cNvPr id="8" name="Text Placeholder 7">
+            <a:extLst>
+              <a:ext uri="{FF2B5EF4-FFF2-40B4-BE49-F238E27FC236}">
+                <a16:creationId xmlns:a16="http://schemas.microsoft.com/office/drawing/2014/main" id="{9C8A3913-85F3-4E62-DDD1-38A07305803F}"/>
+              </a:ext>
+            </a:extLst>
+          </p:cNvPr>
+          <p:cNvSpPr>
+            <a:spLocks noGrp="1"/>
+          </p:cNvSpPr>
+          <p:nvPr>
+            <p:ph type="body" sz="half" idx="17"/>
+          </p:nvPr>
+        </p:nvSpPr>
+        <p:spPr/>
+        <p:txBody>
+          <a:bodyPr/>
+          <a:lstStyle/>
+          <a:p>
+            <a:r>
+              <a:rPr lang="en-US" dirty="0"/>
+              <a:t>Location: </a:t>
+            </a:r>
+          </a:p>
+          <a:p>
+            <a:r>
+              <a:rPr lang="en-US" dirty="0"/>
+              <a:t>Strength: </a:t>
+            </a:r>
+          </a:p>
+        </p:txBody>
+      </p:sp>
+    </p:spTree>
+    <p:extLst>
+      <p:ext uri="{BB962C8B-B14F-4D97-AF65-F5344CB8AC3E}">
+        <p14:creationId xmlns:p14="http://schemas.microsoft.com/office/powerpoint/2010/main" val="3954440194"/>
+      </p:ext>
+    </p:extLst>
+  </p:cSld>
+  <p:clrMapOvr>
+    <a:masterClrMapping/>
+  </p:clrMapOvr>
+</p:sld>
+</file>
+
+<file path=ppt/slides/slide7.xml><?xml version="1.0" encoding="utf-8"?>
+<p:sld xmlns:a="http://schemas.openxmlformats.org/drawingml/2006/main" xmlns:r="http://schemas.openxmlformats.org/officeDocument/2006/relationships" xmlns:p="http://schemas.openxmlformats.org/presentationml/2006/main">
+  <p:cSld>
+    <p:spTree>
+      <p:nvGrpSpPr>
+        <p:cNvPr id="1" name=""/>
+        <p:cNvGrpSpPr/>
+        <p:nvPr/>
+      </p:nvGrpSpPr>
+      <p:grpSpPr>
+        <a:xfrm>
+          <a:off x="0" y="0"/>
+          <a:ext cx="0" cy="0"/>
+          <a:chOff x="0" y="0"/>
+          <a:chExt cx="0" cy="0"/>
+        </a:xfrm>
+      </p:grpSpPr>
       <p:sp>
         <p:nvSpPr>
           <p:cNvPr id="2" name="Title 1">
             <a:extLst>
               <a:ext uri="{FF2B5EF4-FFF2-40B4-BE49-F238E27FC236}">
-                <a16:creationId xmlns:a16="http://schemas.microsoft.com/office/drawing/2014/main" id="{2FE53288-5CA9-95EE-7274-12AEC5684BB7}"/>
+                <a16:creationId xmlns:a16="http://schemas.microsoft.com/office/drawing/2014/main" id="{8B2A4774-A366-194B-A517-9176B44CD67E}"/>
               </a:ext>
             </a:extLst>
           </p:cNvPr>
@@ -10381,80 +13610,48 @@
             <p:ph type="title"/>
           </p:nvPr>
         </p:nvSpPr>
-        <p:spPr>
-          <a:xfrm>
-            <a:off x="965505" y="623571"/>
-            <a:ext cx="10260990" cy="3523885"/>
-          </a:xfrm>
-        </p:spPr>
-        <p:txBody>
-          <a:bodyPr vert="horz" lIns="91440" tIns="45720" rIns="91440" bIns="45720" rtlCol="0" anchor="b">
-            <a:normAutofit/>
-          </a:bodyPr>
+        <p:spPr/>
+        <p:txBody>
+          <a:bodyPr/>
           <a:lstStyle/>
           <a:p>
-            <a:pPr algn="ctr"/>
             <a:r>
-              <a:rPr lang="en-US" sz="8000" b="0" i="0" kern="1200">
-                <a:solidFill>
-                  <a:schemeClr val="tx2"/>
-                </a:solidFill>
-                <a:latin typeface="+mj-lt"/>
-                <a:ea typeface="+mj-ea"/>
-                <a:cs typeface="+mj-cs"/>
-              </a:rPr>
-              <a:t>MINIMUM DELIVERABLES</a:t>
+              <a:rPr lang="en-US" dirty="0"/>
+              <a:t>POTENTIAL FEATURES</a:t>
             </a:r>
           </a:p>
         </p:txBody>
       </p:sp>
-      <p:sp>
-        <p:nvSpPr>
-          <p:cNvPr id="3" name="Text Placeholder 2">
+      <p:graphicFrame>
+        <p:nvGraphicFramePr>
+          <p:cNvPr id="7" name="Content Placeholder 2">
             <a:extLst>
               <a:ext uri="{FF2B5EF4-FFF2-40B4-BE49-F238E27FC236}">
-                <a16:creationId xmlns:a16="http://schemas.microsoft.com/office/drawing/2014/main" id="{D59EEC56-1ACB-2A6D-1171-158522850F9E}"/>
+                <a16:creationId xmlns:a16="http://schemas.microsoft.com/office/drawing/2014/main" id="{BC0F40CF-C50B-0E89-5D65-287D1DCE5373}"/>
               </a:ext>
             </a:extLst>
           </p:cNvPr>
-          <p:cNvSpPr>
-            <a:spLocks noGrp="1"/>
-          </p:cNvSpPr>
-          <p:nvPr>
-            <p:ph type="body" idx="1"/>
-          </p:nvPr>
-        </p:nvSpPr>
-        <p:spPr>
-          <a:xfrm>
-            <a:off x="965505" y="4777380"/>
-            <a:ext cx="10260990" cy="1209763"/>
-          </a:xfrm>
-        </p:spPr>
-        <p:txBody>
-          <a:bodyPr vert="horz" lIns="91440" tIns="45720" rIns="91440" bIns="45720" rtlCol="0" anchor="t">
-            <a:normAutofit/>
-          </a:bodyPr>
-          <a:lstStyle/>
-          <a:p>
-            <a:pPr algn="ctr"/>
-            <a:r>
-              <a:rPr lang="en-US" sz="2200" b="0" i="0" kern="1200" cap="all" dirty="0">
-                <a:solidFill>
-                  <a:schemeClr val="bg2"/>
-                </a:solidFill>
-                <a:latin typeface="+mj-lt"/>
-                <a:ea typeface="+mj-ea"/>
-                <a:cs typeface="+mj-cs"/>
-              </a:rPr>
-              <a:t>Design and build an electric bike that uses motors to move, has a digital speedometer, includes a braking system (electric or mechanical), and doesn’t crumble when it undergoes stress.</a:t>
-            </a:r>
-          </a:p>
-        </p:txBody>
-      </p:sp>
+          <p:cNvGraphicFramePr>
+            <a:graphicFrameLocks noGrp="1"/>
+          </p:cNvGraphicFramePr>
+          <p:nvPr>
+            <p:ph idx="1"/>
+          </p:nvPr>
+        </p:nvGraphicFramePr>
+        <p:xfrm>
+          <a:off x="1103312" y="2052918"/>
+          <a:ext cx="8946541" cy="4195481"/>
+        </p:xfrm>
+        <a:graphic>
+          <a:graphicData uri="http://schemas.openxmlformats.org/drawingml/2006/diagram">
+            <dgm:relIds xmlns:dgm="http://schemas.openxmlformats.org/drawingml/2006/diagram" xmlns:r="http://schemas.openxmlformats.org/officeDocument/2006/relationships" r:dm="rId2" r:lo="rId3" r:qs="rId4" r:cs="rId5"/>
+          </a:graphicData>
+        </a:graphic>
+      </p:graphicFrame>
     </p:spTree>
     <p:extLst>
       <p:ext uri="{BB962C8B-B14F-4D97-AF65-F5344CB8AC3E}">
-        <p14:creationId xmlns:p14="http://schemas.microsoft.com/office/powerpoint/2010/main" val="729052760"/>
+        <p14:creationId xmlns:p14="http://schemas.microsoft.com/office/powerpoint/2010/main" val="2341725599"/>
       </p:ext>
     </p:extLst>
   </p:cSld>
